--- a/ClusterGAN.pptx
+++ b/ClusterGAN.pptx
@@ -31,12 +31,12 @@
     <p:sldId id="359" r:id="rId22"/>
     <p:sldId id="360" r:id="rId23"/>
     <p:sldId id="361" r:id="rId24"/>
-    <p:sldId id="363" r:id="rId25"/>
-    <p:sldId id="364" r:id="rId26"/>
-    <p:sldId id="348" r:id="rId27"/>
-    <p:sldId id="349" r:id="rId28"/>
-    <p:sldId id="351" r:id="rId29"/>
-    <p:sldId id="354" r:id="rId30"/>
+    <p:sldId id="371" r:id="rId25"/>
+    <p:sldId id="372" r:id="rId26"/>
+    <p:sldId id="373" r:id="rId27"/>
+    <p:sldId id="348" r:id="rId28"/>
+    <p:sldId id="349" r:id="rId29"/>
+    <p:sldId id="351" r:id="rId30"/>
     <p:sldId id="315" r:id="rId31"/>
     <p:sldId id="272" r:id="rId32"/>
     <p:sldId id="317" r:id="rId33"/>
@@ -59,26 +59,19 @@
       <p:italic r:id="rId45"/>
     </p:embeddedFont>
     <p:embeddedFont>
-      <p:font typeface="Aptos" panose="020B0004020202020204" pitchFamily="34" charset="0"/>
+      <p:font typeface="Commissioner" panose="020B0604020202020204" charset="0"/>
       <p:regular r:id="rId46"/>
       <p:bold r:id="rId47"/>
-      <p:italic r:id="rId48"/>
-      <p:boldItalic r:id="rId49"/>
-    </p:embeddedFont>
-    <p:embeddedFont>
-      <p:font typeface="Commissioner" panose="020B0604020202020204" charset="0"/>
-      <p:regular r:id="rId50"/>
-      <p:bold r:id="rId51"/>
     </p:embeddedFont>
     <p:embeddedFont>
       <p:font typeface="Golos Text" panose="020B0604020202020204" charset="0"/>
-      <p:regular r:id="rId52"/>
-      <p:bold r:id="rId53"/>
+      <p:regular r:id="rId48"/>
+      <p:bold r:id="rId49"/>
     </p:embeddedFont>
     <p:embeddedFont>
       <p:font typeface="Golos Text SemiBold" panose="020B0604020202020204" charset="0"/>
-      <p:regular r:id="rId54"/>
-      <p:bold r:id="rId55"/>
+      <p:regular r:id="rId50"/>
+      <p:bold r:id="rId51"/>
     </p:embeddedFont>
   </p:embeddedFontLst>
   <p:defaultTextStyle>
@@ -2822,7 +2815,11 @@
               </a:spcAft>
               <a:buNone/>
             </a:pPr>
-            <a:endParaRPr/>
+            <a:r>
+              <a:rPr lang="he-IL" dirty="0"/>
+              <a:t>שלום אני ליאור ובחלק שלי אני הולך לעבור על המרכיבים המרכזיים בקוד – דגימת משתני לטנט, המבנה של הגנרטור, המקודד והדיסקרימינטור, ולולאת האימון – אשר יחד יוצרים מערכת תחרותית ואפקטיבית להפקת תמונות.</a:t>
+            </a:r>
+            <a:endParaRPr dirty="0"/>
           </a:p>
         </p:txBody>
       </p:sp>
@@ -3077,89 +3074,121 @@
               <a:buNone/>
             </a:pPr>
             <a:r>
-              <a:rPr lang="en-US" b="1" u="sng" dirty="0"/>
-              <a:t>Discriminator Class + Outputs:</a:t>
-            </a:r>
-            <a:endParaRPr lang="he-IL" b="1" u="sng" dirty="0"/>
-          </a:p>
-          <a:p>
-            <a:pPr marL="158750" lvl="0" indent="0" algn="r" rtl="1">
-              <a:buFont typeface="Arial" panose="020B0604020202020204" pitchFamily="34" charset="0"/>
-              <a:buNone/>
-            </a:pPr>
+              <a:rPr kumimoji="0" lang="en-US" altLang="en-IL" sz="1100" b="1" i="0" u="none" strike="noStrike" cap="none" normalizeH="0" baseline="0" dirty="0">
+                <a:ln>
+                  <a:noFill/>
+                </a:ln>
+                <a:solidFill>
+                  <a:schemeClr val="tx1"/>
+                </a:solidFill>
+                <a:effectLst/>
+                <a:latin typeface="Arial" panose="020B0604020202020204" pitchFamily="34" charset="0"/>
+              </a:rPr>
+              <a:t>Creating a latent variable (</a:t>
+            </a:r>
+            <a:r>
+              <a:rPr kumimoji="0" lang="en-US" altLang="en-IL" sz="1100" b="1" i="0" u="none" strike="noStrike" cap="none" normalizeH="0" baseline="0" dirty="0" err="1">
+                <a:ln>
+                  <a:noFill/>
+                </a:ln>
+                <a:solidFill>
+                  <a:schemeClr val="tx1"/>
+                </a:solidFill>
+                <a:effectLst/>
+                <a:latin typeface="Arial" panose="020B0604020202020204" pitchFamily="34" charset="0"/>
+              </a:rPr>
+              <a:t>sample_z</a:t>
+            </a:r>
+            <a:r>
+              <a:rPr kumimoji="0" lang="en-US" altLang="en-IL" sz="1100" b="1" i="0" u="none" strike="noStrike" cap="none" normalizeH="0" baseline="0" dirty="0">
+                <a:ln>
+                  <a:noFill/>
+                </a:ln>
+                <a:solidFill>
+                  <a:schemeClr val="tx1"/>
+                </a:solidFill>
+                <a:effectLst/>
+                <a:latin typeface="Arial" panose="020B0604020202020204" pitchFamily="34" charset="0"/>
+              </a:rPr>
+              <a:t>):</a:t>
+            </a:r>
+          </a:p>
+          <a:p>
+            <a:pPr lvl="0" algn="r" rtl="1">
+              <a:buNone/>
+            </a:pPr>
+            <a:r>
+              <a:rPr lang="he-IL" dirty="0"/>
+              <a:t>בפונקציה </a:t>
+            </a:r>
             <a:r>
               <a:rPr lang="en-US" dirty="0"/>
               <a:t> </a:t>
             </a:r>
             <a:r>
+              <a:rPr lang="en-US" dirty="0" err="1"/>
+              <a:t>sample_z</a:t>
+            </a:r>
+            <a:r>
+              <a:rPr lang="en-US" dirty="0"/>
+              <a:t> </a:t>
+            </a:r>
+            <a:r>
               <a:rPr lang="he-IL" dirty="0"/>
-              <a:t>1) הדיסקרימינטור מקבל תמונה ומעביר אותה דרך כמה בלוקים של </a:t>
+              <a:t>אנו יוצרים את משתני הלטנט לשני חלקים: &gt; - חלק רציף (</a:t>
             </a:r>
             <a:r>
               <a:rPr lang="en-US" dirty="0"/>
-              <a:t>Conv </a:t>
+              <a:t> :(</a:t>
+            </a:r>
+            <a:r>
+              <a:rPr lang="en-US" dirty="0" err="1"/>
+              <a:t>zn</a:t>
             </a:r>
             <a:r>
               <a:rPr lang="he-IL" dirty="0"/>
-              <a:t> שמקטינים את התמונה כל פעם. ככה הוא לומד לזהות תבניות מורכבות בצורה היררכית.</a:t>
-            </a:r>
-          </a:p>
-          <a:p>
-            <a:pPr marL="158750" lvl="0" indent="0" algn="r" rtl="1">
-              <a:buFont typeface="Arial" panose="020B0604020202020204" pitchFamily="34" charset="0"/>
-              <a:buNone/>
-            </a:pPr>
-            <a:endParaRPr lang="he-IL" dirty="0"/>
-          </a:p>
-          <a:p>
-            <a:pPr marL="158750" lvl="0" indent="0" algn="r" rtl="1">
-              <a:buFont typeface="Arial" panose="020B0604020202020204" pitchFamily="34" charset="0"/>
+              <a:t>מקבל רעש נומרי הנמדד בסקלציה (למשל, 0.75).</a:t>
+            </a:r>
+            <a:endParaRPr lang="en-US" dirty="0"/>
+          </a:p>
+          <a:p>
+            <a:pPr lvl="0" algn="r" rtl="1">
               <a:buNone/>
             </a:pPr>
             <a:r>
               <a:rPr lang="he-IL" dirty="0"/>
-              <a:t>2) בסוף הדיסקרימינטור מחזיר שתי תחזיות: האחת אם התמונה אמיתית או מזויפת </a:t>
+              <a:t> &gt; - חלק קטגורי (</a:t>
+            </a:r>
+            <a:r>
+              <a:rPr lang="en-US" dirty="0"/>
+              <a:t> :(</a:t>
             </a:r>
             <a:r>
               <a:rPr lang="en-US" dirty="0" err="1"/>
-              <a:t>adv_layer</a:t>
+              <a:t>zc</a:t>
+            </a:r>
+            <a:r>
+              <a:rPr lang="he-IL" dirty="0"/>
+              <a:t>מתורגם לווקטור </a:t>
             </a:r>
             <a:r>
               <a:rPr lang="en-US" dirty="0"/>
-              <a:t>)</a:t>
+              <a:t>, one-hot </a:t>
             </a:r>
             <a:r>
               <a:rPr lang="he-IL" dirty="0"/>
-              <a:t>)</a:t>
-            </a:r>
-            <a:r>
-              <a:rPr lang="en-US" dirty="0"/>
-              <a:t>, </a:t>
-            </a:r>
+              <a:t>כך שכל דוגמה תקבל קטגוריה מסוימת. &gt;</a:t>
+            </a:r>
+            <a:endParaRPr lang="en-US" dirty="0"/>
+          </a:p>
+          <a:p>
+            <a:pPr lvl="0" algn="r" rtl="1">
+              <a:buNone/>
+            </a:pPr>
             <a:r>
               <a:rPr lang="he-IL" dirty="0"/>
-              <a:t>והשנייה מהקטגוריה של התמונה (</a:t>
-            </a:r>
-            <a:r>
-              <a:rPr lang="en-US" dirty="0" err="1"/>
-              <a:t>aux_layer</a:t>
-            </a:r>
-            <a:r>
-              <a:rPr lang="he-IL" dirty="0"/>
-              <a:t>).</a:t>
-            </a:r>
-          </a:p>
-          <a:p>
-            <a:pPr marL="0" lvl="0" indent="0" algn="r" rtl="1">
-              <a:spcBef>
-                <a:spcPts val="0"/>
-              </a:spcBef>
-              <a:spcAft>
-                <a:spcPts val="0"/>
-              </a:spcAft>
-              <a:buNone/>
-            </a:pPr>
-            <a:endParaRPr lang="he-IL" dirty="0"/>
+              <a:t> קטע זה חיוני כדי שהגנרטור ידע לקבל גם מידע רציף וגם מידע קטגורי, דבר שמשפר את יכולת הקלאסטרינג של המודל.</a:t>
+            </a:r>
           </a:p>
           <a:p>
             <a:pPr marL="0" lvl="0" indent="0" algn="r" rtl="1">
@@ -3305,21 +3334,19 @@
               <a:buNone/>
             </a:pPr>
             <a:r>
-              <a:rPr lang="en-US" b="1" u="sng" dirty="0"/>
-              <a:t>Weight Initialization:</a:t>
-            </a:r>
-            <a:endParaRPr lang="he-IL" b="1" u="sng" dirty="0"/>
-          </a:p>
-          <a:p>
-            <a:pPr marL="158750" lvl="0" indent="0" algn="r" rtl="1">
-              <a:buFont typeface="Arial" panose="020B0604020202020204" pitchFamily="34" charset="0"/>
+              <a:rPr lang="en-US" sz="1100" b="1" dirty="0"/>
+              <a:t>Calculating Gradient Penalty:</a:t>
+            </a:r>
+          </a:p>
+          <a:p>
+            <a:pPr lvl="0" algn="r" rtl="1">
               <a:buNone/>
             </a:pPr>
             <a:r>
               <a:rPr lang="he-IL" dirty="0"/>
-              <a:t>אנחנו מאתחלים את המשקלים של שכבות הקונבולוציה עם ערכים נורמליים מקריים. זה חשוב כדי שהרשת תתחיל ממקום מאוזן – לא אפס ולא מספרים גדולים מדי.</a:t>
-            </a:r>
-            <a:endParaRPr lang="en-US" dirty="0"/>
+              <a:t>נועדה לוודא שהרשת (בעיקר החלק שמבחין בין תמונות אמיתיות לתמונות שנוצרו) לא תגיב בצורה קיצונית מדי לשינויים קטנים בתמונה. כלומר, שינוי קטן בתמונה לא יוביל לשינוי עצום בפלט של הרשת. אם הגרדיאנטים (השינויים שהתוצאה משתנה בעקבות שינוי קטן בקלט) מדודים ושונים מ־1 – בין אם הם גבוהים מדי או נמוכים מדי – הפונקציה מוסיפה סכום לעיבוד ההפסד שמטרתו "להעניש" את הרשת, כלומר לגרום לעדכון המשקולות כך שהתנהגות הרשת תהיה יציבה ואחידה יותר.</a:t>
+            </a:r>
+            <a:endParaRPr lang="en-US" sz="1100" b="0" dirty="0"/>
           </a:p>
           <a:p>
             <a:pPr marL="158750" marR="0" lvl="0" indent="0" algn="r" defTabSz="914400" rtl="1" eaLnBrk="1" fontAlgn="auto" latinLnBrk="0" hangingPunct="1">
@@ -3342,67 +3369,6 @@
               <a:defRPr/>
             </a:pPr>
             <a:endParaRPr lang="en-US" sz="1100" b="0" dirty="0"/>
-          </a:p>
-          <a:p>
-            <a:pPr marL="158750" marR="0" lvl="0" indent="0" algn="r" defTabSz="914400" rtl="1" eaLnBrk="1" fontAlgn="auto" latinLnBrk="0" hangingPunct="1">
-              <a:lnSpc>
-                <a:spcPct val="100000"/>
-              </a:lnSpc>
-              <a:spcBef>
-                <a:spcPts val="0"/>
-              </a:spcBef>
-              <a:spcAft>
-                <a:spcPts val="0"/>
-              </a:spcAft>
-              <a:buClr>
-                <a:srgbClr val="000000"/>
-              </a:buClr>
-              <a:buSzPts val="1100"/>
-              <a:buFont typeface="Arial" panose="020B0604020202020204" pitchFamily="34" charset="0"/>
-              <a:buNone/>
-              <a:tabLst/>
-              <a:defRPr/>
-            </a:pPr>
-            <a:r>
-              <a:rPr lang="en-US" sz="1100" b="1" u="sng" dirty="0" err="1"/>
-              <a:t>sample_image</a:t>
-            </a:r>
-            <a:r>
-              <a:rPr lang="en-US" sz="1100" b="1" u="sng" dirty="0"/>
-              <a:t>()</a:t>
-            </a:r>
-            <a:r>
-              <a:rPr lang="en-US" altLang="en-IL" sz="1100" b="1" u="sng" dirty="0">
-                <a:solidFill>
-                  <a:schemeClr val="tx1"/>
-                </a:solidFill>
-                <a:latin typeface="Arial" panose="020B0604020202020204" pitchFamily="34" charset="0"/>
-              </a:rPr>
-              <a:t>:</a:t>
-            </a:r>
-            <a:endParaRPr lang="en-IL" altLang="en-IL" sz="1100" b="1" u="sng" dirty="0">
-              <a:solidFill>
-                <a:schemeClr val="tx1"/>
-              </a:solidFill>
-              <a:latin typeface="Arial" panose="020B0604020202020204" pitchFamily="34" charset="0"/>
-            </a:endParaRPr>
-          </a:p>
-          <a:p>
-            <a:pPr marL="387350" lvl="0" indent="-228600" algn="r" rtl="1">
-              <a:buFont typeface="Arial" panose="020B0604020202020204" pitchFamily="34" charset="0"/>
-              <a:buAutoNum type="arabicParenR"/>
-            </a:pPr>
-            <a:endParaRPr lang="he-IL" dirty="0"/>
-          </a:p>
-          <a:p>
-            <a:pPr marL="158750" lvl="0" indent="0" algn="r" rtl="1">
-              <a:buFont typeface="Arial" panose="020B0604020202020204" pitchFamily="34" charset="0"/>
-              <a:buNone/>
-            </a:pPr>
-            <a:r>
-              <a:rPr lang="he-IL" dirty="0"/>
-              <a:t> פונקציה זו יוצרת גריד של תמונות שנוצרו על ידי הגנרטור, כדי לבדוק איך הוא מתקדם. כל שורה מייצגת קטגוריה שונה.</a:t>
-            </a:r>
           </a:p>
           <a:p>
             <a:pPr marL="0" lvl="0" indent="0" algn="r" rtl="1">
@@ -3559,43 +3525,17 @@
             <a:pPr lvl="0" algn="r" rtl="1">
               <a:buNone/>
             </a:pPr>
-            <a:r>
-              <a:rPr lang="en-US" sz="1100" b="1" u="sng" dirty="0" err="1"/>
-              <a:t>generator_forward</a:t>
-            </a:r>
+            <a:endParaRPr lang="en-US" sz="1100" b="1" u="sng" dirty="0"/>
+          </a:p>
+          <a:p>
+            <a:pPr lvl="0" algn="r" rtl="1">
+              <a:buNone/>
+            </a:pPr>
             <a:r>
               <a:rPr lang="en-US" sz="1100" b="1" u="sng" dirty="0"/>
-              <a:t>():</a:t>
-            </a:r>
-            <a:endParaRPr lang="he-IL" u="sng" dirty="0"/>
-          </a:p>
-          <a:p>
-            <a:pPr marL="0" lvl="0" indent="0" algn="r" rtl="1">
-              <a:spcBef>
-                <a:spcPts val="0"/>
-              </a:spcBef>
-              <a:spcAft>
-                <a:spcPts val="0"/>
-              </a:spcAft>
-              <a:buNone/>
-            </a:pPr>
+              <a:t>Generator Class:</a:t>
+            </a:r>
             <a:endParaRPr lang="en-US" u="sng" dirty="0"/>
-          </a:p>
-          <a:p>
-            <a:pPr marL="0" lvl="0" indent="0" algn="r" rtl="1">
-              <a:spcBef>
-                <a:spcPts val="0"/>
-              </a:spcBef>
-              <a:spcAft>
-                <a:spcPts val="0"/>
-              </a:spcAft>
-              <a:buNone/>
-            </a:pPr>
-            <a:r>
-              <a:rPr lang="he-IL" u="none" dirty="0"/>
-              <a:t>כאן אנחנו מחשבים את ההפסד של הגנרטור: הוא מנסה לשכנע את הדיסקרימינטור שהתמונות שלו אמיתיות, וגם לנחש נכון את הקטגוריה.</a:t>
-            </a:r>
-            <a:endParaRPr lang="en-US" u="none" dirty="0"/>
           </a:p>
           <a:p>
             <a:pPr marL="0" lvl="0" indent="0" algn="r" rtl="1">
@@ -3630,50 +3570,10 @@
               <a:defRPr/>
             </a:pPr>
             <a:r>
-              <a:rPr lang="en-US" b="1" u="sng" dirty="0" err="1"/>
-              <a:t>discriminator_forward</a:t>
-            </a:r>
-            <a:r>
-              <a:rPr lang="en-US" b="1" u="sng" dirty="0"/>
-              <a:t>():</a:t>
-            </a:r>
-          </a:p>
-          <a:p>
-            <a:pPr marL="0" marR="0" lvl="0" indent="0" algn="r" defTabSz="914400" rtl="1" eaLnBrk="1" fontAlgn="auto" latinLnBrk="0" hangingPunct="1">
-              <a:lnSpc>
-                <a:spcPct val="100000"/>
-              </a:lnSpc>
-              <a:spcBef>
-                <a:spcPts val="0"/>
-              </a:spcBef>
-              <a:spcAft>
-                <a:spcPts val="0"/>
-              </a:spcAft>
-              <a:buClr>
-                <a:srgbClr val="000000"/>
-              </a:buClr>
-              <a:buSzPts val="1100"/>
-              <a:buFont typeface="Arial"/>
-              <a:buNone/>
-              <a:tabLst/>
-              <a:defRPr/>
-            </a:pPr>
-            <a:endParaRPr lang="en-US" u="sng" dirty="0"/>
-          </a:p>
-          <a:p>
-            <a:pPr marL="0" lvl="0" indent="0" algn="r" rtl="1">
-              <a:spcBef>
-                <a:spcPts val="0"/>
-              </a:spcBef>
-              <a:spcAft>
-                <a:spcPts val="0"/>
-              </a:spcAft>
-              <a:buNone/>
-            </a:pPr>
-            <a:r>
               <a:rPr lang="he-IL" u="none" dirty="0"/>
-              <a:t>הדיסקרימינטור נבחן פעמיים: על תמונות אמיתיות, וגם על תמונות מזויפות. בכל מקרה, הוא צריך גם להבדיל בין אמיתי למזויף וגם לזהות את הקטגוריה.</a:t>
-            </a:r>
+              <a:t>הגנרטור מקבל קוד לטנט קטן שמורכב משני חלקים – חלק רציף, שהוא רעש בסיסי, וחלק קטגורי, שמציין את הקטגוריה של התמונה. הקוד הזה מעובד במספר שלבים: ראשית, הוא 'ממלא' את המידע כדי ללכוד תכונות מורכבות, ואז מעצב אותו מחדש כך שיהיה מתאים לתמונה, ומגדיל בהדרגה את גודלו עד לגודל הרצוי. בסופו של תהליך, הוא עובר עיבוד שמוודא שערכי הפיקסלים יהיו בטווח המתאים (0 עד 1), מה שמאפשר לתמונה להיראות נכונה.</a:t>
+            </a:r>
+            <a:endParaRPr lang="en-US" u="none" dirty="0"/>
           </a:p>
         </p:txBody>
       </p:sp>
@@ -3795,19 +3695,9 @@
               <a:buNone/>
             </a:pPr>
             <a:r>
-              <a:rPr lang="en-US" sz="1100" b="1" dirty="0" err="1"/>
-              <a:t>train_step</a:t>
-            </a:r>
-            <a:r>
-              <a:rPr lang="en-US" sz="1100" b="1" dirty="0"/>
-              <a:t>():</a:t>
-            </a:r>
-          </a:p>
-          <a:p>
-            <a:pPr lvl="0" algn="r" rtl="1">
-              <a:buNone/>
-            </a:pPr>
-            <a:endParaRPr lang="en-US" sz="1100" b="1" dirty="0"/>
+              <a:rPr lang="en-US" sz="1100" b="1" u="sng" dirty="0"/>
+              <a:t>Encoder Class:</a:t>
+            </a:r>
           </a:p>
           <a:p>
             <a:pPr marL="0" lvl="0" indent="0" algn="r" rtl="1">
@@ -3821,7 +3711,23 @@
             </a:pPr>
             <a:r>
               <a:rPr lang="he-IL" dirty="0"/>
-              <a:t>בכל צעד של אימון אנחנו מחשבים את ההפסד של הגנרטור, מעדכנים אותו, ואז עושים אותו דבר עבור הדיסקרימינטור – הכול עם גרדיאנטים אוטומטיים.</a:t>
+              <a:t>בהמקודד, תמונה מומרת לוקטור קוד לטנט המורכב מחלק רציף לתכונות חזותיות וחלק קטגורי שעליו מופעל </a:t>
+            </a:r>
+            <a:r>
+              <a:rPr lang="en-US" dirty="0"/>
+              <a:t> </a:t>
+            </a:r>
+            <a:r>
+              <a:rPr lang="en-US" dirty="0" err="1"/>
+              <a:t>Softmax</a:t>
+            </a:r>
+            <a:r>
+              <a:rPr lang="en-US" dirty="0"/>
+              <a:t> </a:t>
+            </a:r>
+            <a:r>
+              <a:rPr lang="he-IL" dirty="0"/>
+              <a:t>להמרת הערכים להסתברויות, כך שהתוצאה המשוחזרת תואמת את התמונה – תהליך ההופכי לגנרטור.</a:t>
             </a:r>
             <a:endParaRPr lang="en-US" dirty="0"/>
           </a:p>
@@ -3847,35 +3753,132 @@
               </a:spcAft>
               <a:buNone/>
             </a:pPr>
+            <a:r>
+              <a:rPr lang="he-IL" dirty="0"/>
+              <a:t>המקודד מעבד תמונה על ידי מעבר דרך שתי שכבות קונבולוציוניות—עם 64 פילטרים בשכבה הראשונה ולאחריה 128 פילטרים בשכבה השנייה—כאשר כל אחת מהן מלווה בפעולת </a:t>
+            </a:r>
+            <a:r>
+              <a:rPr lang="en-US" dirty="0"/>
+              <a:t> </a:t>
+            </a:r>
+            <a:r>
+              <a:rPr lang="en-US" dirty="0" err="1"/>
+              <a:t>LeakyReLU</a:t>
+            </a:r>
+            <a:r>
+              <a:rPr lang="en-US" dirty="0"/>
+              <a:t> </a:t>
+            </a:r>
+            <a:r>
+              <a:rPr lang="he-IL" dirty="0"/>
+              <a:t>עם מקדם של 0.2, ובכך מחלצת תכונות בסיסיות מהתמונה. הפלט מהשכבות הללו הוא מפה בגודל 128×5×5 (כלומר, 3200 ערכים) שמשטיחים אותה לווקטור חד ממדי ואחריו הווקטור הזה יעבור שתי שכבות </a:t>
+            </a:r>
+            <a:r>
+              <a:rPr lang="en-US" dirty="0"/>
+              <a:t> :Dense </a:t>
+            </a:r>
+            <a:r>
+              <a:rPr lang="he-IL" dirty="0"/>
+              <a:t>הראשונה ממירה את 3200 ל-1024, והשנייה ממירה את 1024 למימד הסופי שהוא סכום של </a:t>
+            </a:r>
+            <a:r>
+              <a:rPr lang="en-US" dirty="0"/>
+              <a:t> </a:t>
+            </a:r>
+            <a:r>
+              <a:rPr lang="en-US" dirty="0" err="1"/>
+              <a:t>latent_dim</a:t>
+            </a:r>
+            <a:r>
+              <a:rPr lang="en-US" dirty="0"/>
+              <a:t> </a:t>
+            </a:r>
+            <a:r>
+              <a:rPr lang="he-IL" dirty="0"/>
+              <a:t>ו־</a:t>
+            </a:r>
+            <a:r>
+              <a:rPr lang="en-US" dirty="0"/>
+              <a:t> . </a:t>
+            </a:r>
+            <a:r>
+              <a:rPr lang="en-US" dirty="0" err="1"/>
+              <a:t>n_c</a:t>
+            </a:r>
+            <a:r>
+              <a:rPr lang="en-US" dirty="0"/>
+              <a:t> </a:t>
+            </a:r>
+            <a:r>
+              <a:rPr lang="he-IL" dirty="0"/>
+              <a:t>לדוגמה, אם </a:t>
+            </a:r>
+            <a:r>
+              <a:rPr lang="en-US" dirty="0"/>
+              <a:t> </a:t>
+            </a:r>
+            <a:r>
+              <a:rPr lang="en-US" dirty="0" err="1"/>
+              <a:t>latent_dim</a:t>
+            </a:r>
+            <a:r>
+              <a:rPr lang="en-US" dirty="0"/>
+              <a:t> </a:t>
+            </a:r>
+            <a:r>
+              <a:rPr lang="he-IL" dirty="0"/>
+              <a:t>הוא 100 ו־</a:t>
+            </a:r>
+            <a:r>
+              <a:rPr lang="en-US" dirty="0"/>
+              <a:t> </a:t>
+            </a:r>
+            <a:r>
+              <a:rPr lang="en-US" dirty="0" err="1"/>
+              <a:t>n_c</a:t>
+            </a:r>
+            <a:r>
+              <a:rPr lang="en-US" dirty="0"/>
+              <a:t> </a:t>
+            </a:r>
+            <a:r>
+              <a:rPr lang="he-IL" dirty="0"/>
+              <a:t>הוא 10, הווקטור הסופי מורכב מחלק רציף בת 100 ממדים המתאר את התכונות החזותיות, וחלק של 10 ערכים גולמיים שמתארים את הקטגוריות. על אותם 10 ערכים מופעלת פונקציית </a:t>
+            </a:r>
+            <a:r>
+              <a:rPr lang="en-US" dirty="0"/>
+              <a:t> </a:t>
+            </a:r>
+            <a:r>
+              <a:rPr lang="en-US" dirty="0" err="1"/>
+              <a:t>Softmax</a:t>
+            </a:r>
+            <a:r>
+              <a:rPr lang="en-US" dirty="0"/>
+              <a:t>, </a:t>
+            </a:r>
+            <a:r>
+              <a:rPr lang="he-IL" dirty="0"/>
+              <a:t>שהופכת אותם להסתברויות — כלומר, כל ערך יהיה בין 0 ל-1 וסכומם הכולל יהיה 1 — ובכך ניתן לפרש כל ערך כסיכוי שההתמונה שייכת לאותה קטגוריה</a:t>
+            </a:r>
+            <a:r>
+              <a:rPr lang="en-US" dirty="0"/>
+              <a:t>.</a:t>
+            </a:r>
+          </a:p>
+          <a:p>
+            <a:pPr marL="0" lvl="0" indent="0" algn="r" rtl="1">
+              <a:spcBef>
+                <a:spcPts val="0"/>
+              </a:spcBef>
+              <a:spcAft>
+                <a:spcPts val="0"/>
+              </a:spcAft>
+              <a:buNone/>
+            </a:pPr>
             <a:endParaRPr lang="en-US" dirty="0"/>
           </a:p>
           <a:p>
-            <a:pPr marL="0" marR="0" lvl="0" indent="0" algn="r" defTabSz="914400" rtl="1" eaLnBrk="1" fontAlgn="auto" latinLnBrk="0" hangingPunct="1">
-              <a:lnSpc>
-                <a:spcPct val="100000"/>
-              </a:lnSpc>
-              <a:spcBef>
-                <a:spcPts val="0"/>
-              </a:spcBef>
-              <a:spcAft>
-                <a:spcPts val="0"/>
-              </a:spcAft>
-              <a:buClr>
-                <a:srgbClr val="000000"/>
-              </a:buClr>
-              <a:buSzPts val="1100"/>
-              <a:buFont typeface="Arial"/>
-              <a:buNone/>
-              <a:tabLst/>
-              <a:defRPr/>
-            </a:pPr>
-            <a:r>
-              <a:rPr lang="en-US" b="1" u="sng" dirty="0"/>
-              <a:t>accuracy():</a:t>
-            </a:r>
-            <a:endParaRPr lang="en-US" u="sng" dirty="0"/>
-          </a:p>
-          <a:p>
             <a:pPr marL="0" lvl="0" indent="0" algn="r" rtl="1">
               <a:spcBef>
                 <a:spcPts val="0"/>
@@ -3885,7 +3888,7 @@
               </a:spcAft>
               <a:buNone/>
             </a:pPr>
-            <a:endParaRPr lang="he-IL" dirty="0"/>
+            <a:endParaRPr lang="en-US" dirty="0"/>
           </a:p>
           <a:p>
             <a:pPr marL="0" lvl="0" indent="0" algn="r" rtl="1">
@@ -3899,7 +3902,27 @@
             </a:pPr>
             <a:r>
               <a:rPr lang="he-IL" dirty="0"/>
-              <a:t>בסוף, אנחנו מחשבים את אחוז הדיוק של הדיסקרימינטור – כמה טוב הוא הצליח לזהות את הקטגוריות גם של התמונות האמיתיות וגם של המזויפות.</a:t>
+              <a:t>ניתן לציין ש־</a:t>
+            </a:r>
+            <a:r>
+              <a:rPr lang="en-US" dirty="0"/>
+              <a:t> </a:t>
+            </a:r>
+            <a:r>
+              <a:rPr lang="en-US" dirty="0" err="1"/>
+              <a:t>latent_dim</a:t>
+            </a:r>
+            <a:r>
+              <a:rPr lang="en-US" dirty="0"/>
+              <a:t> </a:t>
+            </a:r>
+            <a:r>
+              <a:rPr lang="he-IL" dirty="0"/>
+              <a:t>מייצג את מספר הממדים של החלק הרציף של קוד הלטנט</a:t>
+            </a:r>
+            <a:r>
+              <a:rPr lang="en-US" dirty="0"/>
+              <a:t> </a:t>
             </a:r>
           </a:p>
           <a:p>
@@ -3912,7 +3935,26 @@
               </a:spcAft>
               <a:buNone/>
             </a:pPr>
-            <a:endParaRPr lang="he-IL" dirty="0"/>
+            <a:r>
+              <a:rPr lang="en-US" dirty="0" err="1"/>
+              <a:t>n_c</a:t>
+            </a:r>
+            <a:r>
+              <a:rPr lang="en-US" dirty="0"/>
+              <a:t> </a:t>
+            </a:r>
+            <a:r>
+              <a:rPr lang="he-IL" dirty="0"/>
+              <a:t>מייצג את מספר הקטגוריות, כלומר את מספר הקבוצות שבהן המודל מנסה לסווג את הנתונים בצורה </a:t>
+            </a:r>
+            <a:r>
+              <a:rPr lang="en-US" dirty="0" err="1"/>
+              <a:t>UnSupervised</a:t>
+            </a:r>
+            <a:r>
+              <a:rPr lang="he-IL" dirty="0"/>
+              <a:t>.</a:t>
+            </a:r>
           </a:p>
         </p:txBody>
       </p:sp>
@@ -3934,7 +3976,13 @@
   <p:cSld>
     <p:spTree>
       <p:nvGrpSpPr>
-        <p:cNvPr id="1" name="Shape 340"/>
+        <p:cNvPr id="1" name="Shape 542">
+          <a:extLst>
+            <a:ext uri="{FF2B5EF4-FFF2-40B4-BE49-F238E27FC236}">
+              <a16:creationId xmlns:a16="http://schemas.microsoft.com/office/drawing/2014/main" id="{2E600829-5EB0-EDCB-922E-0281943458E1}"/>
+            </a:ext>
+          </a:extLst>
+        </p:cNvPr>
         <p:cNvGrpSpPr/>
         <p:nvPr/>
       </p:nvGrpSpPr>
@@ -3948,7 +3996,13 @@
       </p:grpSpPr>
       <p:sp>
         <p:nvSpPr>
-          <p:cNvPr id="341" name="Google Shape;341;g13b627a1299_0_0:notes"/>
+          <p:cNvPr id="543" name="Google Shape;543;g13b38366dc1_0_0:notes">
+            <a:extLst>
+              <a:ext uri="{FF2B5EF4-FFF2-40B4-BE49-F238E27FC236}">
+                <a16:creationId xmlns:a16="http://schemas.microsoft.com/office/drawing/2014/main" id="{3B55C0F8-C37C-165C-CA91-07F56FD5ADC7}"/>
+              </a:ext>
+            </a:extLst>
+          </p:cNvPr>
           <p:cNvSpPr>
             <a:spLocks noGrp="1" noRot="1" noChangeAspect="1"/>
           </p:cNvSpPr>
@@ -3989,7 +4043,13 @@
       </p:sp>
       <p:sp>
         <p:nvSpPr>
-          <p:cNvPr id="342" name="Google Shape;342;g13b627a1299_0_0:notes"/>
+          <p:cNvPr id="544" name="Google Shape;544;g13b38366dc1_0_0:notes">
+            <a:extLst>
+              <a:ext uri="{FF2B5EF4-FFF2-40B4-BE49-F238E27FC236}">
+                <a16:creationId xmlns:a16="http://schemas.microsoft.com/office/drawing/2014/main" id="{E09FB1DF-EE91-30A3-CF89-7B4F5F8DA6BF}"/>
+              </a:ext>
+            </a:extLst>
+          </p:cNvPr>
           <p:cNvSpPr txBox="1">
             <a:spLocks noGrp="1"/>
           </p:cNvSpPr>
@@ -4012,23 +4072,46 @@
           </a:bodyPr>
           <a:lstStyle/>
           <a:p>
-            <a:pPr marL="0" lvl="0" indent="0" algn="l" rtl="0">
-              <a:spcBef>
-                <a:spcPts val="0"/>
-              </a:spcBef>
-              <a:spcAft>
-                <a:spcPts val="0"/>
-              </a:spcAft>
-              <a:buNone/>
-            </a:pPr>
-            <a:endParaRPr/>
+            <a:pPr lvl="0" algn="r" rtl="1">
+              <a:buNone/>
+            </a:pPr>
+            <a:r>
+              <a:rPr lang="en-US" sz="1100" b="1" u="sng" dirty="0"/>
+              <a:t>Discriminator Class:</a:t>
+            </a:r>
+          </a:p>
+          <a:p>
+            <a:pPr lvl="0" algn="r" rtl="1">
+              <a:buNone/>
+            </a:pPr>
+            <a:r>
+              <a:rPr lang="he-IL" sz="1100" b="0" u="none" dirty="0"/>
+              <a:t>מחלקת </a:t>
+            </a:r>
+            <a:r>
+              <a:rPr lang="en-US" sz="1100" b="0" u="none" dirty="0"/>
+              <a:t>Discriminator</a:t>
+            </a:r>
+            <a:r>
+              <a:rPr lang="he-IL" sz="1100" b="0" u="none" dirty="0"/>
+              <a:t> אחראית להבחין בין תמונות אמיתיות לבין תמונות שנוצרו ע"י הגנרטור. היא עושה זאת בשני שלבים: ראשית, באמצעות שכבות שמסוגלות 'לקרוא' ולהבין את תכונות התמונה, ולאחר מכן מעבירה את המידע דרך שכבות שמאחדות אותו לקבלת החלטה. בסיום, הפעלת פונקציית </a:t>
+            </a:r>
+            <a:r>
+              <a:rPr lang="en-US" sz="1100" b="0" u="none" dirty="0"/>
+              <a:t> Sigmoid </a:t>
+            </a:r>
+            <a:r>
+              <a:rPr lang="he-IL" sz="1100" b="0" u="none" dirty="0"/>
+              <a:t>מבטיחה שהתוצאה תהיה מספר בין 0 ל-1, שמייצג את ההסתברות שהתמונה היא אמיתית. כלומר, אם המספר קרוב ל-1, המודל סבור שהתמונה אמיתית; ואם הוא קרוב ל-0, סביר שהתמונה מזויפת.</a:t>
+            </a:r>
+            <a:endParaRPr lang="en-US" sz="1100" b="0" u="none" dirty="0"/>
           </a:p>
         </p:txBody>
       </p:sp>
     </p:spTree>
     <p:extLst>
       <p:ext uri="{BB962C8B-B14F-4D97-AF65-F5344CB8AC3E}">
-        <p14:creationId xmlns:p14="http://schemas.microsoft.com/office/powerpoint/2010/main" val="1574453510"/>
+        <p14:creationId xmlns:p14="http://schemas.microsoft.com/office/powerpoint/2010/main" val="1616846971"/>
       </p:ext>
     </p:extLst>
   </p:cSld>
@@ -4043,7 +4126,13 @@
   <p:cSld>
     <p:spTree>
       <p:nvGrpSpPr>
-        <p:cNvPr id="1" name="Shape 542"/>
+        <p:cNvPr id="1" name="Shape 542">
+          <a:extLst>
+            <a:ext uri="{FF2B5EF4-FFF2-40B4-BE49-F238E27FC236}">
+              <a16:creationId xmlns:a16="http://schemas.microsoft.com/office/drawing/2014/main" id="{35343C8A-0BBF-4E08-3DB3-AE261C9441D1}"/>
+            </a:ext>
+          </a:extLst>
+        </p:cNvPr>
         <p:cNvGrpSpPr/>
         <p:nvPr/>
       </p:nvGrpSpPr>
@@ -4057,7 +4146,13 @@
       </p:grpSpPr>
       <p:sp>
         <p:nvSpPr>
-          <p:cNvPr id="543" name="Google Shape;543;g13b38366dc1_0_0:notes"/>
+          <p:cNvPr id="543" name="Google Shape;543;g13b38366dc1_0_0:notes">
+            <a:extLst>
+              <a:ext uri="{FF2B5EF4-FFF2-40B4-BE49-F238E27FC236}">
+                <a16:creationId xmlns:a16="http://schemas.microsoft.com/office/drawing/2014/main" id="{6FE9A4C0-BB90-C740-E416-167E39DBF230}"/>
+              </a:ext>
+            </a:extLst>
+          </p:cNvPr>
           <p:cNvSpPr>
             <a:spLocks noGrp="1" noRot="1" noChangeAspect="1"/>
           </p:cNvSpPr>
@@ -4098,7 +4193,13 @@
       </p:sp>
       <p:sp>
         <p:nvSpPr>
-          <p:cNvPr id="544" name="Google Shape;544;g13b38366dc1_0_0:notes"/>
+          <p:cNvPr id="544" name="Google Shape;544;g13b38366dc1_0_0:notes">
+            <a:extLst>
+              <a:ext uri="{FF2B5EF4-FFF2-40B4-BE49-F238E27FC236}">
+                <a16:creationId xmlns:a16="http://schemas.microsoft.com/office/drawing/2014/main" id="{29EA31AF-46A5-4CD8-7BA7-57244FEAAF74}"/>
+              </a:ext>
+            </a:extLst>
+          </p:cNvPr>
           <p:cNvSpPr txBox="1">
             <a:spLocks noGrp="1"/>
           </p:cNvSpPr>
@@ -4121,227 +4222,65 @@
           </a:bodyPr>
           <a:lstStyle/>
           <a:p>
-            <a:pPr algn="r" rtl="1">
-              <a:buNone/>
-            </a:pPr>
-            <a:r>
-              <a:rPr lang="en-US" dirty="0"/>
-              <a:t> ClusterGAN </a:t>
-            </a:r>
-            <a:r>
-              <a:rPr lang="he-IL" dirty="0"/>
-              <a:t>פועל בצורה ייחודית בכך שהוא </a:t>
-            </a:r>
-            <a:r>
-              <a:rPr lang="he-IL" b="1" dirty="0"/>
-              <a:t>משלב מידע לטנטי רציף ודיסקרטי</a:t>
-            </a:r>
-            <a:r>
-              <a:rPr lang="he-IL" dirty="0"/>
-              <a:t> כדי ליצור אשכולות ברורים במרחב הלטנטי. בעוד ש-</a:t>
-            </a:r>
-            <a:r>
-              <a:rPr lang="en-US" dirty="0"/>
-              <a:t>GAN </a:t>
-            </a:r>
-            <a:r>
-              <a:rPr lang="he-IL" dirty="0"/>
-              <a:t>רגיל עובד עם רעש רנדומלי בלבד, </a:t>
-            </a:r>
-            <a:r>
-              <a:rPr lang="en-US" dirty="0"/>
-              <a:t> ClusterGAN  </a:t>
-            </a:r>
-            <a:r>
-              <a:rPr lang="he-IL" b="1" dirty="0"/>
-              <a:t>מוסיף קוד לטנטי מובנה </a:t>
-            </a:r>
-            <a:r>
-              <a:rPr lang="en-US" b="1" dirty="0"/>
-              <a:t> (Zc)</a:t>
-            </a:r>
-            <a:r>
-              <a:rPr lang="en-US" dirty="0"/>
-              <a:t> </a:t>
-            </a:r>
-            <a:r>
-              <a:rPr lang="he-IL" dirty="0"/>
-              <a:t>כדי להבטיח שכל דגימה תשתייך לקבוצה מסוימת. התהליך כולל מספר שלבים:</a:t>
-            </a:r>
-          </a:p>
-          <a:p>
-            <a:pPr algn="r" rtl="1">
-              <a:buFont typeface="+mj-lt"/>
-              <a:buAutoNum type="arabicPeriod"/>
-            </a:pPr>
-            <a:r>
-              <a:rPr lang="he-IL" b="1" dirty="0"/>
-              <a:t>דגימת משתנים לטנטיים:</a:t>
-            </a:r>
-            <a:endParaRPr lang="he-IL" dirty="0"/>
-          </a:p>
-          <a:p>
-            <a:pPr marL="742950" lvl="1" indent="-285750" algn="r" rtl="1">
-              <a:buFont typeface="+mj-lt"/>
-              <a:buAutoNum type="arabicPeriod"/>
-            </a:pPr>
-            <a:r>
-              <a:rPr lang="en-US" b="0" dirty="0"/>
-              <a:t>)</a:t>
-            </a:r>
-            <a:r>
-              <a:rPr lang="en-US" b="1" dirty="0"/>
-              <a:t> Zn</a:t>
-            </a:r>
-            <a:r>
-              <a:rPr lang="he-IL" dirty="0"/>
-              <a:t>רעש גאוסיאני רציף): נותן תמונה של מגוון בתוך כל אשכול.</a:t>
-            </a:r>
-          </a:p>
-          <a:p>
-            <a:pPr marL="742950" lvl="1" indent="-285750" algn="r" rtl="1">
-              <a:buFont typeface="+mj-lt"/>
-              <a:buAutoNum type="arabicPeriod"/>
-            </a:pPr>
-            <a:r>
-              <a:rPr lang="en-US" b="0" dirty="0"/>
-              <a:t>)</a:t>
-            </a:r>
-            <a:r>
-              <a:rPr lang="en-US" b="1" dirty="0"/>
-              <a:t> Zc</a:t>
-            </a:r>
-            <a:r>
-              <a:rPr lang="he-IL" dirty="0"/>
-              <a:t>קידוד דיסקרטי): מכתיב את הקטגוריה של הדגימה שנוצרה.</a:t>
-            </a:r>
-          </a:p>
-          <a:p>
-            <a:pPr algn="r" rtl="1">
-              <a:buFont typeface="+mj-lt"/>
-              <a:buAutoNum type="arabicPeriod"/>
-            </a:pPr>
-            <a:r>
-              <a:rPr lang="he-IL" b="1" dirty="0"/>
-              <a:t>יצירת תמונות באמצעות הגנרטור:</a:t>
-            </a:r>
-            <a:endParaRPr lang="he-IL" dirty="0"/>
-          </a:p>
-          <a:p>
-            <a:pPr marL="742950" lvl="1" indent="-285750" algn="r" rtl="1">
-              <a:buFont typeface="+mj-lt"/>
-              <a:buAutoNum type="arabicPeriod"/>
-            </a:pPr>
-            <a:r>
-              <a:rPr lang="he-IL" dirty="0"/>
-              <a:t>הרשת לומדת </a:t>
-            </a:r>
-            <a:r>
-              <a:rPr lang="he-IL" b="1" dirty="0"/>
-              <a:t>ליצור נתונים חדשים</a:t>
-            </a:r>
-            <a:r>
-              <a:rPr lang="he-IL" dirty="0"/>
-              <a:t> המתאימים לקטגוריות שנלמדו.</a:t>
-            </a:r>
-          </a:p>
-          <a:p>
-            <a:pPr algn="r" rtl="1">
-              <a:buFont typeface="+mj-lt"/>
-              <a:buAutoNum type="arabicPeriod"/>
-            </a:pPr>
-            <a:r>
-              <a:rPr lang="he-IL" b="1" dirty="0"/>
-              <a:t>אימון הדיסקרימינייטור:</a:t>
-            </a:r>
-            <a:endParaRPr lang="he-IL" dirty="0"/>
-          </a:p>
-          <a:p>
-            <a:pPr marL="742950" lvl="1" indent="-285750" algn="r" rtl="1">
-              <a:buFont typeface="+mj-lt"/>
-              <a:buAutoNum type="arabicPeriod"/>
-            </a:pPr>
-            <a:r>
-              <a:rPr lang="he-IL" dirty="0"/>
-              <a:t>נועד להבחין בין תמונות אמיתיות שנלקחו מהנתונים, לבין תמונות שנוצרו ע"י הגנרטור.</a:t>
-            </a:r>
-          </a:p>
-          <a:p>
-            <a:pPr algn="r" rtl="1">
-              <a:buFont typeface="+mj-lt"/>
-              <a:buAutoNum type="arabicPeriod"/>
-            </a:pPr>
-            <a:r>
-              <a:rPr lang="he-IL" b="1" dirty="0"/>
-              <a:t>מקודד </a:t>
-            </a:r>
-            <a:r>
-              <a:rPr lang="en-US" b="1" dirty="0"/>
-              <a:t> (Encoder) </a:t>
-            </a:r>
-            <a:r>
-              <a:rPr lang="he-IL" b="1" dirty="0"/>
-              <a:t>לחיבור בין תמונה לקוד הלטנטי:</a:t>
-            </a:r>
-            <a:endParaRPr lang="he-IL" dirty="0"/>
-          </a:p>
-          <a:p>
-            <a:pPr marL="742950" lvl="1" indent="-285750" algn="r" rtl="1">
-              <a:buFont typeface="+mj-lt"/>
-              <a:buAutoNum type="arabicPeriod"/>
-            </a:pPr>
-            <a:r>
-              <a:rPr lang="he-IL" dirty="0"/>
-              <a:t>הרשת לומדת </a:t>
-            </a:r>
-            <a:r>
-              <a:rPr lang="he-IL" b="1" dirty="0"/>
-              <a:t>למפות תמונה חזרה לקוד הלטנטי שמתאר אותה</a:t>
-            </a:r>
-            <a:r>
-              <a:rPr lang="he-IL" dirty="0"/>
-              <a:t>, מה שמאפשר ארגון ברור של הנתונים.</a:t>
-            </a:r>
-          </a:p>
-          <a:p>
-            <a:pPr algn="r" rtl="1">
-              <a:buFont typeface="+mj-lt"/>
-              <a:buAutoNum type="arabicPeriod"/>
-            </a:pPr>
-            <a:r>
-              <a:rPr lang="he-IL" b="1" dirty="0"/>
-              <a:t>איבוד קיבוץ </a:t>
-            </a:r>
-            <a:r>
-              <a:rPr lang="en-US" b="1" dirty="0"/>
-              <a:t>(Clustering Loss):</a:t>
-            </a:r>
-            <a:endParaRPr lang="en-US" dirty="0"/>
-          </a:p>
-          <a:p>
-            <a:pPr marL="742950" lvl="1" indent="-285750" algn="r" rtl="1">
-              <a:buFont typeface="+mj-lt"/>
-              <a:buAutoNum type="arabicPeriod"/>
-            </a:pPr>
-            <a:r>
-              <a:rPr lang="he-IL" dirty="0"/>
-              <a:t>מוודא שהמרחב הלטנטי </a:t>
-            </a:r>
-            <a:r>
-              <a:rPr lang="he-IL" b="1" dirty="0"/>
-              <a:t>שומר על מבנה קיבוצי ברור</a:t>
-            </a:r>
-            <a:r>
-              <a:rPr lang="he-IL" dirty="0"/>
-              <a:t>, ולא על ייצוג מפוזר וחסר משמעות.</a:t>
-            </a:r>
+            <a:pPr lvl="0" algn="r" rtl="1">
+              <a:buNone/>
+            </a:pPr>
+            <a:r>
+              <a:rPr lang="en-US" sz="1100" b="1" u="sng" dirty="0"/>
+              <a:t>Generate Forward:</a:t>
+            </a:r>
+            <a:br>
+              <a:rPr lang="en-US" sz="1100" b="1" u="sng" dirty="0"/>
+            </a:br>
+            <a:endParaRPr lang="en-US" sz="1100" b="1" u="sng" dirty="0"/>
+          </a:p>
+          <a:p>
+            <a:pPr lvl="0" algn="r" rtl="1">
+              <a:buNone/>
+            </a:pPr>
+            <a:r>
+              <a:rPr lang="he-IL" dirty="0">
+                <a:effectLst/>
+                <a:latin typeface="inherit"/>
+              </a:rPr>
+              <a:t>במקטע זה, הגנרטור יוצר תמונות מתוך קוד לטנט קטן. לאחר מכן, מושוות התמונות שהופקו לשני הערכות: אחת מהחלק שמבחין בין תמונות אמיתיות למזויפות, ואחת מהחלק שמנסה לשחזר את הקוד המקורי מהתמונה. אנו מחשבים הפסד על סמך ההבדל בין הווקטור שהוזן לווקטור שהוחזר – עבור החלק הרציף נשתמש ב-</a:t>
+            </a:r>
+            <a:r>
+              <a:rPr lang="en-US" dirty="0">
+                <a:effectLst/>
+                <a:latin typeface="inherit"/>
+              </a:rPr>
+              <a:t> MSE  </a:t>
+            </a:r>
+            <a:r>
+              <a:rPr lang="he-IL" dirty="0">
+                <a:effectLst/>
+                <a:latin typeface="inherit"/>
+              </a:rPr>
+              <a:t>ועבור החלק הקטגורי ב-</a:t>
+            </a:r>
+            <a:r>
+              <a:rPr lang="en-US" dirty="0">
+                <a:effectLst/>
+                <a:latin typeface="inherit"/>
+              </a:rPr>
+              <a:t> .Cross Entropy </a:t>
+            </a:r>
+            <a:r>
+              <a:rPr lang="he-IL" dirty="0">
+                <a:effectLst/>
+                <a:latin typeface="inherit"/>
+              </a:rPr>
+              <a:t>בסופו של דבר, אנו משלבים את ההפסדים הללו כדי להדריך את הגנרטור לייצר תמונות איכותיות יותר ושחזור קוד מדויק יותר.</a:t>
+            </a:r>
+            <a:endParaRPr lang="he-IL" u="none" dirty="0"/>
           </a:p>
         </p:txBody>
       </p:sp>
     </p:spTree>
     <p:extLst>
       <p:ext uri="{BB962C8B-B14F-4D97-AF65-F5344CB8AC3E}">
-        <p14:creationId xmlns:p14="http://schemas.microsoft.com/office/powerpoint/2010/main" val="1518934316"/>
+        <p14:creationId xmlns:p14="http://schemas.microsoft.com/office/powerpoint/2010/main" val="3600331549"/>
       </p:ext>
     </p:extLst>
   </p:cSld>
@@ -4352,6 +4291,139 @@
 </file>
 
 <file path=ppt/notesSlides/notesSlide26.xml><?xml version="1.0" encoding="utf-8"?>
+<p:notes xmlns:a="http://schemas.openxmlformats.org/drawingml/2006/main" xmlns:r="http://schemas.openxmlformats.org/officeDocument/2006/relationships" xmlns:p="http://schemas.openxmlformats.org/presentationml/2006/main" showMasterSp="0" showMasterPhAnim="0">
+  <p:cSld>
+    <p:spTree>
+      <p:nvGrpSpPr>
+        <p:cNvPr id="1" name="Shape 542">
+          <a:extLst>
+            <a:ext uri="{FF2B5EF4-FFF2-40B4-BE49-F238E27FC236}">
+              <a16:creationId xmlns:a16="http://schemas.microsoft.com/office/drawing/2014/main" id="{2CB6E7AA-9ECD-3414-42BF-DBE416C6FF56}"/>
+            </a:ext>
+          </a:extLst>
+        </p:cNvPr>
+        <p:cNvGrpSpPr/>
+        <p:nvPr/>
+      </p:nvGrpSpPr>
+      <p:grpSpPr>
+        <a:xfrm>
+          <a:off x="0" y="0"/>
+          <a:ext cx="0" cy="0"/>
+          <a:chOff x="0" y="0"/>
+          <a:chExt cx="0" cy="0"/>
+        </a:xfrm>
+      </p:grpSpPr>
+      <p:sp>
+        <p:nvSpPr>
+          <p:cNvPr id="543" name="Google Shape;543;g13b38366dc1_0_0:notes">
+            <a:extLst>
+              <a:ext uri="{FF2B5EF4-FFF2-40B4-BE49-F238E27FC236}">
+                <a16:creationId xmlns:a16="http://schemas.microsoft.com/office/drawing/2014/main" id="{98E7E34B-D31D-862A-6E13-ABC876886949}"/>
+              </a:ext>
+            </a:extLst>
+          </p:cNvPr>
+          <p:cNvSpPr>
+            <a:spLocks noGrp="1" noRot="1" noChangeAspect="1"/>
+          </p:cNvSpPr>
+          <p:nvPr>
+            <p:ph type="sldImg" idx="2"/>
+          </p:nvPr>
+        </p:nvSpPr>
+        <p:spPr>
+          <a:xfrm>
+            <a:off x="381000" y="685800"/>
+            <a:ext cx="6096000" cy="3429000"/>
+          </a:xfrm>
+          <a:custGeom>
+            <a:avLst/>
+            <a:gdLst/>
+            <a:ahLst/>
+            <a:cxnLst/>
+            <a:rect l="l" t="t" r="r" b="b"/>
+            <a:pathLst>
+              <a:path w="120000" h="120000" extrusionOk="0">
+                <a:moveTo>
+                  <a:pt x="0" y="0"/>
+                </a:moveTo>
+                <a:lnTo>
+                  <a:pt x="120000" y="0"/>
+                </a:lnTo>
+                <a:lnTo>
+                  <a:pt x="120000" y="120000"/>
+                </a:lnTo>
+                <a:lnTo>
+                  <a:pt x="0" y="120000"/>
+                </a:lnTo>
+                <a:close/>
+              </a:path>
+            </a:pathLst>
+          </a:custGeom>
+        </p:spPr>
+      </p:sp>
+      <p:sp>
+        <p:nvSpPr>
+          <p:cNvPr id="544" name="Google Shape;544;g13b38366dc1_0_0:notes">
+            <a:extLst>
+              <a:ext uri="{FF2B5EF4-FFF2-40B4-BE49-F238E27FC236}">
+                <a16:creationId xmlns:a16="http://schemas.microsoft.com/office/drawing/2014/main" id="{781FDB12-6B7B-7375-8D4C-D6713A4BD639}"/>
+              </a:ext>
+            </a:extLst>
+          </p:cNvPr>
+          <p:cNvSpPr txBox="1">
+            <a:spLocks noGrp="1"/>
+          </p:cNvSpPr>
+          <p:nvPr>
+            <p:ph type="body" idx="1"/>
+          </p:nvPr>
+        </p:nvSpPr>
+        <p:spPr>
+          <a:xfrm>
+            <a:off x="685800" y="4343400"/>
+            <a:ext cx="5486400" cy="4114800"/>
+          </a:xfrm>
+          <a:prstGeom prst="rect">
+            <a:avLst/>
+          </a:prstGeom>
+        </p:spPr>
+        <p:txBody>
+          <a:bodyPr spcFirstLastPara="1" wrap="square" lIns="91425" tIns="91425" rIns="91425" bIns="91425" anchor="t" anchorCtr="0">
+            <a:noAutofit/>
+          </a:bodyPr>
+          <a:lstStyle/>
+          <a:p>
+            <a:pPr lvl="0" algn="r" rtl="1">
+              <a:buNone/>
+            </a:pPr>
+            <a:r>
+              <a:rPr lang="en-US" sz="1100" b="1" u="sng" dirty="0"/>
+              <a:t>Training Loop:</a:t>
+            </a:r>
+          </a:p>
+          <a:p>
+            <a:pPr lvl="0" algn="r" rtl="1">
+              <a:buNone/>
+            </a:pPr>
+            <a:r>
+              <a:rPr lang="he-IL" dirty="0"/>
+              <a:t>בלולאת האימון, אנחנו דוגמים קוד לטנט עבור כל תמונה ומזינים אותו לגנרטור, שמייצר תמונות. לאחר מכן, מעדכנים את הגנרטור והמקודד מדי כמה צעדים כדי לשמור על יציבות הלמידה, ואילו הדיסקרימינטור מתעדכן בכל שלב כדי להבחין בין תמונות אמיתיות למזויפות. בצורה זו, המודלים 'מתחרים' זה בזה והתוצאה היא שיפור מתמיד בתהליך הלמידה.</a:t>
+            </a:r>
+          </a:p>
+        </p:txBody>
+      </p:sp>
+    </p:spTree>
+    <p:extLst>
+      <p:ext uri="{BB962C8B-B14F-4D97-AF65-F5344CB8AC3E}">
+        <p14:creationId xmlns:p14="http://schemas.microsoft.com/office/powerpoint/2010/main" val="3513968512"/>
+      </p:ext>
+    </p:extLst>
+  </p:cSld>
+  <p:clrMapOvr>
+    <a:masterClrMapping/>
+  </p:clrMapOvr>
+</p:notes>
+</file>
+
+<file path=ppt/notesSlides/notesSlide27.xml><?xml version="1.0" encoding="utf-8"?>
 <p:notes xmlns:a="http://schemas.openxmlformats.org/drawingml/2006/main" xmlns:r="http://schemas.openxmlformats.org/officeDocument/2006/relationships" xmlns:p="http://schemas.openxmlformats.org/presentationml/2006/main" showMasterSp="0" showMasterPhAnim="0">
   <p:cSld>
     <p:spTree>
@@ -4627,7 +4699,7 @@
 </p:notes>
 </file>
 
-<file path=ppt/notesSlides/notesSlide27.xml><?xml version="1.0" encoding="utf-8"?>
+<file path=ppt/notesSlides/notesSlide28.xml><?xml version="1.0" encoding="utf-8"?>
 <p:notes xmlns:a="http://schemas.openxmlformats.org/drawingml/2006/main" xmlns:r="http://schemas.openxmlformats.org/officeDocument/2006/relationships" xmlns:p="http://schemas.openxmlformats.org/presentationml/2006/main" showMasterSp="0" showMasterPhAnim="0">
   <p:cSld>
     <p:spTree>
@@ -4897,7 +4969,7 @@
 </p:notes>
 </file>
 
-<file path=ppt/notesSlides/notesSlide28.xml><?xml version="1.0" encoding="utf-8"?>
+<file path=ppt/notesSlides/notesSlide29.xml><?xml version="1.0" encoding="utf-8"?>
 <p:notes xmlns:a="http://schemas.openxmlformats.org/drawingml/2006/main" xmlns:r="http://schemas.openxmlformats.org/officeDocument/2006/relationships" xmlns:p="http://schemas.openxmlformats.org/presentationml/2006/main" showMasterSp="0" showMasterPhAnim="0">
   <p:cSld>
     <p:spTree>
@@ -5123,6 +5195,38 @@
               <a:rPr lang="he-IL" dirty="0"/>
               <a:t>, כך שכל פרופיל גנטי נופל לתוך אשכול מוגדר היטב במרחב הלטנטי.</a:t>
             </a:r>
+            <a:endParaRPr lang="en-US" dirty="0"/>
+          </a:p>
+          <a:p>
+            <a:pPr algn="r" rtl="1">
+              <a:buFont typeface="Arial" panose="020B0604020202020204" pitchFamily="34" charset="0"/>
+              <a:buChar char="•"/>
+            </a:pPr>
+            <a:endParaRPr lang="en-US" dirty="0"/>
+          </a:p>
+          <a:p>
+            <a:pPr algn="r" rtl="1">
+              <a:buFont typeface="Arial" panose="020B0604020202020204" pitchFamily="34" charset="0"/>
+              <a:buChar char="•"/>
+            </a:pPr>
+            <a:endParaRPr lang="en-US" dirty="0"/>
+          </a:p>
+          <a:p>
+            <a:pPr algn="r" rtl="1">
+              <a:buFont typeface="Arial" panose="020B0604020202020204" pitchFamily="34" charset="0"/>
+              <a:buChar char="•"/>
+            </a:pPr>
+            <a:endParaRPr lang="en-US" dirty="0"/>
+          </a:p>
+          <a:p>
+            <a:pPr marL="158750" indent="0" algn="r" rtl="1">
+              <a:buFont typeface="Arial" panose="020B0604020202020204" pitchFamily="34" charset="0"/>
+              <a:buNone/>
+            </a:pPr>
+            <a:r>
+              <a:rPr lang="he-IL" dirty="0"/>
+              <a:t>זה הוא לגבי החלק שלי, עכשיו אני מעביר לעידו שימשיך את החלק הבא במצגת.</a:t>
+            </a:r>
           </a:p>
           <a:p>
             <a:pPr marL="0" lvl="0" indent="0" algn="r" rtl="1">
@@ -5142,250 +5246,6 @@
     <p:extLst>
       <p:ext uri="{BB962C8B-B14F-4D97-AF65-F5344CB8AC3E}">
         <p14:creationId xmlns:p14="http://schemas.microsoft.com/office/powerpoint/2010/main" val="1126734250"/>
-      </p:ext>
-    </p:extLst>
-  </p:cSld>
-  <p:clrMapOvr>
-    <a:masterClrMapping/>
-  </p:clrMapOvr>
-</p:notes>
-</file>
-
-<file path=ppt/notesSlides/notesSlide29.xml><?xml version="1.0" encoding="utf-8"?>
-<p:notes xmlns:a="http://schemas.openxmlformats.org/drawingml/2006/main" xmlns:r="http://schemas.openxmlformats.org/officeDocument/2006/relationships" xmlns:p="http://schemas.openxmlformats.org/presentationml/2006/main" showMasterSp="0" showMasterPhAnim="0">
-  <p:cSld>
-    <p:spTree>
-      <p:nvGrpSpPr>
-        <p:cNvPr id="1" name="Shape 542">
-          <a:extLst>
-            <a:ext uri="{FF2B5EF4-FFF2-40B4-BE49-F238E27FC236}">
-              <a16:creationId xmlns:a16="http://schemas.microsoft.com/office/drawing/2014/main" id="{25DE77B9-4FD4-357D-F764-F0C7EA7597FC}"/>
-            </a:ext>
-          </a:extLst>
-        </p:cNvPr>
-        <p:cNvGrpSpPr/>
-        <p:nvPr/>
-      </p:nvGrpSpPr>
-      <p:grpSpPr>
-        <a:xfrm>
-          <a:off x="0" y="0"/>
-          <a:ext cx="0" cy="0"/>
-          <a:chOff x="0" y="0"/>
-          <a:chExt cx="0" cy="0"/>
-        </a:xfrm>
-      </p:grpSpPr>
-      <p:sp>
-        <p:nvSpPr>
-          <p:cNvPr id="543" name="Google Shape;543;g13b38366dc1_0_0:notes">
-            <a:extLst>
-              <a:ext uri="{FF2B5EF4-FFF2-40B4-BE49-F238E27FC236}">
-                <a16:creationId xmlns:a16="http://schemas.microsoft.com/office/drawing/2014/main" id="{2C7CFCD9-FB63-0CBC-EF8F-70645A00B4DA}"/>
-              </a:ext>
-            </a:extLst>
-          </p:cNvPr>
-          <p:cNvSpPr>
-            <a:spLocks noGrp="1" noRot="1" noChangeAspect="1"/>
-          </p:cNvSpPr>
-          <p:nvPr>
-            <p:ph type="sldImg" idx="2"/>
-          </p:nvPr>
-        </p:nvSpPr>
-        <p:spPr>
-          <a:xfrm>
-            <a:off x="381000" y="685800"/>
-            <a:ext cx="6096000" cy="3429000"/>
-          </a:xfrm>
-          <a:custGeom>
-            <a:avLst/>
-            <a:gdLst/>
-            <a:ahLst/>
-            <a:cxnLst/>
-            <a:rect l="l" t="t" r="r" b="b"/>
-            <a:pathLst>
-              <a:path w="120000" h="120000" extrusionOk="0">
-                <a:moveTo>
-                  <a:pt x="0" y="0"/>
-                </a:moveTo>
-                <a:lnTo>
-                  <a:pt x="120000" y="0"/>
-                </a:lnTo>
-                <a:lnTo>
-                  <a:pt x="120000" y="120000"/>
-                </a:lnTo>
-                <a:lnTo>
-                  <a:pt x="0" y="120000"/>
-                </a:lnTo>
-                <a:close/>
-              </a:path>
-            </a:pathLst>
-          </a:custGeom>
-        </p:spPr>
-      </p:sp>
-      <p:sp>
-        <p:nvSpPr>
-          <p:cNvPr id="544" name="Google Shape;544;g13b38366dc1_0_0:notes">
-            <a:extLst>
-              <a:ext uri="{FF2B5EF4-FFF2-40B4-BE49-F238E27FC236}">
-                <a16:creationId xmlns:a16="http://schemas.microsoft.com/office/drawing/2014/main" id="{A3EA72D6-730F-9B62-3C67-8AEEC235C6C4}"/>
-              </a:ext>
-            </a:extLst>
-          </p:cNvPr>
-          <p:cNvSpPr txBox="1">
-            <a:spLocks noGrp="1"/>
-          </p:cNvSpPr>
-          <p:nvPr>
-            <p:ph type="body" idx="1"/>
-          </p:nvPr>
-        </p:nvSpPr>
-        <p:spPr>
-          <a:xfrm>
-            <a:off x="685800" y="4343400"/>
-            <a:ext cx="5486400" cy="4114800"/>
-          </a:xfrm>
-          <a:prstGeom prst="rect">
-            <a:avLst/>
-          </a:prstGeom>
-        </p:spPr>
-        <p:txBody>
-          <a:bodyPr spcFirstLastPara="1" wrap="square" lIns="91425" tIns="91425" rIns="91425" bIns="91425" anchor="t" anchorCtr="0">
-            <a:noAutofit/>
-          </a:bodyPr>
-          <a:lstStyle/>
-          <a:p>
-            <a:pPr lvl="0" algn="r" rtl="1">
-              <a:buNone/>
-            </a:pPr>
-            <a:r>
-              <a:rPr lang="he-IL" b="1" dirty="0"/>
-              <a:t>למה </a:t>
-            </a:r>
-            <a:r>
-              <a:rPr lang="en-US" b="1" dirty="0"/>
-              <a:t> </a:t>
-            </a:r>
-            <a:r>
-              <a:rPr lang="en-US" b="1" dirty="0" err="1"/>
-              <a:t>ClusterGAN</a:t>
-            </a:r>
-            <a:r>
-              <a:rPr lang="en-US" b="1" dirty="0"/>
-              <a:t> </a:t>
-            </a:r>
-            <a:r>
-              <a:rPr lang="he-IL" b="1" dirty="0"/>
-              <a:t>מצטיין?</a:t>
-            </a:r>
-          </a:p>
-          <a:p>
-            <a:pPr lvl="0" algn="r" rtl="1">
-              <a:buFont typeface="Arial" panose="020B0604020202020204" pitchFamily="34" charset="0"/>
-              <a:buChar char="•"/>
-            </a:pPr>
-            <a:r>
-              <a:rPr lang="he-IL" b="1" dirty="0"/>
-              <a:t>מרחב לטנטי מובנה</a:t>
-            </a:r>
-            <a:r>
-              <a:rPr lang="he-IL" dirty="0"/>
-              <a:t> → משתמש בקודים דיסקרטיים כדי ליצור אשכולות ברורים ולהימנע מערבוב נתונים.</a:t>
-            </a:r>
-          </a:p>
-          <a:p>
-            <a:pPr lvl="0" algn="r" rtl="1">
-              <a:buFont typeface="Arial" panose="020B0604020202020204" pitchFamily="34" charset="0"/>
-              <a:buChar char="•"/>
-            </a:pPr>
-            <a:r>
-              <a:rPr lang="he-IL" b="1" dirty="0"/>
-              <a:t>הבנה עמוקה של המידע</a:t>
-            </a:r>
-            <a:r>
-              <a:rPr lang="he-IL" dirty="0"/>
-              <a:t> → המודל לא רק מייצר תמונות, אלא לומד את הקשרים ביניהן כדי ליצור מבנה משמעותי בנתונים.</a:t>
-            </a:r>
-          </a:p>
-          <a:p>
-            <a:pPr lvl="0" algn="r" rtl="1">
-              <a:buFont typeface="Arial" panose="020B0604020202020204" pitchFamily="34" charset="0"/>
-              <a:buChar char="•"/>
-            </a:pPr>
-            <a:r>
-              <a:rPr lang="he-IL" b="1" dirty="0"/>
-              <a:t>הפרדה חזקה עם מעברים חלקים</a:t>
-            </a:r>
-            <a:r>
-              <a:rPr lang="he-IL" dirty="0"/>
-              <a:t> → כל קטגוריה נפרדת, אך אפשר לבצע מעבר עדין בין אשכולות, מה שמוכיח שהמרחב מסודר היטב.</a:t>
-            </a:r>
-          </a:p>
-          <a:p>
-            <a:pPr lvl="0" algn="r" rtl="1">
-              <a:buFont typeface="Arial" panose="020B0604020202020204" pitchFamily="34" charset="0"/>
-              <a:buChar char="•"/>
-            </a:pPr>
-            <a:r>
-              <a:rPr lang="he-IL" b="1" dirty="0"/>
-              <a:t>מותאם לקיבוץ באופן ישיר</a:t>
-            </a:r>
-            <a:r>
-              <a:rPr lang="he-IL" dirty="0"/>
-              <a:t> → בשונה מ-</a:t>
-            </a:r>
-            <a:r>
-              <a:rPr lang="en-US" dirty="0"/>
-              <a:t> </a:t>
-            </a:r>
-            <a:r>
-              <a:rPr lang="en-US" dirty="0" err="1"/>
-              <a:t>InfoGAN</a:t>
-            </a:r>
-            <a:r>
-              <a:rPr lang="en-US" dirty="0"/>
-              <a:t> </a:t>
-            </a:r>
-            <a:r>
-              <a:rPr lang="he-IL" dirty="0"/>
-              <a:t>שמתמקד בהבנת המשתנים הלטנטיים, </a:t>
-            </a:r>
-            <a:r>
-              <a:rPr lang="en-US" dirty="0"/>
-              <a:t> </a:t>
-            </a:r>
-            <a:r>
-              <a:rPr lang="en-US" dirty="0" err="1"/>
-              <a:t>ClusterGAN</a:t>
-            </a:r>
-            <a:r>
-              <a:rPr lang="en-US" dirty="0"/>
-              <a:t> </a:t>
-            </a:r>
-            <a:r>
-              <a:rPr lang="he-IL" b="1" dirty="0"/>
-              <a:t>בנוי מראש כדי ליצור אשכולות ברורים ומובנים</a:t>
-            </a:r>
-            <a:r>
-              <a:rPr lang="he-IL" dirty="0"/>
-              <a:t>.</a:t>
-            </a:r>
-          </a:p>
-          <a:p>
-            <a:pPr marL="0" lvl="0" indent="0" algn="r" rtl="1">
-              <a:spcBef>
-                <a:spcPts val="0"/>
-              </a:spcBef>
-              <a:spcAft>
-                <a:spcPts val="0"/>
-              </a:spcAft>
-              <a:buNone/>
-            </a:pPr>
-            <a:endParaRPr dirty="0"/>
-          </a:p>
-        </p:txBody>
-      </p:sp>
-    </p:spTree>
-    <p:extLst>
-      <p:ext uri="{BB962C8B-B14F-4D97-AF65-F5344CB8AC3E}">
-        <p14:creationId xmlns:p14="http://schemas.microsoft.com/office/powerpoint/2010/main" val="2862506628"/>
       </p:ext>
     </p:extLst>
   </p:cSld>
@@ -6475,6 +6335,82 @@
               <a:buNone/>
             </a:pPr>
             <a:r>
+              <a:rPr lang="en-US" dirty="0"/>
+              <a:t>ACC</a:t>
+            </a:r>
+            <a:r>
+              <a:rPr lang="he-IL" dirty="0"/>
+              <a:t> – דיוק </a:t>
+            </a:r>
+          </a:p>
+          <a:p>
+            <a:pPr marL="158750" indent="0" algn="r" rtl="1">
+              <a:buNone/>
+            </a:pPr>
+            <a:r>
+              <a:rPr lang="en-US" dirty="0"/>
+              <a:t>MNI</a:t>
+            </a:r>
+            <a:r>
+              <a:rPr lang="he-IL" dirty="0"/>
+              <a:t> - </a:t>
+            </a:r>
+            <a:r>
+              <a:rPr lang="en-US" dirty="0"/>
+              <a:t>Normalized Mutual Information</a:t>
+            </a:r>
+            <a:r>
+              <a:rPr lang="he-IL" dirty="0"/>
+              <a:t> מודד מרחק מהאמיתי למזיוך</a:t>
+            </a:r>
+          </a:p>
+          <a:p>
+            <a:pPr marL="158750" indent="0" algn="r" rtl="1">
+              <a:buNone/>
+            </a:pPr>
+            <a:r>
+              <a:rPr lang="en-US" b="1" dirty="0"/>
+              <a:t>ARI = Adjusted Rand Index</a:t>
+            </a:r>
+            <a:br>
+              <a:rPr lang="en-US" dirty="0"/>
+            </a:br>
+            <a:r>
+              <a:rPr lang="he-IL" dirty="0"/>
+              <a:t>זהו מדד שמעריך עד כמה תוצאה של אשכולות (</a:t>
+            </a:r>
+            <a:r>
+              <a:rPr lang="en-US" dirty="0"/>
+              <a:t>clustering) </a:t>
+            </a:r>
+            <a:r>
+              <a:rPr lang="he-IL" dirty="0"/>
+              <a:t>דומה לקבוצות האמת (</a:t>
+            </a:r>
+            <a:r>
+              <a:rPr lang="en-US" dirty="0"/>
+              <a:t>ground truth), </a:t>
+            </a:r>
+            <a:r>
+              <a:rPr lang="he-IL" b="1" dirty="0"/>
+              <a:t>תוך תיקון למקריות</a:t>
+            </a:r>
+            <a:r>
+              <a:rPr lang="he-IL" dirty="0"/>
+              <a:t>.</a:t>
+            </a:r>
+          </a:p>
+          <a:p>
+            <a:pPr marL="158750" indent="0" algn="r" rtl="1">
+              <a:buNone/>
+            </a:pPr>
+            <a:endParaRPr lang="he-IL" dirty="0"/>
+          </a:p>
+          <a:p>
+            <a:pPr marL="158750" indent="0" algn="r" rtl="1">
+              <a:buNone/>
+            </a:pPr>
+            <a:r>
               <a:rPr lang="he-IL" dirty="0"/>
               <a:t>מודלים השונים:</a:t>
             </a:r>
@@ -7523,16 +7459,142 @@
           </a:bodyPr>
           <a:lstStyle/>
           <a:p>
-            <a:pPr marL="0" lvl="0" indent="0" algn="l" rtl="0">
-              <a:spcBef>
-                <a:spcPts val="0"/>
-              </a:spcBef>
-              <a:spcAft>
-                <a:spcPts val="0"/>
-              </a:spcAft>
-              <a:buNone/>
-            </a:pPr>
-            <a:endParaRPr/>
+            <a:pPr marL="0" lvl="0" indent="0" algn="r" rtl="1">
+              <a:spcBef>
+                <a:spcPts val="0"/>
+              </a:spcBef>
+              <a:spcAft>
+                <a:spcPts val="0"/>
+              </a:spcAft>
+              <a:buNone/>
+            </a:pPr>
+            <a:r>
+              <a:rPr lang="en-US" dirty="0" err="1"/>
+              <a:t>ClusterGAN</a:t>
+            </a:r>
+            <a:r>
+              <a:rPr lang="en-US" dirty="0"/>
+              <a:t> </a:t>
+            </a:r>
+            <a:r>
+              <a:rPr lang="he-IL" dirty="0"/>
+              <a:t>מציג שיטה חדשנית לביצוע אשכול לא מפוקח (</a:t>
+            </a:r>
+            <a:r>
+              <a:rPr lang="en-US" dirty="0"/>
+              <a:t>unsupervised clustering) </a:t>
+            </a:r>
+            <a:r>
+              <a:rPr lang="he-IL" dirty="0"/>
+              <a:t>בתוך רשתות </a:t>
+            </a:r>
+            <a:r>
+              <a:rPr lang="en-US" dirty="0"/>
+              <a:t>GAN, </a:t>
+            </a:r>
+            <a:r>
+              <a:rPr lang="he-IL" dirty="0"/>
+              <a:t>על ידי שימוש במרחב לטנטי היברידי הכולל רכיבים רציפים ובינאריים (</a:t>
+            </a:r>
+            <a:r>
+              <a:rPr lang="en-US" dirty="0"/>
+              <a:t>one-hot).</a:t>
+            </a:r>
+            <a:endParaRPr lang="he-IL" dirty="0"/>
+          </a:p>
+          <a:p>
+            <a:pPr marL="0" lvl="0" indent="0" algn="r" rtl="1">
+              <a:spcBef>
+                <a:spcPts val="0"/>
+              </a:spcBef>
+              <a:spcAft>
+                <a:spcPts val="0"/>
+              </a:spcAft>
+              <a:buNone/>
+            </a:pPr>
+            <a:endParaRPr lang="he-IL" dirty="0"/>
+          </a:p>
+          <a:p>
+            <a:pPr marL="0" marR="0" lvl="0" indent="0" algn="r" defTabSz="914400" rtl="1" eaLnBrk="1" fontAlgn="auto" latinLnBrk="0" hangingPunct="1">
+              <a:lnSpc>
+                <a:spcPct val="100000"/>
+              </a:lnSpc>
+              <a:spcBef>
+                <a:spcPts val="0"/>
+              </a:spcBef>
+              <a:spcAft>
+                <a:spcPts val="0"/>
+              </a:spcAft>
+              <a:buClr>
+                <a:srgbClr val="000000"/>
+              </a:buClr>
+              <a:buSzPts val="1100"/>
+              <a:buFont typeface="Arial"/>
+              <a:buNone/>
+              <a:tabLst/>
+              <a:defRPr/>
+            </a:pPr>
+            <a:r>
+              <a:rPr lang="he-IL" dirty="0"/>
+              <a:t>למודל נוסף מקודד (</a:t>
+            </a:r>
+            <a:r>
+              <a:rPr lang="en-US" dirty="0"/>
+              <a:t>encoder) </a:t>
+            </a:r>
+            <a:r>
+              <a:rPr lang="he-IL" dirty="0"/>
+              <a:t>שממפה דגימות חזרה למרחב הלטנטי, מה שמאפשר שמירה על מבנה האשכולות והערכתו.</a:t>
+            </a:r>
+          </a:p>
+          <a:p>
+            <a:pPr marL="0" lvl="0" indent="0" algn="r" rtl="1">
+              <a:spcBef>
+                <a:spcPts val="0"/>
+              </a:spcBef>
+              <a:spcAft>
+                <a:spcPts val="0"/>
+              </a:spcAft>
+              <a:buNone/>
+            </a:pPr>
+            <a:endParaRPr lang="he-IL" dirty="0"/>
+          </a:p>
+          <a:p>
+            <a:pPr marL="0" marR="0" lvl="0" indent="0" algn="r" defTabSz="914400" rtl="1" eaLnBrk="1" fontAlgn="auto" latinLnBrk="0" hangingPunct="1">
+              <a:lnSpc>
+                <a:spcPct val="100000"/>
+              </a:lnSpc>
+              <a:spcBef>
+                <a:spcPts val="0"/>
+              </a:spcBef>
+              <a:spcAft>
+                <a:spcPts val="0"/>
+              </a:spcAft>
+              <a:buClr>
+                <a:srgbClr val="000000"/>
+              </a:buClr>
+              <a:buSzPts val="1100"/>
+              <a:buFont typeface="Arial"/>
+              <a:buNone/>
+              <a:tabLst/>
+              <a:defRPr/>
+            </a:pPr>
+            <a:r>
+              <a:rPr lang="he-IL" dirty="0"/>
+              <a:t>התוצאה היא דיוק אשכול גבוה, אינטרפולציה חלקה בין דגימות, וביצועים טובים בקנה מידה רחב על פני מגוון מערכי נתונים.</a:t>
+            </a:r>
+          </a:p>
+          <a:p>
+            <a:pPr marL="0" lvl="0" indent="0" algn="r" rtl="1">
+              <a:spcBef>
+                <a:spcPts val="0"/>
+              </a:spcBef>
+              <a:spcAft>
+                <a:spcPts val="0"/>
+              </a:spcAft>
+              <a:buNone/>
+            </a:pPr>
+            <a:endParaRPr lang="en-IL" dirty="0"/>
           </a:p>
         </p:txBody>
       </p:sp>
@@ -7632,166 +7694,145 @@
           </a:bodyPr>
           <a:lstStyle/>
           <a:p>
-            <a:pPr marL="0" lvl="0" indent="0" algn="r" rtl="1">
-              <a:spcBef>
-                <a:spcPts val="0"/>
-              </a:spcBef>
-              <a:spcAft>
-                <a:spcPts val="0"/>
-              </a:spcAft>
-              <a:buNone/>
-            </a:pPr>
+            <a:pPr algn="r" rtl="1">
+              <a:buNone/>
+            </a:pPr>
+            <a:r>
+              <a:rPr lang="en-IL" dirty="0"/>
+              <a:t>🧠 </a:t>
+            </a:r>
             <a:r>
               <a:rPr lang="he-IL" b="1" dirty="0"/>
-              <a:t>1. תלות במספר אשכולות ידוע מראש:</a:t>
-            </a:r>
-          </a:p>
-          <a:p>
-            <a:pPr marL="0" lvl="0" indent="0" algn="r" rtl="1">
-              <a:spcBef>
-                <a:spcPts val="0"/>
-              </a:spcBef>
-              <a:spcAft>
-                <a:spcPts val="0"/>
-              </a:spcAft>
-              <a:buNone/>
-            </a:pPr>
+              <a:t>שילוב בין אשכולות ל-</a:t>
+            </a:r>
+            <a:r>
+              <a:rPr lang="en-US" b="1" dirty="0"/>
+              <a:t>GANs </a:t>
+            </a:r>
+            <a:r>
+              <a:rPr lang="he-IL" b="1" dirty="0"/>
+              <a:t>הוא אפשרי</a:t>
+            </a:r>
             <a:r>
               <a:rPr lang="he-IL" dirty="0"/>
-              <a:t>	 </a:t>
+              <a:t>: ניתן לאמן מודל </a:t>
             </a:r>
             <a:r>
               <a:rPr lang="en-US" dirty="0"/>
-              <a:t>ClusterGAN </a:t>
+              <a:t>GAN </a:t>
             </a:r>
             <a:r>
               <a:rPr lang="he-IL" dirty="0"/>
-              <a:t>דורש לדעת מראש את מספר האשכולות (</a:t>
+              <a:t>שייצר דגימות מציאותיות </a:t>
+            </a:r>
+            <a:r>
+              <a:rPr lang="he-IL" b="1" dirty="0"/>
+              <a:t>וגם</a:t>
+            </a:r>
+            <a:r>
+              <a:rPr lang="he-IL" dirty="0"/>
+              <a:t> ילמד מבנה אשכולות משמעותי במקביל.</a:t>
+            </a:r>
+          </a:p>
+          <a:p>
+            <a:pPr algn="r" rtl="1">
+              <a:buNone/>
+            </a:pPr>
+            <a:r>
+              <a:rPr lang="en-IL" dirty="0"/>
+              <a:t>🧩 </a:t>
+            </a:r>
+            <a:r>
+              <a:rPr lang="he-IL" b="1" dirty="0"/>
+              <a:t>עיצוב המרחב הלטנטי הוא קריטי</a:t>
+            </a:r>
+            <a:r>
+              <a:rPr lang="he-IL" dirty="0"/>
+              <a:t>: שילוב בין רכיבים קטגוריים (</a:t>
             </a:r>
             <a:r>
               <a:rPr lang="en-US" dirty="0"/>
-              <a:t>K), </a:t>
+              <a:t>one-hot) </a:t>
             </a:r>
             <a:r>
               <a:rPr lang="he-IL" dirty="0"/>
-              <a:t>דבר שלא תמיד אפשרי בבעיות אמיתיות.</a:t>
-            </a:r>
-          </a:p>
-          <a:p>
-            <a:pPr marL="0" lvl="0" indent="0" algn="r" rtl="1">
-              <a:spcBef>
-                <a:spcPts val="0"/>
-              </a:spcBef>
-              <a:spcAft>
-                <a:spcPts val="0"/>
-              </a:spcAft>
-              <a:buNone/>
-            </a:pPr>
+              <a:t>לרציפים מאפשר יצירת מבנה אשכולות ברור ומשמעותי.</a:t>
+            </a:r>
+          </a:p>
+          <a:p>
+            <a:pPr algn="r" rtl="1">
+              <a:buNone/>
+            </a:pPr>
+            <a:r>
+              <a:rPr lang="en-IL" dirty="0"/>
+              <a:t>🔄 </a:t>
+            </a:r>
+            <a:r>
+              <a:rPr lang="he-IL" b="1" dirty="0"/>
+              <a:t>מיפוי הפוך מאפשר הערכה</a:t>
+            </a:r>
             <a:r>
               <a:rPr lang="he-IL" dirty="0"/>
-              <a:t>2</a:t>
+              <a:t>: השימוש ב-</a:t>
+            </a:r>
+            <a:r>
+              <a:rPr lang="en-US" dirty="0"/>
+              <a:t>encoder </a:t>
+            </a:r>
+            <a:r>
+              <a:rPr lang="he-IL" dirty="0"/>
+              <a:t>שמחזיר דגימות מהמרחב הנתוני למרחב הלטנטי מאפשר לבדוק שמירה על מבנה האשכולות.</a:t>
+            </a:r>
+          </a:p>
+          <a:p>
+            <a:pPr algn="r" rtl="1"/>
+            <a:r>
+              <a:rPr lang="en-IL" dirty="0"/>
+              <a:t>🚀 </a:t>
             </a:r>
             <a:r>
               <a:rPr lang="he-IL" b="1" dirty="0"/>
-              <a:t>. רגישות לפרמטרים והיפר-פרמטרים:</a:t>
-            </a:r>
-          </a:p>
-          <a:p>
-            <a:pPr marL="0" lvl="0" indent="0" algn="r" rtl="1">
-              <a:spcBef>
-                <a:spcPts val="0"/>
-              </a:spcBef>
-              <a:spcAft>
-                <a:spcPts val="0"/>
-              </a:spcAft>
-              <a:buNone/>
-            </a:pPr>
-            <a:r>
-              <a:rPr lang="he-IL" b="1" dirty="0"/>
-              <a:t>	 </a:t>
+              <a:t>ביצועים עדיפים על שיטות קיימות</a:t>
             </a:r>
             <a:r>
               <a:rPr lang="he-IL" dirty="0"/>
-              <a:t>הצלחת המודל תלויה בבחירה של פרמטרים כמו: גודל הרעש (</a:t>
-            </a:r>
-            <a:r>
-              <a:rPr lang="el-GR" dirty="0"/>
-              <a:t>σ) </a:t>
+              <a:t>: </a:t>
+            </a:r>
+            <a:r>
+              <a:rPr lang="en-US" dirty="0" err="1"/>
+              <a:t>ClusterGAN</a:t>
+            </a:r>
+            <a:r>
+              <a:rPr lang="en-US" dirty="0"/>
+              <a:t> </a:t>
             </a:r>
             <a:r>
               <a:rPr lang="he-IL" dirty="0"/>
-              <a:t>משקל פונקציית האיבוד (</a:t>
-            </a:r>
-            <a:r>
-              <a:rPr lang="el-GR" dirty="0"/>
-              <a:t>β</a:t>
+              <a:t>מציג דיוק גבוה יותר מאשר </a:t>
+            </a:r>
+            <a:r>
+              <a:rPr lang="en-US" dirty="0" err="1"/>
+              <a:t>InfoGAN</a:t>
             </a:r>
             <a:r>
               <a:rPr lang="en-US" dirty="0"/>
-              <a:t>n, </a:t>
-            </a:r>
-            <a:r>
-              <a:rPr lang="el-GR" dirty="0"/>
-              <a:t>β</a:t>
+              <a:t>, </a:t>
+            </a:r>
+            <a:r>
+              <a:rPr lang="he-IL" dirty="0"/>
+              <a:t>רשתות </a:t>
+            </a:r>
+            <a:r>
+              <a:rPr lang="en-US" dirty="0" err="1"/>
+              <a:t>AutoEncoder</a:t>
             </a:r>
             <a:r>
               <a:rPr lang="en-US" dirty="0"/>
-              <a:t>c) </a:t>
+              <a:t> </a:t>
             </a:r>
             <a:r>
               <a:rPr lang="he-IL" dirty="0"/>
-              <a:t>אופן מימוש ה-</a:t>
-            </a:r>
-            <a:r>
-              <a:rPr lang="en-US" dirty="0"/>
-              <a:t>Encoder </a:t>
-            </a:r>
-            <a:endParaRPr lang="he-IL" dirty="0"/>
-          </a:p>
-          <a:p>
-            <a:pPr marL="0" lvl="0" indent="0" algn="r" rtl="1">
-              <a:spcBef>
-                <a:spcPts val="0"/>
-              </a:spcBef>
-              <a:spcAft>
-                <a:spcPts val="0"/>
-              </a:spcAft>
-              <a:buNone/>
-            </a:pPr>
-            <a:r>
-              <a:rPr lang="he-IL" dirty="0"/>
-              <a:t>3. </a:t>
-            </a:r>
-            <a:r>
-              <a:rPr lang="he-IL" b="1" dirty="0"/>
-              <a:t>מוגבלות בהבנת המשמעות הסמנטית של האשכולות:</a:t>
-            </a:r>
-          </a:p>
-          <a:p>
-            <a:pPr marL="0" lvl="0" indent="0" algn="r" rtl="1">
-              <a:spcBef>
-                <a:spcPts val="0"/>
-              </a:spcBef>
-              <a:spcAft>
-                <a:spcPts val="0"/>
-              </a:spcAft>
-              <a:buNone/>
-            </a:pPr>
-            <a:r>
-              <a:rPr lang="he-IL" b="1" dirty="0"/>
-              <a:t>	 </a:t>
-            </a:r>
-            <a:r>
-              <a:rPr lang="he-IL" dirty="0"/>
-              <a:t>לפעמים האשכולות שהמודל לומד לא תואמים בהכרח למחלקות האמיתיות (למשל ב-</a:t>
-            </a:r>
-            <a:r>
-              <a:rPr lang="en-US" dirty="0"/>
-              <a:t>CIFAR-10, </a:t>
-            </a:r>
-            <a:r>
-              <a:rPr lang="he-IL" dirty="0"/>
-              <a:t>שבו אשכולות התבססו על צבע הרקע ולא על התוכן האובייקטיבי של התמונה).</a:t>
+              <a:t>ושיטות אשכול קלאסיות.</a:t>
             </a:r>
           </a:p>
           <a:p>
@@ -8284,6 +8325,88 @@
           </a:bodyPr>
           <a:lstStyle/>
           <a:p>
+            <a:pPr algn="r" rtl="1">
+              <a:buNone/>
+            </a:pPr>
+            <a:r>
+              <a:rPr lang="en-IL" dirty="0"/>
+              <a:t>🔍 </a:t>
+            </a:r>
+            <a:r>
+              <a:rPr lang="he-IL" b="1" dirty="0"/>
+              <a:t>למידת מרחב לטנטי מבוסס-נתונים</a:t>
+            </a:r>
+            <a:r>
+              <a:rPr lang="he-IL" dirty="0"/>
+              <a:t>: במקום להשתמש ברעש קבוע + </a:t>
+            </a:r>
+            <a:r>
+              <a:rPr lang="en-US" dirty="0"/>
+              <a:t>one-hot, </a:t>
+            </a:r>
+            <a:r>
+              <a:rPr lang="he-IL" dirty="0"/>
+              <a:t>ניתן ללמוד התפלגויות לטנטיות ישירות מהנתונים עצמם, לשיפור הגמישות והדיוק.</a:t>
+            </a:r>
+          </a:p>
+          <a:p>
+            <a:pPr algn="r" rtl="1">
+              <a:buNone/>
+            </a:pPr>
+            <a:r>
+              <a:rPr lang="en-IL" dirty="0"/>
+              <a:t>📊 </a:t>
+            </a:r>
+            <a:r>
+              <a:rPr lang="he-IL" b="1" dirty="0"/>
+              <a:t>שיפור ביצועים בדאטות מורכבות</a:t>
+            </a:r>
+            <a:r>
+              <a:rPr lang="he-IL" dirty="0"/>
+              <a:t>: יש פוטנציאל לשפר ביצועים במערכי נתונים דלילים ובמימד גבוה – כמו ביטוי גנים או נתונים רפואיים.</a:t>
+            </a:r>
+          </a:p>
+          <a:p>
+            <a:pPr algn="r" rtl="1">
+              <a:buNone/>
+            </a:pPr>
+            <a:r>
+              <a:rPr lang="en-IL" dirty="0"/>
+              <a:t>🧭 </a:t>
+            </a:r>
+            <a:r>
+              <a:rPr lang="he-IL" b="1" dirty="0"/>
+              <a:t>שילוב ידע סמנטי או תחומי</a:t>
+            </a:r>
+            <a:r>
+              <a:rPr lang="he-IL" dirty="0"/>
+              <a:t>: ניתן לשלב הנחיות על בסיס תחום הבעיה (</a:t>
+            </a:r>
+            <a:r>
+              <a:rPr lang="en-US" dirty="0"/>
+              <a:t>domain knowledge) </a:t>
+            </a:r>
+            <a:r>
+              <a:rPr lang="he-IL" dirty="0"/>
+              <a:t>כדי לשפר את הדיוק של חלוקת האשכולות.</a:t>
+            </a:r>
+          </a:p>
+          <a:p>
+            <a:pPr algn="r" rtl="1"/>
+            <a:r>
+              <a:rPr lang="en-IL" dirty="0"/>
+              <a:t>🧠 </a:t>
+            </a:r>
+            <a:r>
+              <a:rPr lang="he-IL" b="1" dirty="0"/>
+              <a:t>עיצוב מרחבים לטנטיים ברי-פרשנות</a:t>
+            </a:r>
+            <a:r>
+              <a:rPr lang="he-IL" dirty="0"/>
+              <a:t>: יש חשיבות לפיתוח מרחבים לטנטיים שניתנים לפרשנות ומשקפים מבנים סמנטיים אמיתיים בעולם הנתונים.</a:t>
+            </a:r>
+          </a:p>
+          <a:p>
             <a:pPr marL="0" lvl="0" indent="0" algn="l" rtl="0">
               <a:spcBef>
                 <a:spcPts val="0"/>
@@ -8293,7 +8416,7 @@
               </a:spcAft>
               <a:buNone/>
             </a:pPr>
-            <a:endParaRPr/>
+            <a:endParaRPr dirty="0"/>
           </a:p>
         </p:txBody>
       </p:sp>
@@ -15276,8 +15399,8 @@
           </a:p>
         </p:txBody>
       </p:sp>
-      <mc:AlternateContent xmlns:mc="http://schemas.openxmlformats.org/markup-compatibility/2006">
-        <mc:Choice xmlns:p14="http://schemas.microsoft.com/office/powerpoint/2010/main" Requires="p14">
+      <mc:AlternateContent xmlns:mc="http://schemas.openxmlformats.org/markup-compatibility/2006" xmlns:p14="http://schemas.microsoft.com/office/powerpoint/2010/main">
+        <mc:Choice Requires="p14">
           <p:contentPart p14:bwMode="auto" r:id="rId3">
             <p14:nvContentPartPr>
               <p14:cNvPr id="10" name="Ink 9">
@@ -15296,7 +15419,7 @@
             </p14:xfrm>
           </p:contentPart>
         </mc:Choice>
-        <mc:Fallback>
+        <mc:Fallback xmlns="">
           <p:pic>
             <p:nvPicPr>
               <p:cNvPr id="10" name="Ink 9">
@@ -15327,8 +15450,8 @@
           </p:pic>
         </mc:Fallback>
       </mc:AlternateContent>
-      <mc:AlternateContent xmlns:mc="http://schemas.openxmlformats.org/markup-compatibility/2006">
-        <mc:Choice xmlns:p14="http://schemas.microsoft.com/office/powerpoint/2010/main" Requires="p14">
+      <mc:AlternateContent xmlns:mc="http://schemas.openxmlformats.org/markup-compatibility/2006" xmlns:p14="http://schemas.microsoft.com/office/powerpoint/2010/main">
+        <mc:Choice Requires="p14">
           <p:contentPart p14:bwMode="auto" r:id="rId5">
             <p14:nvContentPartPr>
               <p14:cNvPr id="11" name="Ink 10">
@@ -15347,7 +15470,7 @@
             </p14:xfrm>
           </p:contentPart>
         </mc:Choice>
-        <mc:Fallback>
+        <mc:Fallback xmlns="">
           <p:pic>
             <p:nvPicPr>
               <p:cNvPr id="11" name="Ink 10">
@@ -16867,13 +16990,43 @@
               <a:tabLst/>
             </a:pPr>
             <a:r>
-              <a:rPr lang="en-US" altLang="en-IL" sz="2400" b="1" dirty="0">
+              <a:rPr kumimoji="0" lang="en-US" altLang="en-IL" sz="2400" b="1" i="0" u="none" strike="noStrike" cap="none" normalizeH="0" baseline="0" dirty="0">
+                <a:ln>
+                  <a:noFill/>
+                </a:ln>
                 <a:solidFill>
                   <a:schemeClr val="tx1"/>
                 </a:solidFill>
+                <a:effectLst/>
                 <a:latin typeface="Arial" panose="020B0604020202020204" pitchFamily="34" charset="0"/>
               </a:rPr>
-              <a:t>Discriminator Class:</a:t>
+              <a:t>Creating a latent variable (</a:t>
+            </a:r>
+            <a:r>
+              <a:rPr kumimoji="0" lang="en-US" altLang="en-IL" sz="2400" b="1" i="0" u="none" strike="noStrike" cap="none" normalizeH="0" baseline="0" dirty="0" err="1">
+                <a:ln>
+                  <a:noFill/>
+                </a:ln>
+                <a:solidFill>
+                  <a:schemeClr val="tx1"/>
+                </a:solidFill>
+                <a:effectLst/>
+                <a:latin typeface="Arial" panose="020B0604020202020204" pitchFamily="34" charset="0"/>
+              </a:rPr>
+              <a:t>sample_z</a:t>
+            </a:r>
+            <a:r>
+              <a:rPr kumimoji="0" lang="en-US" altLang="en-IL" sz="2400" b="1" i="0" u="none" strike="noStrike" cap="none" normalizeH="0" baseline="0" dirty="0">
+                <a:ln>
+                  <a:noFill/>
+                </a:ln>
+                <a:solidFill>
+                  <a:schemeClr val="tx1"/>
+                </a:solidFill>
+                <a:effectLst/>
+                <a:latin typeface="Arial" panose="020B0604020202020204" pitchFamily="34" charset="0"/>
+              </a:rPr>
+              <a:t>):</a:t>
             </a:r>
             <a:endParaRPr kumimoji="0" lang="en-IL" altLang="en-IL" sz="2400" b="1" i="0" u="none" strike="noStrike" cap="none" normalizeH="0" baseline="0" dirty="0">
               <a:ln>
@@ -16888,66 +17041,6 @@
           </a:p>
         </p:txBody>
       </p:sp>
-      <p:pic>
-        <p:nvPicPr>
-          <p:cNvPr id="5" name="Picture 4">
-            <a:extLst>
-              <a:ext uri="{FF2B5EF4-FFF2-40B4-BE49-F238E27FC236}">
-                <a16:creationId xmlns:a16="http://schemas.microsoft.com/office/drawing/2014/main" id="{4297CDF2-1A3D-8641-C9E3-A3E125E7074F}"/>
-              </a:ext>
-            </a:extLst>
-          </p:cNvPr>
-          <p:cNvPicPr>
-            <a:picLocks noChangeAspect="1"/>
-          </p:cNvPicPr>
-          <p:nvPr/>
-        </p:nvPicPr>
-        <p:blipFill>
-          <a:blip r:embed="rId3"/>
-          <a:stretch>
-            <a:fillRect/>
-          </a:stretch>
-        </p:blipFill>
-        <p:spPr>
-          <a:xfrm>
-            <a:off x="510006" y="1164146"/>
-            <a:ext cx="5941840" cy="1725797"/>
-          </a:xfrm>
-          <a:prstGeom prst="rect">
-            <a:avLst/>
-          </a:prstGeom>
-        </p:spPr>
-      </p:pic>
-      <p:pic>
-        <p:nvPicPr>
-          <p:cNvPr id="10" name="Picture 9">
-            <a:extLst>
-              <a:ext uri="{FF2B5EF4-FFF2-40B4-BE49-F238E27FC236}">
-                <a16:creationId xmlns:a16="http://schemas.microsoft.com/office/drawing/2014/main" id="{49817426-56B2-4D4A-0035-816AF68AF3B0}"/>
-              </a:ext>
-            </a:extLst>
-          </p:cNvPr>
-          <p:cNvPicPr>
-            <a:picLocks noChangeAspect="1"/>
-          </p:cNvPicPr>
-          <p:nvPr/>
-        </p:nvPicPr>
-        <p:blipFill>
-          <a:blip r:embed="rId4"/>
-          <a:stretch>
-            <a:fillRect/>
-          </a:stretch>
-        </p:blipFill>
-        <p:spPr>
-          <a:xfrm>
-            <a:off x="510006" y="3786476"/>
-            <a:ext cx="5941840" cy="604916"/>
-          </a:xfrm>
-          <a:prstGeom prst="rect">
-            <a:avLst/>
-          </a:prstGeom>
-        </p:spPr>
-      </p:pic>
       <p:sp>
         <p:nvSpPr>
           <p:cNvPr id="11" name="Rectangle 3">
@@ -17287,6 +17380,36 @@
           </a:p>
         </p:txBody>
       </p:sp>
+      <p:pic>
+        <p:nvPicPr>
+          <p:cNvPr id="4" name="Picture 3">
+            <a:extLst>
+              <a:ext uri="{FF2B5EF4-FFF2-40B4-BE49-F238E27FC236}">
+                <a16:creationId xmlns:a16="http://schemas.microsoft.com/office/drawing/2014/main" id="{BB8C22F6-0751-655C-B5DF-A72ABC2F6A66}"/>
+              </a:ext>
+            </a:extLst>
+          </p:cNvPr>
+          <p:cNvPicPr>
+            <a:picLocks noChangeAspect="1"/>
+          </p:cNvPicPr>
+          <p:nvPr/>
+        </p:nvPicPr>
+        <p:blipFill>
+          <a:blip r:embed="rId3"/>
+          <a:stretch>
+            <a:fillRect/>
+          </a:stretch>
+        </p:blipFill>
+        <p:spPr>
+          <a:xfrm>
+            <a:off x="330034" y="1330422"/>
+            <a:ext cx="7640116" cy="2734057"/>
+          </a:xfrm>
+          <a:prstGeom prst="rect">
+            <a:avLst/>
+          </a:prstGeom>
+        </p:spPr>
+      </p:pic>
     </p:spTree>
     <p:extLst>
       <p:ext uri="{BB962C8B-B14F-4D97-AF65-F5344CB8AC3E}">
@@ -17547,16 +17670,7 @@
             </a:pPr>
             <a:r>
               <a:rPr lang="en-US" sz="2400" b="1" dirty="0"/>
-              <a:t>Weight Initialization</a:t>
-            </a:r>
-            <a:r>
-              <a:rPr lang="en-US" altLang="en-IL" sz="2400" b="1" dirty="0">
-                <a:solidFill>
-                  <a:schemeClr val="tx1"/>
-                </a:solidFill>
-                <a:latin typeface="Arial" panose="020B0604020202020204" pitchFamily="34" charset="0"/>
-              </a:rPr>
-              <a:t>:</a:t>
+              <a:t>Calculating Gradient Penalty:</a:t>
             </a:r>
             <a:endParaRPr kumimoji="0" lang="en-IL" altLang="en-IL" sz="2400" b="1" i="0" u="none" strike="noStrike" cap="none" normalizeH="0" baseline="0" dirty="0">
               <a:ln>
@@ -17571,359 +17685,12 @@
           </a:p>
         </p:txBody>
       </p:sp>
-      <p:sp>
-        <p:nvSpPr>
-          <p:cNvPr id="11" name="Rectangle 3">
+      <p:pic>
+        <p:nvPicPr>
+          <p:cNvPr id="3" name="Picture 2">
             <a:extLst>
               <a:ext uri="{FF2B5EF4-FFF2-40B4-BE49-F238E27FC236}">
-                <a16:creationId xmlns:a16="http://schemas.microsoft.com/office/drawing/2014/main" id="{177483A7-48F0-293E-ADD5-AE079339B47E}"/>
-              </a:ext>
-            </a:extLst>
-          </p:cNvPr>
-          <p:cNvSpPr txBox="1">
-            <a:spLocks noChangeArrowheads="1"/>
-          </p:cNvSpPr>
-          <p:nvPr/>
-        </p:nvSpPr>
-        <p:spPr bwMode="auto">
-          <a:xfrm>
-            <a:off x="432632" y="2270726"/>
-            <a:ext cx="7741225" cy="461665"/>
-          </a:xfrm>
-          <a:prstGeom prst="rect">
-            <a:avLst/>
-          </a:prstGeom>
-          <a:noFill/>
-          <a:ln>
-            <a:noFill/>
-          </a:ln>
-          <a:effectLst/>
-          <a:extLst>
-            <a:ext uri="{909E8E84-426E-40DD-AFC4-6F175D3DCCD1}">
-              <a14:hiddenFill xmlns:a14="http://schemas.microsoft.com/office/drawing/2010/main">
-                <a:solidFill>
-                  <a:schemeClr val="accent1"/>
-                </a:solidFill>
-              </a14:hiddenFill>
-            </a:ext>
-            <a:ext uri="{91240B29-F687-4F45-9708-019B960494DF}">
-              <a14:hiddenLine xmlns:a14="http://schemas.microsoft.com/office/drawing/2010/main" w="9525">
-                <a:solidFill>
-                  <a:schemeClr val="tx1"/>
-                </a:solidFill>
-                <a:miter lim="800000"/>
-                <a:headEnd/>
-                <a:tailEnd/>
-              </a14:hiddenLine>
-            </a:ext>
-            <a:ext uri="{AF507438-7753-43E0-B8FC-AC1667EBCBE1}">
-              <a14:hiddenEffects xmlns:a14="http://schemas.microsoft.com/office/drawing/2010/main">
-                <a:effectLst>
-                  <a:outerShdw dist="35921" dir="2700000" algn="ctr" rotWithShape="0">
-                    <a:schemeClr val="bg2"/>
-                  </a:outerShdw>
-                </a:effectLst>
-              </a14:hiddenEffects>
-            </a:ext>
-          </a:extLst>
-        </p:spPr>
-        <p:txBody>
-          <a:bodyPr spcFirstLastPara="1" vert="horz" wrap="square" lIns="91440" tIns="45720" rIns="91440" bIns="45720" numCol="1" anchor="ctr" anchorCtr="0" compatLnSpc="1">
-            <a:prstTxWarp prst="textNoShape">
-              <a:avLst/>
-            </a:prstTxWarp>
-            <a:spAutoFit/>
-          </a:bodyPr>
-          <a:lstStyle>
-            <a:defPPr marR="0" lvl="0" algn="l" rtl="0">
-              <a:lnSpc>
-                <a:spcPct val="100000"/>
-              </a:lnSpc>
-              <a:spcBef>
-                <a:spcPts val="0"/>
-              </a:spcBef>
-              <a:spcAft>
-                <a:spcPts val="0"/>
-              </a:spcAft>
-            </a:defPPr>
-            <a:lvl1pPr marR="0" lvl="0" algn="l" rtl="0">
-              <a:lnSpc>
-                <a:spcPct val="100000"/>
-              </a:lnSpc>
-              <a:spcBef>
-                <a:spcPts val="0"/>
-              </a:spcBef>
-              <a:spcAft>
-                <a:spcPts val="0"/>
-              </a:spcAft>
-              <a:buClr>
-                <a:schemeClr val="dk1"/>
-              </a:buClr>
-              <a:buSzPts val="4700"/>
-              <a:buFont typeface="Golos Text"/>
-              <a:buNone/>
-              <a:defRPr sz="3600" b="0" i="0" u="none" strike="noStrike" cap="none">
-                <a:solidFill>
-                  <a:schemeClr val="dk1"/>
-                </a:solidFill>
-                <a:latin typeface="Golos Text"/>
-                <a:ea typeface="Golos Text"/>
-                <a:cs typeface="Golos Text"/>
-                <a:sym typeface="Golos Text"/>
-              </a:defRPr>
-            </a:lvl1pPr>
-            <a:lvl2pPr marR="0" lvl="1" algn="l" rtl="0">
-              <a:lnSpc>
-                <a:spcPct val="100000"/>
-              </a:lnSpc>
-              <a:spcBef>
-                <a:spcPts val="0"/>
-              </a:spcBef>
-              <a:spcAft>
-                <a:spcPts val="0"/>
-              </a:spcAft>
-              <a:buClr>
-                <a:schemeClr val="dk1"/>
-              </a:buClr>
-              <a:buSzPts val="4700"/>
-              <a:buFont typeface="Golos Text"/>
-              <a:buNone/>
-              <a:defRPr sz="4700" b="0" i="0" u="none" strike="noStrike" cap="none">
-                <a:solidFill>
-                  <a:schemeClr val="dk1"/>
-                </a:solidFill>
-                <a:latin typeface="Golos Text"/>
-                <a:ea typeface="Golos Text"/>
-                <a:cs typeface="Golos Text"/>
-                <a:sym typeface="Golos Text"/>
-              </a:defRPr>
-            </a:lvl2pPr>
-            <a:lvl3pPr marR="0" lvl="2" algn="l" rtl="0">
-              <a:lnSpc>
-                <a:spcPct val="100000"/>
-              </a:lnSpc>
-              <a:spcBef>
-                <a:spcPts val="0"/>
-              </a:spcBef>
-              <a:spcAft>
-                <a:spcPts val="0"/>
-              </a:spcAft>
-              <a:buClr>
-                <a:schemeClr val="dk1"/>
-              </a:buClr>
-              <a:buSzPts val="4700"/>
-              <a:buFont typeface="Golos Text"/>
-              <a:buNone/>
-              <a:defRPr sz="4700" b="0" i="0" u="none" strike="noStrike" cap="none">
-                <a:solidFill>
-                  <a:schemeClr val="dk1"/>
-                </a:solidFill>
-                <a:latin typeface="Golos Text"/>
-                <a:ea typeface="Golos Text"/>
-                <a:cs typeface="Golos Text"/>
-                <a:sym typeface="Golos Text"/>
-              </a:defRPr>
-            </a:lvl3pPr>
-            <a:lvl4pPr marR="0" lvl="3" algn="l" rtl="0">
-              <a:lnSpc>
-                <a:spcPct val="100000"/>
-              </a:lnSpc>
-              <a:spcBef>
-                <a:spcPts val="0"/>
-              </a:spcBef>
-              <a:spcAft>
-                <a:spcPts val="0"/>
-              </a:spcAft>
-              <a:buClr>
-                <a:schemeClr val="dk1"/>
-              </a:buClr>
-              <a:buSzPts val="4700"/>
-              <a:buFont typeface="Golos Text"/>
-              <a:buNone/>
-              <a:defRPr sz="4700" b="0" i="0" u="none" strike="noStrike" cap="none">
-                <a:solidFill>
-                  <a:schemeClr val="dk1"/>
-                </a:solidFill>
-                <a:latin typeface="Golos Text"/>
-                <a:ea typeface="Golos Text"/>
-                <a:cs typeface="Golos Text"/>
-                <a:sym typeface="Golos Text"/>
-              </a:defRPr>
-            </a:lvl4pPr>
-            <a:lvl5pPr marR="0" lvl="4" algn="l" rtl="0">
-              <a:lnSpc>
-                <a:spcPct val="100000"/>
-              </a:lnSpc>
-              <a:spcBef>
-                <a:spcPts val="0"/>
-              </a:spcBef>
-              <a:spcAft>
-                <a:spcPts val="0"/>
-              </a:spcAft>
-              <a:buClr>
-                <a:schemeClr val="dk1"/>
-              </a:buClr>
-              <a:buSzPts val="4700"/>
-              <a:buFont typeface="Golos Text"/>
-              <a:buNone/>
-              <a:defRPr sz="4700" b="0" i="0" u="none" strike="noStrike" cap="none">
-                <a:solidFill>
-                  <a:schemeClr val="dk1"/>
-                </a:solidFill>
-                <a:latin typeface="Golos Text"/>
-                <a:ea typeface="Golos Text"/>
-                <a:cs typeface="Golos Text"/>
-                <a:sym typeface="Golos Text"/>
-              </a:defRPr>
-            </a:lvl5pPr>
-            <a:lvl6pPr marR="0" lvl="5" algn="l" rtl="0">
-              <a:lnSpc>
-                <a:spcPct val="100000"/>
-              </a:lnSpc>
-              <a:spcBef>
-                <a:spcPts val="0"/>
-              </a:spcBef>
-              <a:spcAft>
-                <a:spcPts val="0"/>
-              </a:spcAft>
-              <a:buClr>
-                <a:schemeClr val="dk1"/>
-              </a:buClr>
-              <a:buSzPts val="4700"/>
-              <a:buFont typeface="Golos Text"/>
-              <a:buNone/>
-              <a:defRPr sz="4700" b="0" i="0" u="none" strike="noStrike" cap="none">
-                <a:solidFill>
-                  <a:schemeClr val="dk1"/>
-                </a:solidFill>
-                <a:latin typeface="Golos Text"/>
-                <a:ea typeface="Golos Text"/>
-                <a:cs typeface="Golos Text"/>
-                <a:sym typeface="Golos Text"/>
-              </a:defRPr>
-            </a:lvl6pPr>
-            <a:lvl7pPr marR="0" lvl="6" algn="l" rtl="0">
-              <a:lnSpc>
-                <a:spcPct val="100000"/>
-              </a:lnSpc>
-              <a:spcBef>
-                <a:spcPts val="0"/>
-              </a:spcBef>
-              <a:spcAft>
-                <a:spcPts val="0"/>
-              </a:spcAft>
-              <a:buClr>
-                <a:schemeClr val="dk1"/>
-              </a:buClr>
-              <a:buSzPts val="4700"/>
-              <a:buFont typeface="Golos Text"/>
-              <a:buNone/>
-              <a:defRPr sz="4700" b="0" i="0" u="none" strike="noStrike" cap="none">
-                <a:solidFill>
-                  <a:schemeClr val="dk1"/>
-                </a:solidFill>
-                <a:latin typeface="Golos Text"/>
-                <a:ea typeface="Golos Text"/>
-                <a:cs typeface="Golos Text"/>
-                <a:sym typeface="Golos Text"/>
-              </a:defRPr>
-            </a:lvl7pPr>
-            <a:lvl8pPr marR="0" lvl="7" algn="l" rtl="0">
-              <a:lnSpc>
-                <a:spcPct val="100000"/>
-              </a:lnSpc>
-              <a:spcBef>
-                <a:spcPts val="0"/>
-              </a:spcBef>
-              <a:spcAft>
-                <a:spcPts val="0"/>
-              </a:spcAft>
-              <a:buClr>
-                <a:schemeClr val="dk1"/>
-              </a:buClr>
-              <a:buSzPts val="4700"/>
-              <a:buFont typeface="Golos Text"/>
-              <a:buNone/>
-              <a:defRPr sz="4700" b="0" i="0" u="none" strike="noStrike" cap="none">
-                <a:solidFill>
-                  <a:schemeClr val="dk1"/>
-                </a:solidFill>
-                <a:latin typeface="Golos Text"/>
-                <a:ea typeface="Golos Text"/>
-                <a:cs typeface="Golos Text"/>
-                <a:sym typeface="Golos Text"/>
-              </a:defRPr>
-            </a:lvl8pPr>
-            <a:lvl9pPr marR="0" lvl="8" algn="l" rtl="0">
-              <a:lnSpc>
-                <a:spcPct val="100000"/>
-              </a:lnSpc>
-              <a:spcBef>
-                <a:spcPts val="0"/>
-              </a:spcBef>
-              <a:spcAft>
-                <a:spcPts val="0"/>
-              </a:spcAft>
-              <a:buClr>
-                <a:schemeClr val="dk1"/>
-              </a:buClr>
-              <a:buSzPts val="4700"/>
-              <a:buFont typeface="Golos Text"/>
-              <a:buNone/>
-              <a:defRPr sz="4700" b="0" i="0" u="none" strike="noStrike" cap="none">
-                <a:solidFill>
-                  <a:schemeClr val="dk1"/>
-                </a:solidFill>
-                <a:latin typeface="Golos Text"/>
-                <a:ea typeface="Golos Text"/>
-                <a:cs typeface="Golos Text"/>
-                <a:sym typeface="Golos Text"/>
-              </a:defRPr>
-            </a:lvl9pPr>
-          </a:lstStyle>
-          <a:p>
-            <a:pPr eaLnBrk="0" fontAlgn="base" hangingPunct="0">
-              <a:spcBef>
-                <a:spcPct val="0"/>
-              </a:spcBef>
-              <a:spcAft>
-                <a:spcPct val="0"/>
-              </a:spcAft>
-              <a:buClrTx/>
-              <a:buSzTx/>
-            </a:pPr>
-            <a:r>
-              <a:rPr lang="en-US" sz="2400" b="1" dirty="0" err="1"/>
-              <a:t>sample_image</a:t>
-            </a:r>
-            <a:r>
-              <a:rPr lang="en-US" sz="2400" b="1" dirty="0"/>
-              <a:t>()</a:t>
-            </a:r>
-            <a:r>
-              <a:rPr lang="en-US" altLang="en-IL" sz="2400" b="1" dirty="0">
-                <a:solidFill>
-                  <a:schemeClr val="tx1"/>
-                </a:solidFill>
-                <a:latin typeface="Arial" panose="020B0604020202020204" pitchFamily="34" charset="0"/>
-              </a:rPr>
-              <a:t>:</a:t>
-            </a:r>
-            <a:endParaRPr lang="en-IL" altLang="en-IL" sz="2400" b="1" dirty="0">
-              <a:solidFill>
-                <a:schemeClr val="tx1"/>
-              </a:solidFill>
-              <a:latin typeface="Arial" panose="020B0604020202020204" pitchFamily="34" charset="0"/>
-            </a:endParaRPr>
-          </a:p>
-        </p:txBody>
-      </p:sp>
-      <p:pic>
-        <p:nvPicPr>
-          <p:cNvPr id="4" name="Picture 3">
-            <a:extLst>
-              <a:ext uri="{FF2B5EF4-FFF2-40B4-BE49-F238E27FC236}">
-                <a16:creationId xmlns:a16="http://schemas.microsoft.com/office/drawing/2014/main" id="{6C27832B-B6AC-8A34-6CFA-D696E4EF0DA3}"/>
+                <a16:creationId xmlns:a16="http://schemas.microsoft.com/office/drawing/2014/main" id="{7DEF3004-653B-5086-64A8-E5EDD9C58035}"/>
               </a:ext>
             </a:extLst>
           </p:cNvPr>
@@ -17940,38 +17707,8 @@
         </p:blipFill>
         <p:spPr>
           <a:xfrm>
-            <a:off x="567602" y="1212162"/>
-            <a:ext cx="7542424" cy="619319"/>
-          </a:xfrm>
-          <a:prstGeom prst="rect">
-            <a:avLst/>
-          </a:prstGeom>
-        </p:spPr>
-      </p:pic>
-      <p:pic>
-        <p:nvPicPr>
-          <p:cNvPr id="8" name="Picture 7">
-            <a:extLst>
-              <a:ext uri="{FF2B5EF4-FFF2-40B4-BE49-F238E27FC236}">
-                <a16:creationId xmlns:a16="http://schemas.microsoft.com/office/drawing/2014/main" id="{639654C5-59E6-EADE-A648-3FDBA0AACCEB}"/>
-              </a:ext>
-            </a:extLst>
-          </p:cNvPr>
-          <p:cNvPicPr>
-            <a:picLocks noChangeAspect="1"/>
-          </p:cNvPicPr>
-          <p:nvPr/>
-        </p:nvPicPr>
-        <p:blipFill>
-          <a:blip r:embed="rId4"/>
-          <a:stretch>
-            <a:fillRect/>
-          </a:stretch>
-        </p:blipFill>
-        <p:spPr>
-          <a:xfrm>
-            <a:off x="495175" y="2940598"/>
-            <a:ext cx="6453608" cy="1378183"/>
+            <a:off x="495175" y="1099932"/>
+            <a:ext cx="6173061" cy="2943636"/>
           </a:xfrm>
           <a:prstGeom prst="rect">
             <a:avLst/>
@@ -18028,7 +17765,7 @@
         </p:nvGrpSpPr>
         <p:grpSpPr>
           <a:xfrm>
-            <a:off x="0" y="-304800"/>
+            <a:off x="0" y="-688905"/>
             <a:ext cx="9144000" cy="2571600"/>
             <a:chOff x="0" y="0"/>
             <a:chExt cx="9144000" cy="2571600"/>
@@ -18177,7 +17914,7 @@
         </p:nvSpPr>
         <p:spPr bwMode="auto">
           <a:xfrm>
-            <a:off x="432632" y="546425"/>
+            <a:off x="389601" y="370290"/>
             <a:ext cx="7741225" cy="461665"/>
           </a:xfrm>
           <a:prstGeom prst="rect">
@@ -18227,335 +17964,8 @@
           <a:lstStyle/>
           <a:p>
             <a:r>
-              <a:rPr lang="en-US" sz="2400" b="1" dirty="0" err="1"/>
-              <a:t>generator_forward</a:t>
-            </a:r>
-            <a:r>
               <a:rPr lang="en-US" sz="2400" b="1" dirty="0"/>
-              <a:t>()</a:t>
-            </a:r>
-            <a:endParaRPr lang="en-US" sz="2400" dirty="0"/>
-          </a:p>
-        </p:txBody>
-      </p:sp>
-      <p:sp>
-        <p:nvSpPr>
-          <p:cNvPr id="11" name="Rectangle 3">
-            <a:extLst>
-              <a:ext uri="{FF2B5EF4-FFF2-40B4-BE49-F238E27FC236}">
-                <a16:creationId xmlns:a16="http://schemas.microsoft.com/office/drawing/2014/main" id="{F1E5DF59-854E-5C34-E19F-9F09C1C98BE0}"/>
-              </a:ext>
-            </a:extLst>
-          </p:cNvPr>
-          <p:cNvSpPr txBox="1">
-            <a:spLocks noChangeArrowheads="1"/>
-          </p:cNvSpPr>
-          <p:nvPr/>
-        </p:nvSpPr>
-        <p:spPr bwMode="auto">
-          <a:xfrm>
-            <a:off x="432630" y="2571750"/>
-            <a:ext cx="7741225" cy="461665"/>
-          </a:xfrm>
-          <a:prstGeom prst="rect">
-            <a:avLst/>
-          </a:prstGeom>
-          <a:noFill/>
-          <a:ln>
-            <a:noFill/>
-          </a:ln>
-          <a:effectLst/>
-          <a:extLst>
-            <a:ext uri="{909E8E84-426E-40DD-AFC4-6F175D3DCCD1}">
-              <a14:hiddenFill xmlns:a14="http://schemas.microsoft.com/office/drawing/2010/main">
-                <a:solidFill>
-                  <a:schemeClr val="accent1"/>
-                </a:solidFill>
-              </a14:hiddenFill>
-            </a:ext>
-            <a:ext uri="{91240B29-F687-4F45-9708-019B960494DF}">
-              <a14:hiddenLine xmlns:a14="http://schemas.microsoft.com/office/drawing/2010/main" w="9525">
-                <a:solidFill>
-                  <a:schemeClr val="tx1"/>
-                </a:solidFill>
-                <a:miter lim="800000"/>
-                <a:headEnd/>
-                <a:tailEnd/>
-              </a14:hiddenLine>
-            </a:ext>
-            <a:ext uri="{AF507438-7753-43E0-B8FC-AC1667EBCBE1}">
-              <a14:hiddenEffects xmlns:a14="http://schemas.microsoft.com/office/drawing/2010/main">
-                <a:effectLst>
-                  <a:outerShdw dist="35921" dir="2700000" algn="ctr" rotWithShape="0">
-                    <a:schemeClr val="bg2"/>
-                  </a:outerShdw>
-                </a:effectLst>
-              </a14:hiddenEffects>
-            </a:ext>
-          </a:extLst>
-        </p:spPr>
-        <p:txBody>
-          <a:bodyPr spcFirstLastPara="1" vert="horz" wrap="square" lIns="91440" tIns="45720" rIns="91440" bIns="45720" numCol="1" anchor="ctr" anchorCtr="0" compatLnSpc="1">
-            <a:prstTxWarp prst="textNoShape">
-              <a:avLst/>
-            </a:prstTxWarp>
-            <a:spAutoFit/>
-          </a:bodyPr>
-          <a:lstStyle>
-            <a:defPPr marR="0" lvl="0" algn="l" rtl="0">
-              <a:lnSpc>
-                <a:spcPct val="100000"/>
-              </a:lnSpc>
-              <a:spcBef>
-                <a:spcPts val="0"/>
-              </a:spcBef>
-              <a:spcAft>
-                <a:spcPts val="0"/>
-              </a:spcAft>
-            </a:defPPr>
-            <a:lvl1pPr marR="0" lvl="0" algn="l" rtl="0">
-              <a:lnSpc>
-                <a:spcPct val="100000"/>
-              </a:lnSpc>
-              <a:spcBef>
-                <a:spcPts val="0"/>
-              </a:spcBef>
-              <a:spcAft>
-                <a:spcPts val="0"/>
-              </a:spcAft>
-              <a:buClr>
-                <a:schemeClr val="dk1"/>
-              </a:buClr>
-              <a:buSzPts val="4700"/>
-              <a:buFont typeface="Golos Text"/>
-              <a:buNone/>
-              <a:defRPr sz="3600" b="0" i="0" u="none" strike="noStrike" cap="none">
-                <a:solidFill>
-                  <a:schemeClr val="dk1"/>
-                </a:solidFill>
-                <a:latin typeface="Golos Text"/>
-                <a:ea typeface="Golos Text"/>
-                <a:cs typeface="Golos Text"/>
-                <a:sym typeface="Golos Text"/>
-              </a:defRPr>
-            </a:lvl1pPr>
-            <a:lvl2pPr marR="0" lvl="1" algn="l" rtl="0">
-              <a:lnSpc>
-                <a:spcPct val="100000"/>
-              </a:lnSpc>
-              <a:spcBef>
-                <a:spcPts val="0"/>
-              </a:spcBef>
-              <a:spcAft>
-                <a:spcPts val="0"/>
-              </a:spcAft>
-              <a:buClr>
-                <a:schemeClr val="dk1"/>
-              </a:buClr>
-              <a:buSzPts val="4700"/>
-              <a:buFont typeface="Golos Text"/>
-              <a:buNone/>
-              <a:defRPr sz="4700" b="0" i="0" u="none" strike="noStrike" cap="none">
-                <a:solidFill>
-                  <a:schemeClr val="dk1"/>
-                </a:solidFill>
-                <a:latin typeface="Golos Text"/>
-                <a:ea typeface="Golos Text"/>
-                <a:cs typeface="Golos Text"/>
-                <a:sym typeface="Golos Text"/>
-              </a:defRPr>
-            </a:lvl2pPr>
-            <a:lvl3pPr marR="0" lvl="2" algn="l" rtl="0">
-              <a:lnSpc>
-                <a:spcPct val="100000"/>
-              </a:lnSpc>
-              <a:spcBef>
-                <a:spcPts val="0"/>
-              </a:spcBef>
-              <a:spcAft>
-                <a:spcPts val="0"/>
-              </a:spcAft>
-              <a:buClr>
-                <a:schemeClr val="dk1"/>
-              </a:buClr>
-              <a:buSzPts val="4700"/>
-              <a:buFont typeface="Golos Text"/>
-              <a:buNone/>
-              <a:defRPr sz="4700" b="0" i="0" u="none" strike="noStrike" cap="none">
-                <a:solidFill>
-                  <a:schemeClr val="dk1"/>
-                </a:solidFill>
-                <a:latin typeface="Golos Text"/>
-                <a:ea typeface="Golos Text"/>
-                <a:cs typeface="Golos Text"/>
-                <a:sym typeface="Golos Text"/>
-              </a:defRPr>
-            </a:lvl3pPr>
-            <a:lvl4pPr marR="0" lvl="3" algn="l" rtl="0">
-              <a:lnSpc>
-                <a:spcPct val="100000"/>
-              </a:lnSpc>
-              <a:spcBef>
-                <a:spcPts val="0"/>
-              </a:spcBef>
-              <a:spcAft>
-                <a:spcPts val="0"/>
-              </a:spcAft>
-              <a:buClr>
-                <a:schemeClr val="dk1"/>
-              </a:buClr>
-              <a:buSzPts val="4700"/>
-              <a:buFont typeface="Golos Text"/>
-              <a:buNone/>
-              <a:defRPr sz="4700" b="0" i="0" u="none" strike="noStrike" cap="none">
-                <a:solidFill>
-                  <a:schemeClr val="dk1"/>
-                </a:solidFill>
-                <a:latin typeface="Golos Text"/>
-                <a:ea typeface="Golos Text"/>
-                <a:cs typeface="Golos Text"/>
-                <a:sym typeface="Golos Text"/>
-              </a:defRPr>
-            </a:lvl4pPr>
-            <a:lvl5pPr marR="0" lvl="4" algn="l" rtl="0">
-              <a:lnSpc>
-                <a:spcPct val="100000"/>
-              </a:lnSpc>
-              <a:spcBef>
-                <a:spcPts val="0"/>
-              </a:spcBef>
-              <a:spcAft>
-                <a:spcPts val="0"/>
-              </a:spcAft>
-              <a:buClr>
-                <a:schemeClr val="dk1"/>
-              </a:buClr>
-              <a:buSzPts val="4700"/>
-              <a:buFont typeface="Golos Text"/>
-              <a:buNone/>
-              <a:defRPr sz="4700" b="0" i="0" u="none" strike="noStrike" cap="none">
-                <a:solidFill>
-                  <a:schemeClr val="dk1"/>
-                </a:solidFill>
-                <a:latin typeface="Golos Text"/>
-                <a:ea typeface="Golos Text"/>
-                <a:cs typeface="Golos Text"/>
-                <a:sym typeface="Golos Text"/>
-              </a:defRPr>
-            </a:lvl5pPr>
-            <a:lvl6pPr marR="0" lvl="5" algn="l" rtl="0">
-              <a:lnSpc>
-                <a:spcPct val="100000"/>
-              </a:lnSpc>
-              <a:spcBef>
-                <a:spcPts val="0"/>
-              </a:spcBef>
-              <a:spcAft>
-                <a:spcPts val="0"/>
-              </a:spcAft>
-              <a:buClr>
-                <a:schemeClr val="dk1"/>
-              </a:buClr>
-              <a:buSzPts val="4700"/>
-              <a:buFont typeface="Golos Text"/>
-              <a:buNone/>
-              <a:defRPr sz="4700" b="0" i="0" u="none" strike="noStrike" cap="none">
-                <a:solidFill>
-                  <a:schemeClr val="dk1"/>
-                </a:solidFill>
-                <a:latin typeface="Golos Text"/>
-                <a:ea typeface="Golos Text"/>
-                <a:cs typeface="Golos Text"/>
-                <a:sym typeface="Golos Text"/>
-              </a:defRPr>
-            </a:lvl6pPr>
-            <a:lvl7pPr marR="0" lvl="6" algn="l" rtl="0">
-              <a:lnSpc>
-                <a:spcPct val="100000"/>
-              </a:lnSpc>
-              <a:spcBef>
-                <a:spcPts val="0"/>
-              </a:spcBef>
-              <a:spcAft>
-                <a:spcPts val="0"/>
-              </a:spcAft>
-              <a:buClr>
-                <a:schemeClr val="dk1"/>
-              </a:buClr>
-              <a:buSzPts val="4700"/>
-              <a:buFont typeface="Golos Text"/>
-              <a:buNone/>
-              <a:defRPr sz="4700" b="0" i="0" u="none" strike="noStrike" cap="none">
-                <a:solidFill>
-                  <a:schemeClr val="dk1"/>
-                </a:solidFill>
-                <a:latin typeface="Golos Text"/>
-                <a:ea typeface="Golos Text"/>
-                <a:cs typeface="Golos Text"/>
-                <a:sym typeface="Golos Text"/>
-              </a:defRPr>
-            </a:lvl7pPr>
-            <a:lvl8pPr marR="0" lvl="7" algn="l" rtl="0">
-              <a:lnSpc>
-                <a:spcPct val="100000"/>
-              </a:lnSpc>
-              <a:spcBef>
-                <a:spcPts val="0"/>
-              </a:spcBef>
-              <a:spcAft>
-                <a:spcPts val="0"/>
-              </a:spcAft>
-              <a:buClr>
-                <a:schemeClr val="dk1"/>
-              </a:buClr>
-              <a:buSzPts val="4700"/>
-              <a:buFont typeface="Golos Text"/>
-              <a:buNone/>
-              <a:defRPr sz="4700" b="0" i="0" u="none" strike="noStrike" cap="none">
-                <a:solidFill>
-                  <a:schemeClr val="dk1"/>
-                </a:solidFill>
-                <a:latin typeface="Golos Text"/>
-                <a:ea typeface="Golos Text"/>
-                <a:cs typeface="Golos Text"/>
-                <a:sym typeface="Golos Text"/>
-              </a:defRPr>
-            </a:lvl8pPr>
-            <a:lvl9pPr marR="0" lvl="8" algn="l" rtl="0">
-              <a:lnSpc>
-                <a:spcPct val="100000"/>
-              </a:lnSpc>
-              <a:spcBef>
-                <a:spcPts val="0"/>
-              </a:spcBef>
-              <a:spcAft>
-                <a:spcPts val="0"/>
-              </a:spcAft>
-              <a:buClr>
-                <a:schemeClr val="dk1"/>
-              </a:buClr>
-              <a:buSzPts val="4700"/>
-              <a:buFont typeface="Golos Text"/>
-              <a:buNone/>
-              <a:defRPr sz="4700" b="0" i="0" u="none" strike="noStrike" cap="none">
-                <a:solidFill>
-                  <a:schemeClr val="dk1"/>
-                </a:solidFill>
-                <a:latin typeface="Golos Text"/>
-                <a:ea typeface="Golos Text"/>
-                <a:cs typeface="Golos Text"/>
-                <a:sym typeface="Golos Text"/>
-              </a:defRPr>
-            </a:lvl9pPr>
-          </a:lstStyle>
-          <a:p>
-            <a:r>
-              <a:rPr lang="en-US" sz="2400" b="1" dirty="0" err="1"/>
-              <a:t>discriminator_forward</a:t>
-            </a:r>
-            <a:r>
-              <a:rPr lang="en-US" sz="2400" b="1" dirty="0"/>
-              <a:t>()</a:t>
+              <a:t>Generator Class:</a:t>
             </a:r>
             <a:endParaRPr lang="en-US" sz="2400" dirty="0"/>
           </a:p>
@@ -18563,10 +17973,10 @@
       </p:sp>
       <p:pic>
         <p:nvPicPr>
-          <p:cNvPr id="5" name="Picture 4">
+          <p:cNvPr id="3" name="Picture 2">
             <a:extLst>
               <a:ext uri="{FF2B5EF4-FFF2-40B4-BE49-F238E27FC236}">
-                <a16:creationId xmlns:a16="http://schemas.microsoft.com/office/drawing/2014/main" id="{29BCB4BA-6D77-8C53-6F74-AE242AF1AECE}"/>
+                <a16:creationId xmlns:a16="http://schemas.microsoft.com/office/drawing/2014/main" id="{4020B61A-77E4-718C-A335-FA357F87FD86}"/>
               </a:ext>
             </a:extLst>
           </p:cNvPr>
@@ -18583,98 +17993,8 @@
         </p:blipFill>
         <p:spPr>
           <a:xfrm>
-            <a:off x="432630" y="1235991"/>
-            <a:ext cx="8007983" cy="999545"/>
-          </a:xfrm>
-          <a:prstGeom prst="rect">
-            <a:avLst/>
-          </a:prstGeom>
-        </p:spPr>
-      </p:pic>
-      <p:pic>
-        <p:nvPicPr>
-          <p:cNvPr id="9" name="Picture 8">
-            <a:extLst>
-              <a:ext uri="{FF2B5EF4-FFF2-40B4-BE49-F238E27FC236}">
-                <a16:creationId xmlns:a16="http://schemas.microsoft.com/office/drawing/2014/main" id="{3DBEE034-778B-01C9-BCF7-81DA48B335F6}"/>
-              </a:ext>
-            </a:extLst>
-          </p:cNvPr>
-          <p:cNvPicPr>
-            <a:picLocks noChangeAspect="1"/>
-          </p:cNvPicPr>
-          <p:nvPr/>
-        </p:nvPicPr>
-        <p:blipFill>
-          <a:blip r:embed="rId4"/>
-          <a:stretch>
-            <a:fillRect/>
-          </a:stretch>
-        </p:blipFill>
-        <p:spPr>
-          <a:xfrm>
-            <a:off x="542184" y="3116509"/>
-            <a:ext cx="7898429" cy="272769"/>
-          </a:xfrm>
-          <a:prstGeom prst="rect">
-            <a:avLst/>
-          </a:prstGeom>
-        </p:spPr>
-      </p:pic>
-      <p:pic>
-        <p:nvPicPr>
-          <p:cNvPr id="12" name="Picture 11">
-            <a:extLst>
-              <a:ext uri="{FF2B5EF4-FFF2-40B4-BE49-F238E27FC236}">
-                <a16:creationId xmlns:a16="http://schemas.microsoft.com/office/drawing/2014/main" id="{B60207CF-80F0-3ECF-4F05-4998A2F1A7D4}"/>
-              </a:ext>
-            </a:extLst>
-          </p:cNvPr>
-          <p:cNvPicPr>
-            <a:picLocks noChangeAspect="1"/>
-          </p:cNvPicPr>
-          <p:nvPr/>
-        </p:nvPicPr>
-        <p:blipFill>
-          <a:blip r:embed="rId5"/>
-          <a:stretch>
-            <a:fillRect/>
-          </a:stretch>
-        </p:blipFill>
-        <p:spPr>
-          <a:xfrm>
-            <a:off x="542184" y="3537348"/>
-            <a:ext cx="7898430" cy="267153"/>
-          </a:xfrm>
-          <a:prstGeom prst="rect">
-            <a:avLst/>
-          </a:prstGeom>
-        </p:spPr>
-      </p:pic>
-      <p:pic>
-        <p:nvPicPr>
-          <p:cNvPr id="14" name="Picture 13">
-            <a:extLst>
-              <a:ext uri="{FF2B5EF4-FFF2-40B4-BE49-F238E27FC236}">
-                <a16:creationId xmlns:a16="http://schemas.microsoft.com/office/drawing/2014/main" id="{8944C676-39D0-3CF3-5306-14F5442FE224}"/>
-              </a:ext>
-            </a:extLst>
-          </p:cNvPr>
-          <p:cNvPicPr>
-            <a:picLocks noChangeAspect="1"/>
-          </p:cNvPicPr>
-          <p:nvPr/>
-        </p:nvPicPr>
-        <p:blipFill>
-          <a:blip r:embed="rId6"/>
-          <a:stretch>
-            <a:fillRect/>
-          </a:stretch>
-        </p:blipFill>
-        <p:spPr>
-          <a:xfrm>
-            <a:off x="542183" y="4100618"/>
-            <a:ext cx="4451827" cy="654262"/>
+            <a:off x="389602" y="1041882"/>
+            <a:ext cx="6183320" cy="3958246"/>
           </a:xfrm>
           <a:prstGeom prst="rect">
             <a:avLst/>
@@ -18751,7 +18071,7 @@
           </p:nvSpPr>
           <p:spPr>
             <a:xfrm>
-              <a:off x="0" y="840300"/>
+              <a:off x="0" y="506500"/>
               <a:ext cx="9144000" cy="870000"/>
             </a:xfrm>
             <a:prstGeom prst="rect">
@@ -18880,7 +18200,7 @@
         </p:nvSpPr>
         <p:spPr bwMode="auto">
           <a:xfrm>
-            <a:off x="432632" y="497146"/>
+            <a:off x="432632" y="402890"/>
             <a:ext cx="7741225" cy="523220"/>
           </a:xfrm>
           <a:prstGeom prst="rect">
@@ -18930,342 +18250,19 @@
           <a:lstStyle/>
           <a:p>
             <a:r>
-              <a:rPr lang="en-US" sz="2800" b="1" dirty="0" err="1"/>
-              <a:t>train_step</a:t>
-            </a:r>
-            <a:r>
               <a:rPr lang="en-US" sz="2800" b="1" dirty="0"/>
-              <a:t>():</a:t>
+              <a:t>Encoder Class:</a:t>
             </a:r>
             <a:endParaRPr lang="en-US" sz="2800" dirty="0"/>
-          </a:p>
-        </p:txBody>
-      </p:sp>
-      <p:sp>
-        <p:nvSpPr>
-          <p:cNvPr id="11" name="Rectangle 3">
-            <a:extLst>
-              <a:ext uri="{FF2B5EF4-FFF2-40B4-BE49-F238E27FC236}">
-                <a16:creationId xmlns:a16="http://schemas.microsoft.com/office/drawing/2014/main" id="{6D59EED6-460F-3660-968E-425019F0FCD5}"/>
-              </a:ext>
-            </a:extLst>
-          </p:cNvPr>
-          <p:cNvSpPr txBox="1">
-            <a:spLocks noChangeArrowheads="1"/>
-          </p:cNvSpPr>
-          <p:nvPr/>
-        </p:nvSpPr>
-        <p:spPr bwMode="auto">
-          <a:xfrm>
-            <a:off x="432631" y="2831314"/>
-            <a:ext cx="7741225" cy="461665"/>
-          </a:xfrm>
-          <a:prstGeom prst="rect">
-            <a:avLst/>
-          </a:prstGeom>
-          <a:noFill/>
-          <a:ln>
-            <a:noFill/>
-          </a:ln>
-          <a:effectLst/>
-          <a:extLst>
-            <a:ext uri="{909E8E84-426E-40DD-AFC4-6F175D3DCCD1}">
-              <a14:hiddenFill xmlns:a14="http://schemas.microsoft.com/office/drawing/2010/main">
-                <a:solidFill>
-                  <a:schemeClr val="accent1"/>
-                </a:solidFill>
-              </a14:hiddenFill>
-            </a:ext>
-            <a:ext uri="{91240B29-F687-4F45-9708-019B960494DF}">
-              <a14:hiddenLine xmlns:a14="http://schemas.microsoft.com/office/drawing/2010/main" w="9525">
-                <a:solidFill>
-                  <a:schemeClr val="tx1"/>
-                </a:solidFill>
-                <a:miter lim="800000"/>
-                <a:headEnd/>
-                <a:tailEnd/>
-              </a14:hiddenLine>
-            </a:ext>
-            <a:ext uri="{AF507438-7753-43E0-B8FC-AC1667EBCBE1}">
-              <a14:hiddenEffects xmlns:a14="http://schemas.microsoft.com/office/drawing/2010/main">
-                <a:effectLst>
-                  <a:outerShdw dist="35921" dir="2700000" algn="ctr" rotWithShape="0">
-                    <a:schemeClr val="bg2"/>
-                  </a:outerShdw>
-                </a:effectLst>
-              </a14:hiddenEffects>
-            </a:ext>
-          </a:extLst>
-        </p:spPr>
-        <p:txBody>
-          <a:bodyPr spcFirstLastPara="1" vert="horz" wrap="square" lIns="91440" tIns="45720" rIns="91440" bIns="45720" numCol="1" anchor="ctr" anchorCtr="0" compatLnSpc="1">
-            <a:prstTxWarp prst="textNoShape">
-              <a:avLst/>
-            </a:prstTxWarp>
-            <a:spAutoFit/>
-          </a:bodyPr>
-          <a:lstStyle>
-            <a:defPPr marR="0" lvl="0" algn="l" rtl="0">
-              <a:lnSpc>
-                <a:spcPct val="100000"/>
-              </a:lnSpc>
-              <a:spcBef>
-                <a:spcPts val="0"/>
-              </a:spcBef>
-              <a:spcAft>
-                <a:spcPts val="0"/>
-              </a:spcAft>
-            </a:defPPr>
-            <a:lvl1pPr marR="0" lvl="0" algn="l" rtl="0">
-              <a:lnSpc>
-                <a:spcPct val="100000"/>
-              </a:lnSpc>
-              <a:spcBef>
-                <a:spcPts val="0"/>
-              </a:spcBef>
-              <a:spcAft>
-                <a:spcPts val="0"/>
-              </a:spcAft>
-              <a:buClr>
-                <a:schemeClr val="dk1"/>
-              </a:buClr>
-              <a:buSzPts val="4700"/>
-              <a:buFont typeface="Golos Text"/>
-              <a:buNone/>
-              <a:defRPr sz="3600" b="0" i="0" u="none" strike="noStrike" cap="none">
-                <a:solidFill>
-                  <a:schemeClr val="dk1"/>
-                </a:solidFill>
-                <a:latin typeface="Golos Text"/>
-                <a:ea typeface="Golos Text"/>
-                <a:cs typeface="Golos Text"/>
-                <a:sym typeface="Golos Text"/>
-              </a:defRPr>
-            </a:lvl1pPr>
-            <a:lvl2pPr marR="0" lvl="1" algn="l" rtl="0">
-              <a:lnSpc>
-                <a:spcPct val="100000"/>
-              </a:lnSpc>
-              <a:spcBef>
-                <a:spcPts val="0"/>
-              </a:spcBef>
-              <a:spcAft>
-                <a:spcPts val="0"/>
-              </a:spcAft>
-              <a:buClr>
-                <a:schemeClr val="dk1"/>
-              </a:buClr>
-              <a:buSzPts val="4700"/>
-              <a:buFont typeface="Golos Text"/>
-              <a:buNone/>
-              <a:defRPr sz="4700" b="0" i="0" u="none" strike="noStrike" cap="none">
-                <a:solidFill>
-                  <a:schemeClr val="dk1"/>
-                </a:solidFill>
-                <a:latin typeface="Golos Text"/>
-                <a:ea typeface="Golos Text"/>
-                <a:cs typeface="Golos Text"/>
-                <a:sym typeface="Golos Text"/>
-              </a:defRPr>
-            </a:lvl2pPr>
-            <a:lvl3pPr marR="0" lvl="2" algn="l" rtl="0">
-              <a:lnSpc>
-                <a:spcPct val="100000"/>
-              </a:lnSpc>
-              <a:spcBef>
-                <a:spcPts val="0"/>
-              </a:spcBef>
-              <a:spcAft>
-                <a:spcPts val="0"/>
-              </a:spcAft>
-              <a:buClr>
-                <a:schemeClr val="dk1"/>
-              </a:buClr>
-              <a:buSzPts val="4700"/>
-              <a:buFont typeface="Golos Text"/>
-              <a:buNone/>
-              <a:defRPr sz="4700" b="0" i="0" u="none" strike="noStrike" cap="none">
-                <a:solidFill>
-                  <a:schemeClr val="dk1"/>
-                </a:solidFill>
-                <a:latin typeface="Golos Text"/>
-                <a:ea typeface="Golos Text"/>
-                <a:cs typeface="Golos Text"/>
-                <a:sym typeface="Golos Text"/>
-              </a:defRPr>
-            </a:lvl3pPr>
-            <a:lvl4pPr marR="0" lvl="3" algn="l" rtl="0">
-              <a:lnSpc>
-                <a:spcPct val="100000"/>
-              </a:lnSpc>
-              <a:spcBef>
-                <a:spcPts val="0"/>
-              </a:spcBef>
-              <a:spcAft>
-                <a:spcPts val="0"/>
-              </a:spcAft>
-              <a:buClr>
-                <a:schemeClr val="dk1"/>
-              </a:buClr>
-              <a:buSzPts val="4700"/>
-              <a:buFont typeface="Golos Text"/>
-              <a:buNone/>
-              <a:defRPr sz="4700" b="0" i="0" u="none" strike="noStrike" cap="none">
-                <a:solidFill>
-                  <a:schemeClr val="dk1"/>
-                </a:solidFill>
-                <a:latin typeface="Golos Text"/>
-                <a:ea typeface="Golos Text"/>
-                <a:cs typeface="Golos Text"/>
-                <a:sym typeface="Golos Text"/>
-              </a:defRPr>
-            </a:lvl4pPr>
-            <a:lvl5pPr marR="0" lvl="4" algn="l" rtl="0">
-              <a:lnSpc>
-                <a:spcPct val="100000"/>
-              </a:lnSpc>
-              <a:spcBef>
-                <a:spcPts val="0"/>
-              </a:spcBef>
-              <a:spcAft>
-                <a:spcPts val="0"/>
-              </a:spcAft>
-              <a:buClr>
-                <a:schemeClr val="dk1"/>
-              </a:buClr>
-              <a:buSzPts val="4700"/>
-              <a:buFont typeface="Golos Text"/>
-              <a:buNone/>
-              <a:defRPr sz="4700" b="0" i="0" u="none" strike="noStrike" cap="none">
-                <a:solidFill>
-                  <a:schemeClr val="dk1"/>
-                </a:solidFill>
-                <a:latin typeface="Golos Text"/>
-                <a:ea typeface="Golos Text"/>
-                <a:cs typeface="Golos Text"/>
-                <a:sym typeface="Golos Text"/>
-              </a:defRPr>
-            </a:lvl5pPr>
-            <a:lvl6pPr marR="0" lvl="5" algn="l" rtl="0">
-              <a:lnSpc>
-                <a:spcPct val="100000"/>
-              </a:lnSpc>
-              <a:spcBef>
-                <a:spcPts val="0"/>
-              </a:spcBef>
-              <a:spcAft>
-                <a:spcPts val="0"/>
-              </a:spcAft>
-              <a:buClr>
-                <a:schemeClr val="dk1"/>
-              </a:buClr>
-              <a:buSzPts val="4700"/>
-              <a:buFont typeface="Golos Text"/>
-              <a:buNone/>
-              <a:defRPr sz="4700" b="0" i="0" u="none" strike="noStrike" cap="none">
-                <a:solidFill>
-                  <a:schemeClr val="dk1"/>
-                </a:solidFill>
-                <a:latin typeface="Golos Text"/>
-                <a:ea typeface="Golos Text"/>
-                <a:cs typeface="Golos Text"/>
-                <a:sym typeface="Golos Text"/>
-              </a:defRPr>
-            </a:lvl6pPr>
-            <a:lvl7pPr marR="0" lvl="6" algn="l" rtl="0">
-              <a:lnSpc>
-                <a:spcPct val="100000"/>
-              </a:lnSpc>
-              <a:spcBef>
-                <a:spcPts val="0"/>
-              </a:spcBef>
-              <a:spcAft>
-                <a:spcPts val="0"/>
-              </a:spcAft>
-              <a:buClr>
-                <a:schemeClr val="dk1"/>
-              </a:buClr>
-              <a:buSzPts val="4700"/>
-              <a:buFont typeface="Golos Text"/>
-              <a:buNone/>
-              <a:defRPr sz="4700" b="0" i="0" u="none" strike="noStrike" cap="none">
-                <a:solidFill>
-                  <a:schemeClr val="dk1"/>
-                </a:solidFill>
-                <a:latin typeface="Golos Text"/>
-                <a:ea typeface="Golos Text"/>
-                <a:cs typeface="Golos Text"/>
-                <a:sym typeface="Golos Text"/>
-              </a:defRPr>
-            </a:lvl7pPr>
-            <a:lvl8pPr marR="0" lvl="7" algn="l" rtl="0">
-              <a:lnSpc>
-                <a:spcPct val="100000"/>
-              </a:lnSpc>
-              <a:spcBef>
-                <a:spcPts val="0"/>
-              </a:spcBef>
-              <a:spcAft>
-                <a:spcPts val="0"/>
-              </a:spcAft>
-              <a:buClr>
-                <a:schemeClr val="dk1"/>
-              </a:buClr>
-              <a:buSzPts val="4700"/>
-              <a:buFont typeface="Golos Text"/>
-              <a:buNone/>
-              <a:defRPr sz="4700" b="0" i="0" u="none" strike="noStrike" cap="none">
-                <a:solidFill>
-                  <a:schemeClr val="dk1"/>
-                </a:solidFill>
-                <a:latin typeface="Golos Text"/>
-                <a:ea typeface="Golos Text"/>
-                <a:cs typeface="Golos Text"/>
-                <a:sym typeface="Golos Text"/>
-              </a:defRPr>
-            </a:lvl8pPr>
-            <a:lvl9pPr marR="0" lvl="8" algn="l" rtl="0">
-              <a:lnSpc>
-                <a:spcPct val="100000"/>
-              </a:lnSpc>
-              <a:spcBef>
-                <a:spcPts val="0"/>
-              </a:spcBef>
-              <a:spcAft>
-                <a:spcPts val="0"/>
-              </a:spcAft>
-              <a:buClr>
-                <a:schemeClr val="dk1"/>
-              </a:buClr>
-              <a:buSzPts val="4700"/>
-              <a:buFont typeface="Golos Text"/>
-              <a:buNone/>
-              <a:defRPr sz="4700" b="0" i="0" u="none" strike="noStrike" cap="none">
-                <a:solidFill>
-                  <a:schemeClr val="dk1"/>
-                </a:solidFill>
-                <a:latin typeface="Golos Text"/>
-                <a:ea typeface="Golos Text"/>
-                <a:cs typeface="Golos Text"/>
-                <a:sym typeface="Golos Text"/>
-              </a:defRPr>
-            </a:lvl9pPr>
-          </a:lstStyle>
-          <a:p>
-            <a:r>
-              <a:rPr lang="en-US" sz="2400" b="1" dirty="0"/>
-              <a:t>accuracy():</a:t>
-            </a:r>
-            <a:endParaRPr lang="en-US" sz="2400" dirty="0"/>
           </a:p>
         </p:txBody>
       </p:sp>
       <p:pic>
         <p:nvPicPr>
-          <p:cNvPr id="5" name="Picture 4">
+          <p:cNvPr id="4" name="Picture 3">
             <a:extLst>
               <a:ext uri="{FF2B5EF4-FFF2-40B4-BE49-F238E27FC236}">
-                <a16:creationId xmlns:a16="http://schemas.microsoft.com/office/drawing/2014/main" id="{9398174B-950E-3450-FFEA-E1776D9FDA99}"/>
+                <a16:creationId xmlns:a16="http://schemas.microsoft.com/office/drawing/2014/main" id="{2000A568-7E7A-2573-1D77-6E8BF874BBF2}"/>
               </a:ext>
             </a:extLst>
           </p:cNvPr>
@@ -19282,38 +18279,8 @@
         </p:blipFill>
         <p:spPr>
           <a:xfrm>
-            <a:off x="432631" y="1262042"/>
-            <a:ext cx="6620023" cy="1050144"/>
-          </a:xfrm>
-          <a:prstGeom prst="rect">
-            <a:avLst/>
-          </a:prstGeom>
-        </p:spPr>
-      </p:pic>
-      <p:pic>
-        <p:nvPicPr>
-          <p:cNvPr id="9" name="Picture 8">
-            <a:extLst>
-              <a:ext uri="{FF2B5EF4-FFF2-40B4-BE49-F238E27FC236}">
-                <a16:creationId xmlns:a16="http://schemas.microsoft.com/office/drawing/2014/main" id="{DAA18AFB-E301-AE1E-9CF6-B04E1DC66E05}"/>
-              </a:ext>
-            </a:extLst>
-          </p:cNvPr>
-          <p:cNvPicPr>
-            <a:picLocks noChangeAspect="1"/>
-          </p:cNvPicPr>
-          <p:nvPr/>
-        </p:nvPicPr>
-        <p:blipFill>
-          <a:blip r:embed="rId4"/>
-          <a:stretch>
-            <a:fillRect/>
-          </a:stretch>
-        </p:blipFill>
-        <p:spPr>
-          <a:xfrm>
-            <a:off x="432632" y="3586142"/>
-            <a:ext cx="6478193" cy="461664"/>
+            <a:off x="432632" y="1175787"/>
+            <a:ext cx="7030431" cy="3867690"/>
           </a:xfrm>
           <a:prstGeom prst="rect">
             <a:avLst/>
@@ -19338,7 +18305,13 @@
   <p:cSld>
     <p:spTree>
       <p:nvGrpSpPr>
-        <p:cNvPr id="1" name="Shape 343"/>
+        <p:cNvPr id="1" name="Shape 545">
+          <a:extLst>
+            <a:ext uri="{FF2B5EF4-FFF2-40B4-BE49-F238E27FC236}">
+              <a16:creationId xmlns:a16="http://schemas.microsoft.com/office/drawing/2014/main" id="{0E357D2E-80A7-92A2-5395-108A3C1F1C46}"/>
+            </a:ext>
+          </a:extLst>
+        </p:cNvPr>
         <p:cNvGrpSpPr/>
         <p:nvPr/>
       </p:nvGrpSpPr>
@@ -19350,103 +18323,114 @@
           <a:chExt cx="0" cy="0"/>
         </a:xfrm>
       </p:grpSpPr>
+      <p:grpSp>
+        <p:nvGrpSpPr>
+          <p:cNvPr id="546" name="Google Shape;546;p57">
+            <a:extLst>
+              <a:ext uri="{FF2B5EF4-FFF2-40B4-BE49-F238E27FC236}">
+                <a16:creationId xmlns:a16="http://schemas.microsoft.com/office/drawing/2014/main" id="{C044BFDF-7E15-D293-7570-31E286D8B977}"/>
+              </a:ext>
+            </a:extLst>
+          </p:cNvPr>
+          <p:cNvGrpSpPr/>
+          <p:nvPr/>
+        </p:nvGrpSpPr>
+        <p:grpSpPr>
+          <a:xfrm>
+            <a:off x="0" y="-304800"/>
+            <a:ext cx="9144000" cy="2571600"/>
+            <a:chOff x="0" y="0"/>
+            <a:chExt cx="9144000" cy="2571600"/>
+          </a:xfrm>
+        </p:grpSpPr>
+        <p:sp>
+          <p:nvSpPr>
+            <p:cNvPr id="547" name="Google Shape;547;p57">
+              <a:extLst>
+                <a:ext uri="{FF2B5EF4-FFF2-40B4-BE49-F238E27FC236}">
+                  <a16:creationId xmlns:a16="http://schemas.microsoft.com/office/drawing/2014/main" id="{62546FFA-8EAB-DD5D-F2B6-75DA6F89AD75}"/>
+                </a:ext>
+              </a:extLst>
+            </p:cNvPr>
+            <p:cNvSpPr/>
+            <p:nvPr/>
+          </p:nvSpPr>
+          <p:spPr>
+            <a:xfrm>
+              <a:off x="0" y="304800"/>
+              <a:ext cx="9144000" cy="870000"/>
+            </a:xfrm>
+            <a:prstGeom prst="rect">
+              <a:avLst/>
+            </a:prstGeom>
+            <a:solidFill>
+              <a:schemeClr val="dk2"/>
+            </a:solidFill>
+            <a:ln>
+              <a:noFill/>
+            </a:ln>
+          </p:spPr>
+          <p:txBody>
+            <a:bodyPr spcFirstLastPara="1" wrap="square" lIns="91425" tIns="91425" rIns="91425" bIns="91425" anchor="ctr" anchorCtr="0">
+              <a:noAutofit/>
+            </a:bodyPr>
+            <a:lstStyle/>
+            <a:p>
+              <a:pPr marL="0" lvl="0" indent="0" algn="l" rtl="0">
+                <a:spcBef>
+                  <a:spcPts val="0"/>
+                </a:spcBef>
+                <a:spcAft>
+                  <a:spcPts val="0"/>
+                </a:spcAft>
+                <a:buNone/>
+              </a:pPr>
+              <a:endParaRPr/>
+            </a:p>
+          </p:txBody>
+        </p:sp>
+        <p:cxnSp>
+          <p:nvCxnSpPr>
+            <p:cNvPr id="548" name="Google Shape;548;p57">
+              <a:extLst>
+                <a:ext uri="{FF2B5EF4-FFF2-40B4-BE49-F238E27FC236}">
+                  <a16:creationId xmlns:a16="http://schemas.microsoft.com/office/drawing/2014/main" id="{CB86A83B-AB11-EB20-6F7B-FF95A2DE51B7}"/>
+                </a:ext>
+              </a:extLst>
+            </p:cNvPr>
+            <p:cNvCxnSpPr/>
+            <p:nvPr/>
+          </p:nvCxnSpPr>
+          <p:spPr>
+            <a:xfrm>
+              <a:off x="283800" y="0"/>
+              <a:ext cx="0" cy="2571600"/>
+            </a:xfrm>
+            <a:prstGeom prst="straightConnector1">
+              <a:avLst/>
+            </a:prstGeom>
+            <a:noFill/>
+            <a:ln w="9525" cap="flat" cmpd="sng">
+              <a:solidFill>
+                <a:schemeClr val="dk1"/>
+              </a:solidFill>
+              <a:prstDash val="solid"/>
+              <a:round/>
+              <a:headEnd type="none" w="med" len="med"/>
+              <a:tailEnd type="none" w="med" len="med"/>
+            </a:ln>
+          </p:spPr>
+        </p:cxnSp>
+      </p:grpSp>
       <p:sp>
         <p:nvSpPr>
-          <p:cNvPr id="344" name="Google Shape;344;p46"/>
-          <p:cNvSpPr txBox="1">
-            <a:spLocks noGrp="1"/>
-          </p:cNvSpPr>
-          <p:nvPr>
-            <p:ph type="title"/>
-          </p:nvPr>
-        </p:nvSpPr>
-        <p:spPr>
-          <a:xfrm>
-            <a:off x="905009" y="1308295"/>
-            <a:ext cx="7704417" cy="2087500"/>
-          </a:xfrm>
-          <a:prstGeom prst="rect">
-            <a:avLst/>
-          </a:prstGeom>
-        </p:spPr>
-        <p:txBody>
-          <a:bodyPr spcFirstLastPara="1" wrap="square" lIns="91425" tIns="91425" rIns="91425" bIns="91425" anchor="b" anchorCtr="0">
-            <a:noAutofit/>
-          </a:bodyPr>
-          <a:lstStyle/>
-          <a:p>
-            <a:pPr algn="ctr"/>
-            <a:r>
-              <a:rPr lang="en-GB" sz="6600" b="1" dirty="0">
-                <a:latin typeface="+mn-lt"/>
-              </a:rPr>
-              <a:t>Training of ClusterGAN </a:t>
-            </a:r>
-            <a:endParaRPr lang="en-GB" sz="6000" b="1" dirty="0">
-              <a:latin typeface="+mn-lt"/>
-            </a:endParaRPr>
-          </a:p>
-        </p:txBody>
-      </p:sp>
-    </p:spTree>
-    <p:extLst>
-      <p:ext uri="{BB962C8B-B14F-4D97-AF65-F5344CB8AC3E}">
-        <p14:creationId xmlns:p14="http://schemas.microsoft.com/office/powerpoint/2010/main" val="2306176132"/>
-      </p:ext>
-    </p:extLst>
-  </p:cSld>
-  <p:clrMapOvr>
-    <a:masterClrMapping/>
-  </p:clrMapOvr>
-</p:sld>
-</file>
-
-<file path=ppt/slides/slide25.xml><?xml version="1.0" encoding="utf-8"?>
-<p:sld xmlns:a="http://schemas.openxmlformats.org/drawingml/2006/main" xmlns:r="http://schemas.openxmlformats.org/officeDocument/2006/relationships" xmlns:p="http://schemas.openxmlformats.org/presentationml/2006/main">
-  <p:cSld>
-    <p:spTree>
-      <p:nvGrpSpPr>
-        <p:cNvPr id="1" name="Shape 545"/>
-        <p:cNvGrpSpPr/>
-        <p:nvPr/>
-      </p:nvGrpSpPr>
-      <p:grpSpPr>
-        <a:xfrm>
-          <a:off x="0" y="0"/>
-          <a:ext cx="0" cy="0"/>
-          <a:chOff x="0" y="0"/>
-          <a:chExt cx="0" cy="0"/>
-        </a:xfrm>
-      </p:grpSpPr>
-      <p:cxnSp>
-        <p:nvCxnSpPr>
-          <p:cNvPr id="548" name="Google Shape;548;p57"/>
-          <p:cNvCxnSpPr/>
-          <p:nvPr/>
-        </p:nvCxnSpPr>
-        <p:spPr>
-          <a:xfrm>
-            <a:off x="283800" y="-304800"/>
-            <a:ext cx="0" cy="2571600"/>
-          </a:xfrm>
-          <a:prstGeom prst="straightConnector1">
-            <a:avLst/>
-          </a:prstGeom>
-          <a:noFill/>
-          <a:ln w="9525" cap="flat" cmpd="sng">
-            <a:solidFill>
-              <a:schemeClr val="dk1"/>
-            </a:solidFill>
-            <a:prstDash val="solid"/>
-            <a:round/>
-            <a:headEnd type="none" w="med" len="med"/>
-            <a:tailEnd type="none" w="med" len="med"/>
-          </a:ln>
-        </p:spPr>
-      </p:cxnSp>
-      <p:sp>
-        <p:nvSpPr>
-          <p:cNvPr id="551" name="Google Shape;551;p57"/>
+          <p:cNvPr id="551" name="Google Shape;551;p57">
+            <a:extLst>
+              <a:ext uri="{FF2B5EF4-FFF2-40B4-BE49-F238E27FC236}">
+                <a16:creationId xmlns:a16="http://schemas.microsoft.com/office/drawing/2014/main" id="{487F049A-3759-5D9A-AFE8-27549617B7DE}"/>
+              </a:ext>
+            </a:extLst>
+          </p:cNvPr>
           <p:cNvSpPr/>
           <p:nvPr/>
         </p:nvSpPr>
@@ -19486,148 +18470,399 @@
       </p:sp>
       <p:sp>
         <p:nvSpPr>
-          <p:cNvPr id="5" name="TextBox 4">
+          <p:cNvPr id="7" name="Rectangle 3">
             <a:extLst>
               <a:ext uri="{FF2B5EF4-FFF2-40B4-BE49-F238E27FC236}">
-                <a16:creationId xmlns:a16="http://schemas.microsoft.com/office/drawing/2014/main" id="{77C6F4A8-4575-6307-3FC0-63132A2E027E}"/>
+                <a16:creationId xmlns:a16="http://schemas.microsoft.com/office/drawing/2014/main" id="{C993DFCE-9AFA-DF2D-328C-B2D9C04A56EB}"/>
               </a:ext>
             </a:extLst>
           </p:cNvPr>
-          <p:cNvSpPr txBox="1"/>
-          <p:nvPr/>
+          <p:cNvSpPr>
+            <a:spLocks noGrp="1" noChangeArrowheads="1"/>
+          </p:cNvSpPr>
+          <p:nvPr>
+            <p:ph type="ctrTitle"/>
+          </p:nvPr>
         </p:nvSpPr>
-        <p:spPr>
+        <p:spPr bwMode="auto">
           <a:xfrm>
-            <a:off x="504487" y="298462"/>
-            <a:ext cx="7939668" cy="4401205"/>
+            <a:off x="432632" y="186020"/>
+            <a:ext cx="7741225" cy="523220"/>
           </a:xfrm>
           <a:prstGeom prst="rect">
             <a:avLst/>
           </a:prstGeom>
           <a:noFill/>
+          <a:ln>
+            <a:noFill/>
+          </a:ln>
+          <a:effectLst/>
+          <a:extLst>
+            <a:ext uri="{909E8E84-426E-40DD-AFC4-6F175D3DCCD1}">
+              <a14:hiddenFill xmlns:a14="http://schemas.microsoft.com/office/drawing/2010/main">
+                <a:solidFill>
+                  <a:schemeClr val="accent1"/>
+                </a:solidFill>
+              </a14:hiddenFill>
+            </a:ext>
+            <a:ext uri="{91240B29-F687-4F45-9708-019B960494DF}">
+              <a14:hiddenLine xmlns:a14="http://schemas.microsoft.com/office/drawing/2010/main" w="9525">
+                <a:solidFill>
+                  <a:schemeClr val="tx1"/>
+                </a:solidFill>
+                <a:miter lim="800000"/>
+                <a:headEnd/>
+                <a:tailEnd/>
+              </a14:hiddenLine>
+            </a:ext>
+            <a:ext uri="{AF507438-7753-43E0-B8FC-AC1667EBCBE1}">
+              <a14:hiddenEffects xmlns:a14="http://schemas.microsoft.com/office/drawing/2010/main">
+                <a:effectLst>
+                  <a:outerShdw dist="35921" dir="2700000" algn="ctr" rotWithShape="0">
+                    <a:schemeClr val="bg2"/>
+                  </a:outerShdw>
+                </a:effectLst>
+              </a14:hiddenEffects>
+            </a:ext>
+          </a:extLst>
         </p:spPr>
         <p:txBody>
-          <a:bodyPr wrap="square" rtlCol="0">
+          <a:bodyPr vert="horz" wrap="square" lIns="91440" tIns="45720" rIns="91440" bIns="45720" numCol="1" anchor="ctr" anchorCtr="0" compatLnSpc="1">
+            <a:prstTxWarp prst="textNoShape">
+              <a:avLst/>
+            </a:prstTxWarp>
             <a:spAutoFit/>
           </a:bodyPr>
           <a:lstStyle/>
           <a:p>
-            <a:pPr>
-              <a:buNone/>
-            </a:pPr>
-            <a:r>
-              <a:rPr lang="en-US" sz="2000" b="1" dirty="0"/>
-              <a:t>ClusterGAN</a:t>
-            </a:r>
-            <a:r>
-              <a:rPr lang="en-US" sz="2000" dirty="0"/>
-              <a:t> follows a </a:t>
-            </a:r>
-            <a:r>
-              <a:rPr lang="en-US" sz="2000" b="1" dirty="0"/>
-              <a:t>structured training process</a:t>
-            </a:r>
-            <a:r>
-              <a:rPr lang="en-US" sz="2000" dirty="0"/>
-              <a:t> across different datasets, ensuring that the latent space is properly clustered. The training involves:</a:t>
-            </a:r>
-            <a:br>
-              <a:rPr lang="en-US" sz="2000" dirty="0"/>
-            </a:br>
-            <a:endParaRPr lang="en-US" sz="2000" dirty="0"/>
-          </a:p>
-          <a:p>
-            <a:pPr>
-              <a:buFont typeface="Arial" panose="020B0604020202020204" pitchFamily="34" charset="0"/>
-              <a:buChar char="•"/>
-            </a:pPr>
-            <a:r>
-              <a:rPr lang="en-US" sz="2000" b="1" dirty="0"/>
-              <a:t>Sampling latent variables</a:t>
-            </a:r>
-            <a:r>
-              <a:rPr lang="en-US" sz="2000" dirty="0"/>
-              <a:t> (Zn for noise, Zc for discrete clustering)</a:t>
-            </a:r>
-            <a:br>
-              <a:rPr lang="en-US" sz="2000" dirty="0"/>
-            </a:br>
-            <a:endParaRPr lang="en-US" sz="2000" dirty="0"/>
-          </a:p>
-          <a:p>
-            <a:pPr>
-              <a:buFont typeface="Arial" panose="020B0604020202020204" pitchFamily="34" charset="0"/>
-              <a:buChar char="•"/>
-            </a:pPr>
-            <a:r>
-              <a:rPr lang="en-US" sz="2000" b="1" dirty="0"/>
-              <a:t>Generating images</a:t>
-            </a:r>
-            <a:r>
-              <a:rPr lang="en-US" sz="2000" dirty="0"/>
-              <a:t> using the generator</a:t>
-            </a:r>
-            <a:br>
-              <a:rPr lang="en-US" sz="2000" dirty="0"/>
-            </a:br>
-            <a:endParaRPr lang="en-US" sz="2000" dirty="0"/>
-          </a:p>
-          <a:p>
-            <a:pPr>
-              <a:buFont typeface="Arial" panose="020B0604020202020204" pitchFamily="34" charset="0"/>
-              <a:buChar char="•"/>
-            </a:pPr>
-            <a:r>
-              <a:rPr lang="en-US" sz="2000" b="1" dirty="0"/>
-              <a:t>Training the discriminator</a:t>
-            </a:r>
-            <a:r>
-              <a:rPr lang="en-US" sz="2000" dirty="0"/>
-              <a:t> to distinguish real vs. fake images</a:t>
-            </a:r>
-            <a:br>
-              <a:rPr lang="en-US" sz="2000" dirty="0"/>
-            </a:br>
-            <a:endParaRPr lang="en-US" sz="2000" dirty="0"/>
-          </a:p>
-          <a:p>
-            <a:pPr>
-              <a:buFont typeface="Arial" panose="020B0604020202020204" pitchFamily="34" charset="0"/>
-              <a:buChar char="•"/>
-            </a:pPr>
-            <a:r>
-              <a:rPr lang="en-US" sz="2000" b="1" dirty="0"/>
-              <a:t>Using an encoder</a:t>
-            </a:r>
-            <a:r>
-              <a:rPr lang="en-US" sz="2000" dirty="0"/>
-              <a:t> to map generated images back to latent space</a:t>
-            </a:r>
-            <a:br>
-              <a:rPr lang="en-US" sz="2000" dirty="0"/>
-            </a:br>
-            <a:endParaRPr lang="en-US" sz="2000" dirty="0"/>
-          </a:p>
-          <a:p>
-            <a:pPr>
-              <a:buFont typeface="Arial" panose="020B0604020202020204" pitchFamily="34" charset="0"/>
-              <a:buChar char="•"/>
-            </a:pPr>
-            <a:r>
-              <a:rPr lang="en-US" sz="2000" b="1" dirty="0"/>
-              <a:t>Applying clustering-specific loss functions</a:t>
-            </a:r>
-            <a:r>
-              <a:rPr lang="en-US" sz="2000" dirty="0"/>
-              <a:t> to enforce structured clusters</a:t>
-            </a:r>
+            <a:r>
+              <a:rPr lang="en-US" sz="2800" b="1" dirty="0"/>
+              <a:t>Discriminator Class:</a:t>
+            </a:r>
+            <a:endParaRPr lang="en-US" sz="2800" dirty="0"/>
           </a:p>
         </p:txBody>
       </p:sp>
+      <p:pic>
+        <p:nvPicPr>
+          <p:cNvPr id="3" name="Picture 2">
+            <a:extLst>
+              <a:ext uri="{FF2B5EF4-FFF2-40B4-BE49-F238E27FC236}">
+                <a16:creationId xmlns:a16="http://schemas.microsoft.com/office/drawing/2014/main" id="{DD5DC2C6-804A-137A-C2C2-E838CCA38099}"/>
+              </a:ext>
+            </a:extLst>
+          </p:cNvPr>
+          <p:cNvPicPr>
+            <a:picLocks noChangeAspect="1"/>
+          </p:cNvPicPr>
+          <p:nvPr/>
+        </p:nvPicPr>
+        <p:blipFill>
+          <a:blip r:embed="rId3"/>
+          <a:stretch>
+            <a:fillRect/>
+          </a:stretch>
+        </p:blipFill>
+        <p:spPr>
+          <a:xfrm>
+            <a:off x="432632" y="926110"/>
+            <a:ext cx="5824727" cy="4131363"/>
+          </a:xfrm>
+          <a:prstGeom prst="rect">
+            <a:avLst/>
+          </a:prstGeom>
+        </p:spPr>
+      </p:pic>
     </p:spTree>
     <p:extLst>
       <p:ext uri="{BB962C8B-B14F-4D97-AF65-F5344CB8AC3E}">
-        <p14:creationId xmlns:p14="http://schemas.microsoft.com/office/powerpoint/2010/main" val="2129273514"/>
+        <p14:creationId xmlns:p14="http://schemas.microsoft.com/office/powerpoint/2010/main" val="3323861144"/>
+      </p:ext>
+    </p:extLst>
+  </p:cSld>
+  <p:clrMapOvr>
+    <a:masterClrMapping/>
+  </p:clrMapOvr>
+</p:sld>
+</file>
+
+<file path=ppt/slides/slide25.xml><?xml version="1.0" encoding="utf-8"?>
+<p:sld xmlns:a="http://schemas.openxmlformats.org/drawingml/2006/main" xmlns:r="http://schemas.openxmlformats.org/officeDocument/2006/relationships" xmlns:p="http://schemas.openxmlformats.org/presentationml/2006/main">
+  <p:cSld>
+    <p:spTree>
+      <p:nvGrpSpPr>
+        <p:cNvPr id="1" name="Shape 545">
+          <a:extLst>
+            <a:ext uri="{FF2B5EF4-FFF2-40B4-BE49-F238E27FC236}">
+              <a16:creationId xmlns:a16="http://schemas.microsoft.com/office/drawing/2014/main" id="{AC767926-7A0F-6991-A871-30A91FBEBF59}"/>
+            </a:ext>
+          </a:extLst>
+        </p:cNvPr>
+        <p:cNvGrpSpPr/>
+        <p:nvPr/>
+      </p:nvGrpSpPr>
+      <p:grpSpPr>
+        <a:xfrm>
+          <a:off x="0" y="0"/>
+          <a:ext cx="0" cy="0"/>
+          <a:chOff x="0" y="0"/>
+          <a:chExt cx="0" cy="0"/>
+        </a:xfrm>
+      </p:grpSpPr>
+      <p:grpSp>
+        <p:nvGrpSpPr>
+          <p:cNvPr id="546" name="Google Shape;546;p57">
+            <a:extLst>
+              <a:ext uri="{FF2B5EF4-FFF2-40B4-BE49-F238E27FC236}">
+                <a16:creationId xmlns:a16="http://schemas.microsoft.com/office/drawing/2014/main" id="{72478E10-B8A4-13EB-819D-B33D0D5E7D26}"/>
+              </a:ext>
+            </a:extLst>
+          </p:cNvPr>
+          <p:cNvGrpSpPr/>
+          <p:nvPr/>
+        </p:nvGrpSpPr>
+        <p:grpSpPr>
+          <a:xfrm>
+            <a:off x="0" y="-304800"/>
+            <a:ext cx="9144000" cy="2571600"/>
+            <a:chOff x="0" y="0"/>
+            <a:chExt cx="9144000" cy="2571600"/>
+          </a:xfrm>
+        </p:grpSpPr>
+        <p:sp>
+          <p:nvSpPr>
+            <p:cNvPr id="547" name="Google Shape;547;p57">
+              <a:extLst>
+                <a:ext uri="{FF2B5EF4-FFF2-40B4-BE49-F238E27FC236}">
+                  <a16:creationId xmlns:a16="http://schemas.microsoft.com/office/drawing/2014/main" id="{7E787E9D-DCA4-B67A-8F85-52E7AEFDFC1D}"/>
+                </a:ext>
+              </a:extLst>
+            </p:cNvPr>
+            <p:cNvSpPr/>
+            <p:nvPr/>
+          </p:nvSpPr>
+          <p:spPr>
+            <a:xfrm>
+              <a:off x="0" y="506500"/>
+              <a:ext cx="9144000" cy="870000"/>
+            </a:xfrm>
+            <a:prstGeom prst="rect">
+              <a:avLst/>
+            </a:prstGeom>
+            <a:solidFill>
+              <a:schemeClr val="dk2"/>
+            </a:solidFill>
+            <a:ln>
+              <a:noFill/>
+            </a:ln>
+          </p:spPr>
+          <p:txBody>
+            <a:bodyPr spcFirstLastPara="1" wrap="square" lIns="91425" tIns="91425" rIns="91425" bIns="91425" anchor="ctr" anchorCtr="0">
+              <a:noAutofit/>
+            </a:bodyPr>
+            <a:lstStyle/>
+            <a:p>
+              <a:pPr marL="0" lvl="0" indent="0" algn="l" rtl="0">
+                <a:spcBef>
+                  <a:spcPts val="0"/>
+                </a:spcBef>
+                <a:spcAft>
+                  <a:spcPts val="0"/>
+                </a:spcAft>
+                <a:buNone/>
+              </a:pPr>
+              <a:endParaRPr/>
+            </a:p>
+          </p:txBody>
+        </p:sp>
+        <p:cxnSp>
+          <p:nvCxnSpPr>
+            <p:cNvPr id="548" name="Google Shape;548;p57">
+              <a:extLst>
+                <a:ext uri="{FF2B5EF4-FFF2-40B4-BE49-F238E27FC236}">
+                  <a16:creationId xmlns:a16="http://schemas.microsoft.com/office/drawing/2014/main" id="{E87846E3-DB0D-ABFA-6180-6FA991AB017E}"/>
+                </a:ext>
+              </a:extLst>
+            </p:cNvPr>
+            <p:cNvCxnSpPr/>
+            <p:nvPr/>
+          </p:nvCxnSpPr>
+          <p:spPr>
+            <a:xfrm>
+              <a:off x="283800" y="0"/>
+              <a:ext cx="0" cy="2571600"/>
+            </a:xfrm>
+            <a:prstGeom prst="straightConnector1">
+              <a:avLst/>
+            </a:prstGeom>
+            <a:noFill/>
+            <a:ln w="9525" cap="flat" cmpd="sng">
+              <a:solidFill>
+                <a:schemeClr val="dk1"/>
+              </a:solidFill>
+              <a:prstDash val="solid"/>
+              <a:round/>
+              <a:headEnd type="none" w="med" len="med"/>
+              <a:tailEnd type="none" w="med" len="med"/>
+            </a:ln>
+          </p:spPr>
+        </p:cxnSp>
+      </p:grpSp>
+      <p:sp>
+        <p:nvSpPr>
+          <p:cNvPr id="551" name="Google Shape;551;p57">
+            <a:extLst>
+              <a:ext uri="{FF2B5EF4-FFF2-40B4-BE49-F238E27FC236}">
+                <a16:creationId xmlns:a16="http://schemas.microsoft.com/office/drawing/2014/main" id="{7E2A4C4A-EC18-5FFA-A44A-62314375F74D}"/>
+              </a:ext>
+            </a:extLst>
+          </p:cNvPr>
+          <p:cNvSpPr/>
+          <p:nvPr/>
+        </p:nvSpPr>
+        <p:spPr>
+          <a:xfrm>
+            <a:off x="7703900" y="1071700"/>
+            <a:ext cx="532500" cy="407200"/>
+          </a:xfrm>
+          <a:prstGeom prst="rect">
+            <a:avLst/>
+          </a:prstGeom>
+        </p:spPr>
+        <p:txBody>
+          <a:bodyPr>
+            <a:prstTxWarp prst="textPlain">
+              <a:avLst/>
+            </a:prstTxWarp>
+          </a:bodyPr>
+          <a:lstStyle/>
+          <a:p>
+            <a:pPr lvl="0" algn="ctr"/>
+            <a:endParaRPr b="0" i="0" dirty="0">
+              <a:ln w="19050" cap="flat" cmpd="sng">
+                <a:solidFill>
+                  <a:schemeClr val="dk1"/>
+                </a:solidFill>
+                <a:prstDash val="solid"/>
+                <a:round/>
+                <a:headEnd type="none" w="sm" len="sm"/>
+                <a:tailEnd type="none" w="sm" len="sm"/>
+              </a:ln>
+              <a:noFill/>
+              <a:latin typeface="Golos Text"/>
+            </a:endParaRPr>
+          </a:p>
+        </p:txBody>
+      </p:sp>
+      <p:sp>
+        <p:nvSpPr>
+          <p:cNvPr id="7" name="Rectangle 3">
+            <a:extLst>
+              <a:ext uri="{FF2B5EF4-FFF2-40B4-BE49-F238E27FC236}">
+                <a16:creationId xmlns:a16="http://schemas.microsoft.com/office/drawing/2014/main" id="{896CE889-3AD2-27B1-2F02-5D0452E51C79}"/>
+              </a:ext>
+            </a:extLst>
+          </p:cNvPr>
+          <p:cNvSpPr>
+            <a:spLocks noGrp="1" noChangeArrowheads="1"/>
+          </p:cNvSpPr>
+          <p:nvPr>
+            <p:ph type="ctrTitle"/>
+          </p:nvPr>
+        </p:nvSpPr>
+        <p:spPr bwMode="auto">
+          <a:xfrm>
+            <a:off x="432632" y="402890"/>
+            <a:ext cx="7741225" cy="523220"/>
+          </a:xfrm>
+          <a:prstGeom prst="rect">
+            <a:avLst/>
+          </a:prstGeom>
+          <a:noFill/>
+          <a:ln>
+            <a:noFill/>
+          </a:ln>
+          <a:effectLst/>
+          <a:extLst>
+            <a:ext uri="{909E8E84-426E-40DD-AFC4-6F175D3DCCD1}">
+              <a14:hiddenFill xmlns:a14="http://schemas.microsoft.com/office/drawing/2010/main">
+                <a:solidFill>
+                  <a:schemeClr val="accent1"/>
+                </a:solidFill>
+              </a14:hiddenFill>
+            </a:ext>
+            <a:ext uri="{91240B29-F687-4F45-9708-019B960494DF}">
+              <a14:hiddenLine xmlns:a14="http://schemas.microsoft.com/office/drawing/2010/main" w="9525">
+                <a:solidFill>
+                  <a:schemeClr val="tx1"/>
+                </a:solidFill>
+                <a:miter lim="800000"/>
+                <a:headEnd/>
+                <a:tailEnd/>
+              </a14:hiddenLine>
+            </a:ext>
+            <a:ext uri="{AF507438-7753-43E0-B8FC-AC1667EBCBE1}">
+              <a14:hiddenEffects xmlns:a14="http://schemas.microsoft.com/office/drawing/2010/main">
+                <a:effectLst>
+                  <a:outerShdw dist="35921" dir="2700000" algn="ctr" rotWithShape="0">
+                    <a:schemeClr val="bg2"/>
+                  </a:outerShdw>
+                </a:effectLst>
+              </a14:hiddenEffects>
+            </a:ext>
+          </a:extLst>
+        </p:spPr>
+        <p:txBody>
+          <a:bodyPr vert="horz" wrap="square" lIns="91440" tIns="45720" rIns="91440" bIns="45720" numCol="1" anchor="ctr" anchorCtr="0" compatLnSpc="1">
+            <a:prstTxWarp prst="textNoShape">
+              <a:avLst/>
+            </a:prstTxWarp>
+            <a:spAutoFit/>
+          </a:bodyPr>
+          <a:lstStyle/>
+          <a:p>
+            <a:r>
+              <a:rPr lang="en-US" sz="2800" b="1" dirty="0"/>
+              <a:t>Generate Forward:</a:t>
+            </a:r>
+            <a:endParaRPr lang="en-US" sz="2800" dirty="0"/>
+          </a:p>
+        </p:txBody>
+      </p:sp>
+      <p:pic>
+        <p:nvPicPr>
+          <p:cNvPr id="3" name="Picture 2">
+            <a:extLst>
+              <a:ext uri="{FF2B5EF4-FFF2-40B4-BE49-F238E27FC236}">
+                <a16:creationId xmlns:a16="http://schemas.microsoft.com/office/drawing/2014/main" id="{DE9735D7-A27E-A4BB-5BFF-6B91AF980138}"/>
+              </a:ext>
+            </a:extLst>
+          </p:cNvPr>
+          <p:cNvPicPr>
+            <a:picLocks noChangeAspect="1"/>
+          </p:cNvPicPr>
+          <p:nvPr/>
+        </p:nvPicPr>
+        <p:blipFill>
+          <a:blip r:embed="rId3"/>
+          <a:stretch>
+            <a:fillRect/>
+          </a:stretch>
+        </p:blipFill>
+        <p:spPr>
+          <a:xfrm>
+            <a:off x="432632" y="1127300"/>
+            <a:ext cx="6211167" cy="2924583"/>
+          </a:xfrm>
+          <a:prstGeom prst="rect">
+            <a:avLst/>
+          </a:prstGeom>
+        </p:spPr>
+      </p:pic>
+    </p:spTree>
+    <p:extLst>
+      <p:ext uri="{BB962C8B-B14F-4D97-AF65-F5344CB8AC3E}">
+        <p14:creationId xmlns:p14="http://schemas.microsoft.com/office/powerpoint/2010/main" val="440252190"/>
       </p:ext>
     </p:extLst>
   </p:cSld>
@@ -19638,6 +18873,292 @@
 </file>
 
 <file path=ppt/slides/slide26.xml><?xml version="1.0" encoding="utf-8"?>
+<p:sld xmlns:a="http://schemas.openxmlformats.org/drawingml/2006/main" xmlns:r="http://schemas.openxmlformats.org/officeDocument/2006/relationships" xmlns:p="http://schemas.openxmlformats.org/presentationml/2006/main">
+  <p:cSld>
+    <p:spTree>
+      <p:nvGrpSpPr>
+        <p:cNvPr id="1" name="Shape 545">
+          <a:extLst>
+            <a:ext uri="{FF2B5EF4-FFF2-40B4-BE49-F238E27FC236}">
+              <a16:creationId xmlns:a16="http://schemas.microsoft.com/office/drawing/2014/main" id="{2ABDCE3D-C89D-38C4-872B-C875CBE554D1}"/>
+            </a:ext>
+          </a:extLst>
+        </p:cNvPr>
+        <p:cNvGrpSpPr/>
+        <p:nvPr/>
+      </p:nvGrpSpPr>
+      <p:grpSpPr>
+        <a:xfrm>
+          <a:off x="0" y="0"/>
+          <a:ext cx="0" cy="0"/>
+          <a:chOff x="0" y="0"/>
+          <a:chExt cx="0" cy="0"/>
+        </a:xfrm>
+      </p:grpSpPr>
+      <p:grpSp>
+        <p:nvGrpSpPr>
+          <p:cNvPr id="546" name="Google Shape;546;p57">
+            <a:extLst>
+              <a:ext uri="{FF2B5EF4-FFF2-40B4-BE49-F238E27FC236}">
+                <a16:creationId xmlns:a16="http://schemas.microsoft.com/office/drawing/2014/main" id="{8023DE90-D922-C8C3-1139-2D044CAE1AC3}"/>
+              </a:ext>
+            </a:extLst>
+          </p:cNvPr>
+          <p:cNvGrpSpPr/>
+          <p:nvPr/>
+        </p:nvGrpSpPr>
+        <p:grpSpPr>
+          <a:xfrm>
+            <a:off x="0" y="-304800"/>
+            <a:ext cx="9144000" cy="2571600"/>
+            <a:chOff x="0" y="0"/>
+            <a:chExt cx="9144000" cy="2571600"/>
+          </a:xfrm>
+        </p:grpSpPr>
+        <p:sp>
+          <p:nvSpPr>
+            <p:cNvPr id="547" name="Google Shape;547;p57">
+              <a:extLst>
+                <a:ext uri="{FF2B5EF4-FFF2-40B4-BE49-F238E27FC236}">
+                  <a16:creationId xmlns:a16="http://schemas.microsoft.com/office/drawing/2014/main" id="{2479EADB-690D-8D97-BADF-AB17ECB2CE1F}"/>
+                </a:ext>
+              </a:extLst>
+            </p:cNvPr>
+            <p:cNvSpPr/>
+            <p:nvPr/>
+          </p:nvSpPr>
+          <p:spPr>
+            <a:xfrm>
+              <a:off x="0" y="506500"/>
+              <a:ext cx="9144000" cy="870000"/>
+            </a:xfrm>
+            <a:prstGeom prst="rect">
+              <a:avLst/>
+            </a:prstGeom>
+            <a:solidFill>
+              <a:schemeClr val="dk2"/>
+            </a:solidFill>
+            <a:ln>
+              <a:noFill/>
+            </a:ln>
+          </p:spPr>
+          <p:txBody>
+            <a:bodyPr spcFirstLastPara="1" wrap="square" lIns="91425" tIns="91425" rIns="91425" bIns="91425" anchor="ctr" anchorCtr="0">
+              <a:noAutofit/>
+            </a:bodyPr>
+            <a:lstStyle/>
+            <a:p>
+              <a:pPr marL="0" lvl="0" indent="0" algn="l" rtl="0">
+                <a:spcBef>
+                  <a:spcPts val="0"/>
+                </a:spcBef>
+                <a:spcAft>
+                  <a:spcPts val="0"/>
+                </a:spcAft>
+                <a:buNone/>
+              </a:pPr>
+              <a:endParaRPr/>
+            </a:p>
+          </p:txBody>
+        </p:sp>
+        <p:cxnSp>
+          <p:nvCxnSpPr>
+            <p:cNvPr id="548" name="Google Shape;548;p57">
+              <a:extLst>
+                <a:ext uri="{FF2B5EF4-FFF2-40B4-BE49-F238E27FC236}">
+                  <a16:creationId xmlns:a16="http://schemas.microsoft.com/office/drawing/2014/main" id="{D325FBEE-85E5-DCFF-9D8A-33ABF2500919}"/>
+                </a:ext>
+              </a:extLst>
+            </p:cNvPr>
+            <p:cNvCxnSpPr/>
+            <p:nvPr/>
+          </p:nvCxnSpPr>
+          <p:spPr>
+            <a:xfrm>
+              <a:off x="283800" y="0"/>
+              <a:ext cx="0" cy="2571600"/>
+            </a:xfrm>
+            <a:prstGeom prst="straightConnector1">
+              <a:avLst/>
+            </a:prstGeom>
+            <a:noFill/>
+            <a:ln w="9525" cap="flat" cmpd="sng">
+              <a:solidFill>
+                <a:schemeClr val="dk1"/>
+              </a:solidFill>
+              <a:prstDash val="solid"/>
+              <a:round/>
+              <a:headEnd type="none" w="med" len="med"/>
+              <a:tailEnd type="none" w="med" len="med"/>
+            </a:ln>
+          </p:spPr>
+        </p:cxnSp>
+      </p:grpSp>
+      <p:sp>
+        <p:nvSpPr>
+          <p:cNvPr id="551" name="Google Shape;551;p57">
+            <a:extLst>
+              <a:ext uri="{FF2B5EF4-FFF2-40B4-BE49-F238E27FC236}">
+                <a16:creationId xmlns:a16="http://schemas.microsoft.com/office/drawing/2014/main" id="{68F48128-32D1-8286-9463-69E002181B80}"/>
+              </a:ext>
+            </a:extLst>
+          </p:cNvPr>
+          <p:cNvSpPr/>
+          <p:nvPr/>
+        </p:nvSpPr>
+        <p:spPr>
+          <a:xfrm>
+            <a:off x="7703900" y="1071700"/>
+            <a:ext cx="532500" cy="407200"/>
+          </a:xfrm>
+          <a:prstGeom prst="rect">
+            <a:avLst/>
+          </a:prstGeom>
+        </p:spPr>
+        <p:txBody>
+          <a:bodyPr>
+            <a:prstTxWarp prst="textPlain">
+              <a:avLst/>
+            </a:prstTxWarp>
+          </a:bodyPr>
+          <a:lstStyle/>
+          <a:p>
+            <a:pPr lvl="0" algn="ctr"/>
+            <a:endParaRPr b="0" i="0" dirty="0">
+              <a:ln w="19050" cap="flat" cmpd="sng">
+                <a:solidFill>
+                  <a:schemeClr val="dk1"/>
+                </a:solidFill>
+                <a:prstDash val="solid"/>
+                <a:round/>
+                <a:headEnd type="none" w="sm" len="sm"/>
+                <a:tailEnd type="none" w="sm" len="sm"/>
+              </a:ln>
+              <a:noFill/>
+              <a:latin typeface="Golos Text"/>
+            </a:endParaRPr>
+          </a:p>
+        </p:txBody>
+      </p:sp>
+      <p:sp>
+        <p:nvSpPr>
+          <p:cNvPr id="7" name="Rectangle 3">
+            <a:extLst>
+              <a:ext uri="{FF2B5EF4-FFF2-40B4-BE49-F238E27FC236}">
+                <a16:creationId xmlns:a16="http://schemas.microsoft.com/office/drawing/2014/main" id="{37222BF0-0DDD-63B9-C540-D87B0B138282}"/>
+              </a:ext>
+            </a:extLst>
+          </p:cNvPr>
+          <p:cNvSpPr>
+            <a:spLocks noGrp="1" noChangeArrowheads="1"/>
+          </p:cNvSpPr>
+          <p:nvPr>
+            <p:ph type="ctrTitle"/>
+          </p:nvPr>
+        </p:nvSpPr>
+        <p:spPr bwMode="auto">
+          <a:xfrm>
+            <a:off x="432632" y="402890"/>
+            <a:ext cx="7741225" cy="523220"/>
+          </a:xfrm>
+          <a:prstGeom prst="rect">
+            <a:avLst/>
+          </a:prstGeom>
+          <a:noFill/>
+          <a:ln>
+            <a:noFill/>
+          </a:ln>
+          <a:effectLst/>
+          <a:extLst>
+            <a:ext uri="{909E8E84-426E-40DD-AFC4-6F175D3DCCD1}">
+              <a14:hiddenFill xmlns:a14="http://schemas.microsoft.com/office/drawing/2010/main">
+                <a:solidFill>
+                  <a:schemeClr val="accent1"/>
+                </a:solidFill>
+              </a14:hiddenFill>
+            </a:ext>
+            <a:ext uri="{91240B29-F687-4F45-9708-019B960494DF}">
+              <a14:hiddenLine xmlns:a14="http://schemas.microsoft.com/office/drawing/2010/main" w="9525">
+                <a:solidFill>
+                  <a:schemeClr val="tx1"/>
+                </a:solidFill>
+                <a:miter lim="800000"/>
+                <a:headEnd/>
+                <a:tailEnd/>
+              </a14:hiddenLine>
+            </a:ext>
+            <a:ext uri="{AF507438-7753-43E0-B8FC-AC1667EBCBE1}">
+              <a14:hiddenEffects xmlns:a14="http://schemas.microsoft.com/office/drawing/2010/main">
+                <a:effectLst>
+                  <a:outerShdw dist="35921" dir="2700000" algn="ctr" rotWithShape="0">
+                    <a:schemeClr val="bg2"/>
+                  </a:outerShdw>
+                </a:effectLst>
+              </a14:hiddenEffects>
+            </a:ext>
+          </a:extLst>
+        </p:spPr>
+        <p:txBody>
+          <a:bodyPr vert="horz" wrap="square" lIns="91440" tIns="45720" rIns="91440" bIns="45720" numCol="1" anchor="ctr" anchorCtr="0" compatLnSpc="1">
+            <a:prstTxWarp prst="textNoShape">
+              <a:avLst/>
+            </a:prstTxWarp>
+            <a:spAutoFit/>
+          </a:bodyPr>
+          <a:lstStyle/>
+          <a:p>
+            <a:r>
+              <a:rPr lang="en-US" sz="2800" b="1" dirty="0"/>
+              <a:t>Training Loop:</a:t>
+            </a:r>
+            <a:endParaRPr lang="en-US" sz="2800" dirty="0"/>
+          </a:p>
+        </p:txBody>
+      </p:sp>
+      <p:pic>
+        <p:nvPicPr>
+          <p:cNvPr id="3" name="Picture 2">
+            <a:extLst>
+              <a:ext uri="{FF2B5EF4-FFF2-40B4-BE49-F238E27FC236}">
+                <a16:creationId xmlns:a16="http://schemas.microsoft.com/office/drawing/2014/main" id="{7B6E245E-8E1C-8094-3D7C-8C990200D06E}"/>
+              </a:ext>
+            </a:extLst>
+          </p:cNvPr>
+          <p:cNvPicPr>
+            <a:picLocks noChangeAspect="1"/>
+          </p:cNvPicPr>
+          <p:nvPr/>
+        </p:nvPicPr>
+        <p:blipFill>
+          <a:blip r:embed="rId3"/>
+          <a:stretch>
+            <a:fillRect/>
+          </a:stretch>
+        </p:blipFill>
+        <p:spPr>
+          <a:xfrm>
+            <a:off x="432632" y="1478900"/>
+            <a:ext cx="6973273" cy="2048161"/>
+          </a:xfrm>
+          <a:prstGeom prst="rect">
+            <a:avLst/>
+          </a:prstGeom>
+        </p:spPr>
+      </p:pic>
+    </p:spTree>
+    <p:extLst>
+      <p:ext uri="{BB962C8B-B14F-4D97-AF65-F5344CB8AC3E}">
+        <p14:creationId xmlns:p14="http://schemas.microsoft.com/office/powerpoint/2010/main" val="4188370734"/>
+      </p:ext>
+    </p:extLst>
+  </p:cSld>
+  <p:clrMapOvr>
+    <a:masterClrMapping/>
+  </p:clrMapOvr>
+</p:sld>
+</file>
+
+<file path=ppt/slides/slide27.xml><?xml version="1.0" encoding="utf-8"?>
 <p:sld xmlns:a="http://schemas.openxmlformats.org/drawingml/2006/main" xmlns:r="http://schemas.openxmlformats.org/officeDocument/2006/relationships" xmlns:p="http://schemas.openxmlformats.org/presentationml/2006/main">
   <p:cSld>
     <p:spTree>
@@ -20574,7 +20095,7 @@
 </p:sld>
 </file>
 
-<file path=ppt/slides/slide27.xml><?xml version="1.0" encoding="utf-8"?>
+<file path=ppt/slides/slide28.xml><?xml version="1.0" encoding="utf-8"?>
 <p:sld xmlns:a="http://schemas.openxmlformats.org/drawingml/2006/main" xmlns:r="http://schemas.openxmlformats.org/officeDocument/2006/relationships" xmlns:p="http://schemas.openxmlformats.org/presentationml/2006/main">
   <p:cSld>
     <p:spTree>
@@ -21472,7 +20993,7 @@
 </p:sld>
 </file>
 
-<file path=ppt/slides/slide28.xml><?xml version="1.0" encoding="utf-8"?>
+<file path=ppt/slides/slide29.xml><?xml version="1.0" encoding="utf-8"?>
 <p:sld xmlns:a="http://schemas.openxmlformats.org/drawingml/2006/main" xmlns:r="http://schemas.openxmlformats.org/officeDocument/2006/relationships" xmlns:p="http://schemas.openxmlformats.org/presentationml/2006/main">
   <p:cSld>
     <p:spTree>
@@ -22377,913 +21898,6 @@
     <p:extLst>
       <p:ext uri="{BB962C8B-B14F-4D97-AF65-F5344CB8AC3E}">
         <p14:creationId xmlns:p14="http://schemas.microsoft.com/office/powerpoint/2010/main" val="1792232083"/>
-      </p:ext>
-    </p:extLst>
-  </p:cSld>
-  <p:clrMapOvr>
-    <a:masterClrMapping/>
-  </p:clrMapOvr>
-</p:sld>
-</file>
-
-<file path=ppt/slides/slide29.xml><?xml version="1.0" encoding="utf-8"?>
-<p:sld xmlns:a="http://schemas.openxmlformats.org/drawingml/2006/main" xmlns:r="http://schemas.openxmlformats.org/officeDocument/2006/relationships" xmlns:p="http://schemas.openxmlformats.org/presentationml/2006/main">
-  <p:cSld>
-    <p:spTree>
-      <p:nvGrpSpPr>
-        <p:cNvPr id="1" name="Shape 545">
-          <a:extLst>
-            <a:ext uri="{FF2B5EF4-FFF2-40B4-BE49-F238E27FC236}">
-              <a16:creationId xmlns:a16="http://schemas.microsoft.com/office/drawing/2014/main" id="{EB866469-E456-115A-C43D-911E78C557AA}"/>
-            </a:ext>
-          </a:extLst>
-        </p:cNvPr>
-        <p:cNvGrpSpPr/>
-        <p:nvPr/>
-      </p:nvGrpSpPr>
-      <p:grpSpPr>
-        <a:xfrm>
-          <a:off x="0" y="0"/>
-          <a:ext cx="0" cy="0"/>
-          <a:chOff x="0" y="0"/>
-          <a:chExt cx="0" cy="0"/>
-        </a:xfrm>
-      </p:grpSpPr>
-      <p:grpSp>
-        <p:nvGrpSpPr>
-          <p:cNvPr id="546" name="Google Shape;546;p57">
-            <a:extLst>
-              <a:ext uri="{FF2B5EF4-FFF2-40B4-BE49-F238E27FC236}">
-                <a16:creationId xmlns:a16="http://schemas.microsoft.com/office/drawing/2014/main" id="{C93C1D79-E248-A257-ECCB-7ECA998DAC83}"/>
-              </a:ext>
-            </a:extLst>
-          </p:cNvPr>
-          <p:cNvGrpSpPr/>
-          <p:nvPr/>
-        </p:nvGrpSpPr>
-        <p:grpSpPr>
-          <a:xfrm>
-            <a:off x="0" y="-296727"/>
-            <a:ext cx="9144000" cy="2571600"/>
-            <a:chOff x="0" y="0"/>
-            <a:chExt cx="9144000" cy="2571600"/>
-          </a:xfrm>
-        </p:grpSpPr>
-        <p:sp>
-          <p:nvSpPr>
-            <p:cNvPr id="547" name="Google Shape;547;p57">
-              <a:extLst>
-                <a:ext uri="{FF2B5EF4-FFF2-40B4-BE49-F238E27FC236}">
-                  <a16:creationId xmlns:a16="http://schemas.microsoft.com/office/drawing/2014/main" id="{16BACF39-C174-7746-C317-962C43E266E9}"/>
-                </a:ext>
-              </a:extLst>
-            </p:cNvPr>
-            <p:cNvSpPr/>
-            <p:nvPr/>
-          </p:nvSpPr>
-          <p:spPr>
-            <a:xfrm>
-              <a:off x="0" y="840300"/>
-              <a:ext cx="9144000" cy="870000"/>
-            </a:xfrm>
-            <a:prstGeom prst="rect">
-              <a:avLst/>
-            </a:prstGeom>
-            <a:solidFill>
-              <a:schemeClr val="dk2"/>
-            </a:solidFill>
-            <a:ln>
-              <a:noFill/>
-            </a:ln>
-          </p:spPr>
-          <p:txBody>
-            <a:bodyPr spcFirstLastPara="1" wrap="square" lIns="91425" tIns="91425" rIns="91425" bIns="91425" anchor="ctr" anchorCtr="0">
-              <a:noAutofit/>
-            </a:bodyPr>
-            <a:lstStyle/>
-            <a:p>
-              <a:pPr marL="0" lvl="0" indent="0" algn="l" rtl="0">
-                <a:spcBef>
-                  <a:spcPts val="0"/>
-                </a:spcBef>
-                <a:spcAft>
-                  <a:spcPts val="0"/>
-                </a:spcAft>
-                <a:buNone/>
-              </a:pPr>
-              <a:endParaRPr/>
-            </a:p>
-          </p:txBody>
-        </p:sp>
-        <p:cxnSp>
-          <p:nvCxnSpPr>
-            <p:cNvPr id="548" name="Google Shape;548;p57">
-              <a:extLst>
-                <a:ext uri="{FF2B5EF4-FFF2-40B4-BE49-F238E27FC236}">
-                  <a16:creationId xmlns:a16="http://schemas.microsoft.com/office/drawing/2014/main" id="{8C000DB6-FCEC-6338-70BA-BBA1F8509627}"/>
-                </a:ext>
-              </a:extLst>
-            </p:cNvPr>
-            <p:cNvCxnSpPr/>
-            <p:nvPr/>
-          </p:nvCxnSpPr>
-          <p:spPr>
-            <a:xfrm>
-              <a:off x="283800" y="0"/>
-              <a:ext cx="0" cy="2571600"/>
-            </a:xfrm>
-            <a:prstGeom prst="straightConnector1">
-              <a:avLst/>
-            </a:prstGeom>
-            <a:noFill/>
-            <a:ln w="9525" cap="flat" cmpd="sng">
-              <a:solidFill>
-                <a:schemeClr val="dk1"/>
-              </a:solidFill>
-              <a:prstDash val="solid"/>
-              <a:round/>
-              <a:headEnd type="none" w="med" len="med"/>
-              <a:tailEnd type="none" w="med" len="med"/>
-            </a:ln>
-          </p:spPr>
-        </p:cxnSp>
-      </p:grpSp>
-      <p:sp>
-        <p:nvSpPr>
-          <p:cNvPr id="551" name="Google Shape;551;p57">
-            <a:extLst>
-              <a:ext uri="{FF2B5EF4-FFF2-40B4-BE49-F238E27FC236}">
-                <a16:creationId xmlns:a16="http://schemas.microsoft.com/office/drawing/2014/main" id="{F26D4502-0381-F4DA-3C1C-A1DEFDC81FC4}"/>
-              </a:ext>
-            </a:extLst>
-          </p:cNvPr>
-          <p:cNvSpPr/>
-          <p:nvPr/>
-        </p:nvSpPr>
-        <p:spPr>
-          <a:xfrm>
-            <a:off x="7703900" y="1071700"/>
-            <a:ext cx="532500" cy="407200"/>
-          </a:xfrm>
-          <a:prstGeom prst="rect">
-            <a:avLst/>
-          </a:prstGeom>
-        </p:spPr>
-        <p:txBody>
-          <a:bodyPr>
-            <a:prstTxWarp prst="textPlain">
-              <a:avLst/>
-            </a:prstTxWarp>
-          </a:bodyPr>
-          <a:lstStyle/>
-          <a:p>
-            <a:pPr lvl="0" algn="ctr"/>
-            <a:endParaRPr b="0" i="0" dirty="0">
-              <a:ln w="19050" cap="flat" cmpd="sng">
-                <a:solidFill>
-                  <a:schemeClr val="dk1"/>
-                </a:solidFill>
-                <a:prstDash val="solid"/>
-                <a:round/>
-                <a:headEnd type="none" w="sm" len="sm"/>
-                <a:tailEnd type="none" w="sm" len="sm"/>
-              </a:ln>
-              <a:noFill/>
-              <a:latin typeface="Golos Text"/>
-            </a:endParaRPr>
-          </a:p>
-        </p:txBody>
-      </p:sp>
-      <p:sp>
-        <p:nvSpPr>
-          <p:cNvPr id="2" name="Google Shape;344;p46">
-            <a:extLst>
-              <a:ext uri="{FF2B5EF4-FFF2-40B4-BE49-F238E27FC236}">
-                <a16:creationId xmlns:a16="http://schemas.microsoft.com/office/drawing/2014/main" id="{3B76D4C9-3B32-2E16-9C43-B23AF79D25CA}"/>
-              </a:ext>
-            </a:extLst>
-          </p:cNvPr>
-          <p:cNvSpPr txBox="1">
-            <a:spLocks/>
-          </p:cNvSpPr>
-          <p:nvPr/>
-        </p:nvSpPr>
-        <p:spPr>
-          <a:xfrm>
-            <a:off x="283800" y="841119"/>
-            <a:ext cx="8156460" cy="572454"/>
-          </a:xfrm>
-          <a:prstGeom prst="rect">
-            <a:avLst/>
-          </a:prstGeom>
-          <a:noFill/>
-          <a:ln>
-            <a:noFill/>
-          </a:ln>
-        </p:spPr>
-        <p:txBody>
-          <a:bodyPr spcFirstLastPara="1" wrap="square" lIns="91425" tIns="91425" rIns="91425" bIns="91425" anchor="b" anchorCtr="0">
-            <a:noAutofit/>
-          </a:bodyPr>
-          <a:lstStyle>
-            <a:defPPr marR="0" lvl="0" algn="l" rtl="0">
-              <a:lnSpc>
-                <a:spcPct val="100000"/>
-              </a:lnSpc>
-              <a:spcBef>
-                <a:spcPts val="0"/>
-              </a:spcBef>
-              <a:spcAft>
-                <a:spcPts val="0"/>
-              </a:spcAft>
-            </a:defPPr>
-            <a:lvl1pPr marR="0" lvl="0" algn="r" rtl="0">
-              <a:lnSpc>
-                <a:spcPct val="100000"/>
-              </a:lnSpc>
-              <a:spcBef>
-                <a:spcPts val="0"/>
-              </a:spcBef>
-              <a:spcAft>
-                <a:spcPts val="0"/>
-              </a:spcAft>
-              <a:buClr>
-                <a:schemeClr val="dk1"/>
-              </a:buClr>
-              <a:buSzPts val="2400"/>
-              <a:buFont typeface="Golos Text"/>
-              <a:buNone/>
-              <a:defRPr sz="2700" b="0" i="0" u="none" strike="noStrike" cap="none">
-                <a:solidFill>
-                  <a:schemeClr val="dk1"/>
-                </a:solidFill>
-                <a:latin typeface="Golos Text"/>
-                <a:ea typeface="Golos Text"/>
-                <a:cs typeface="Golos Text"/>
-                <a:sym typeface="Golos Text"/>
-              </a:defRPr>
-            </a:lvl1pPr>
-            <a:lvl2pPr marR="0" lvl="1" algn="ctr" rtl="0">
-              <a:lnSpc>
-                <a:spcPct val="100000"/>
-              </a:lnSpc>
-              <a:spcBef>
-                <a:spcPts val="0"/>
-              </a:spcBef>
-              <a:spcAft>
-                <a:spcPts val="0"/>
-              </a:spcAft>
-              <a:buClr>
-                <a:schemeClr val="dk1"/>
-              </a:buClr>
-              <a:buSzPts val="2400"/>
-              <a:buFont typeface="Golos Text"/>
-              <a:buNone/>
-              <a:defRPr sz="2400" b="0" i="0" u="none" strike="noStrike" cap="none">
-                <a:solidFill>
-                  <a:schemeClr val="dk1"/>
-                </a:solidFill>
-                <a:latin typeface="Golos Text"/>
-                <a:ea typeface="Golos Text"/>
-                <a:cs typeface="Golos Text"/>
-                <a:sym typeface="Golos Text"/>
-              </a:defRPr>
-            </a:lvl2pPr>
-            <a:lvl3pPr marR="0" lvl="2" algn="ctr" rtl="0">
-              <a:lnSpc>
-                <a:spcPct val="100000"/>
-              </a:lnSpc>
-              <a:spcBef>
-                <a:spcPts val="0"/>
-              </a:spcBef>
-              <a:spcAft>
-                <a:spcPts val="0"/>
-              </a:spcAft>
-              <a:buClr>
-                <a:schemeClr val="dk1"/>
-              </a:buClr>
-              <a:buSzPts val="2400"/>
-              <a:buFont typeface="Golos Text"/>
-              <a:buNone/>
-              <a:defRPr sz="2400" b="0" i="0" u="none" strike="noStrike" cap="none">
-                <a:solidFill>
-                  <a:schemeClr val="dk1"/>
-                </a:solidFill>
-                <a:latin typeface="Golos Text"/>
-                <a:ea typeface="Golos Text"/>
-                <a:cs typeface="Golos Text"/>
-                <a:sym typeface="Golos Text"/>
-              </a:defRPr>
-            </a:lvl3pPr>
-            <a:lvl4pPr marR="0" lvl="3" algn="ctr" rtl="0">
-              <a:lnSpc>
-                <a:spcPct val="100000"/>
-              </a:lnSpc>
-              <a:spcBef>
-                <a:spcPts val="0"/>
-              </a:spcBef>
-              <a:spcAft>
-                <a:spcPts val="0"/>
-              </a:spcAft>
-              <a:buClr>
-                <a:schemeClr val="dk1"/>
-              </a:buClr>
-              <a:buSzPts val="2400"/>
-              <a:buFont typeface="Golos Text"/>
-              <a:buNone/>
-              <a:defRPr sz="2400" b="0" i="0" u="none" strike="noStrike" cap="none">
-                <a:solidFill>
-                  <a:schemeClr val="dk1"/>
-                </a:solidFill>
-                <a:latin typeface="Golos Text"/>
-                <a:ea typeface="Golos Text"/>
-                <a:cs typeface="Golos Text"/>
-                <a:sym typeface="Golos Text"/>
-              </a:defRPr>
-            </a:lvl4pPr>
-            <a:lvl5pPr marR="0" lvl="4" algn="ctr" rtl="0">
-              <a:lnSpc>
-                <a:spcPct val="100000"/>
-              </a:lnSpc>
-              <a:spcBef>
-                <a:spcPts val="0"/>
-              </a:spcBef>
-              <a:spcAft>
-                <a:spcPts val="0"/>
-              </a:spcAft>
-              <a:buClr>
-                <a:schemeClr val="dk1"/>
-              </a:buClr>
-              <a:buSzPts val="2400"/>
-              <a:buFont typeface="Golos Text"/>
-              <a:buNone/>
-              <a:defRPr sz="2400" b="0" i="0" u="none" strike="noStrike" cap="none">
-                <a:solidFill>
-                  <a:schemeClr val="dk1"/>
-                </a:solidFill>
-                <a:latin typeface="Golos Text"/>
-                <a:ea typeface="Golos Text"/>
-                <a:cs typeface="Golos Text"/>
-                <a:sym typeface="Golos Text"/>
-              </a:defRPr>
-            </a:lvl5pPr>
-            <a:lvl6pPr marR="0" lvl="5" algn="ctr" rtl="0">
-              <a:lnSpc>
-                <a:spcPct val="100000"/>
-              </a:lnSpc>
-              <a:spcBef>
-                <a:spcPts val="0"/>
-              </a:spcBef>
-              <a:spcAft>
-                <a:spcPts val="0"/>
-              </a:spcAft>
-              <a:buClr>
-                <a:schemeClr val="dk1"/>
-              </a:buClr>
-              <a:buSzPts val="2400"/>
-              <a:buFont typeface="Golos Text"/>
-              <a:buNone/>
-              <a:defRPr sz="2400" b="0" i="0" u="none" strike="noStrike" cap="none">
-                <a:solidFill>
-                  <a:schemeClr val="dk1"/>
-                </a:solidFill>
-                <a:latin typeface="Golos Text"/>
-                <a:ea typeface="Golos Text"/>
-                <a:cs typeface="Golos Text"/>
-                <a:sym typeface="Golos Text"/>
-              </a:defRPr>
-            </a:lvl6pPr>
-            <a:lvl7pPr marR="0" lvl="6" algn="ctr" rtl="0">
-              <a:lnSpc>
-                <a:spcPct val="100000"/>
-              </a:lnSpc>
-              <a:spcBef>
-                <a:spcPts val="0"/>
-              </a:spcBef>
-              <a:spcAft>
-                <a:spcPts val="0"/>
-              </a:spcAft>
-              <a:buClr>
-                <a:schemeClr val="dk1"/>
-              </a:buClr>
-              <a:buSzPts val="2400"/>
-              <a:buFont typeface="Golos Text"/>
-              <a:buNone/>
-              <a:defRPr sz="2400" b="0" i="0" u="none" strike="noStrike" cap="none">
-                <a:solidFill>
-                  <a:schemeClr val="dk1"/>
-                </a:solidFill>
-                <a:latin typeface="Golos Text"/>
-                <a:ea typeface="Golos Text"/>
-                <a:cs typeface="Golos Text"/>
-                <a:sym typeface="Golos Text"/>
-              </a:defRPr>
-            </a:lvl7pPr>
-            <a:lvl8pPr marR="0" lvl="7" algn="ctr" rtl="0">
-              <a:lnSpc>
-                <a:spcPct val="100000"/>
-              </a:lnSpc>
-              <a:spcBef>
-                <a:spcPts val="0"/>
-              </a:spcBef>
-              <a:spcAft>
-                <a:spcPts val="0"/>
-              </a:spcAft>
-              <a:buClr>
-                <a:schemeClr val="dk1"/>
-              </a:buClr>
-              <a:buSzPts val="2400"/>
-              <a:buFont typeface="Golos Text"/>
-              <a:buNone/>
-              <a:defRPr sz="2400" b="0" i="0" u="none" strike="noStrike" cap="none">
-                <a:solidFill>
-                  <a:schemeClr val="dk1"/>
-                </a:solidFill>
-                <a:latin typeface="Golos Text"/>
-                <a:ea typeface="Golos Text"/>
-                <a:cs typeface="Golos Text"/>
-                <a:sym typeface="Golos Text"/>
-              </a:defRPr>
-            </a:lvl8pPr>
-            <a:lvl9pPr marR="0" lvl="8" algn="ctr" rtl="0">
-              <a:lnSpc>
-                <a:spcPct val="100000"/>
-              </a:lnSpc>
-              <a:spcBef>
-                <a:spcPts val="0"/>
-              </a:spcBef>
-              <a:spcAft>
-                <a:spcPts val="0"/>
-              </a:spcAft>
-              <a:buClr>
-                <a:schemeClr val="dk1"/>
-              </a:buClr>
-              <a:buSzPts val="2400"/>
-              <a:buFont typeface="Golos Text"/>
-              <a:buNone/>
-              <a:defRPr sz="2400" b="0" i="0" u="none" strike="noStrike" cap="none">
-                <a:solidFill>
-                  <a:schemeClr val="dk1"/>
-                </a:solidFill>
-                <a:latin typeface="Golos Text"/>
-                <a:ea typeface="Golos Text"/>
-                <a:cs typeface="Golos Text"/>
-                <a:sym typeface="Golos Text"/>
-              </a:defRPr>
-            </a:lvl9pPr>
-          </a:lstStyle>
-          <a:p>
-            <a:pPr algn="ctr"/>
-            <a:r>
-              <a:rPr lang="en-US" sz="4800" b="1" dirty="0">
-                <a:latin typeface="+mn-lt"/>
-              </a:rPr>
-              <a:t>Why ClusterGAN Excels</a:t>
-            </a:r>
-          </a:p>
-        </p:txBody>
-      </p:sp>
-      <p:sp>
-        <p:nvSpPr>
-          <p:cNvPr id="7" name="Rectangle 3">
-            <a:extLst>
-              <a:ext uri="{FF2B5EF4-FFF2-40B4-BE49-F238E27FC236}">
-                <a16:creationId xmlns:a16="http://schemas.microsoft.com/office/drawing/2014/main" id="{F102DE91-7FF2-F481-98F6-C8197A6EC508}"/>
-              </a:ext>
-            </a:extLst>
-          </p:cNvPr>
-          <p:cNvSpPr>
-            <a:spLocks noGrp="1" noChangeArrowheads="1"/>
-          </p:cNvSpPr>
-          <p:nvPr>
-            <p:ph type="ctrTitle"/>
-          </p:nvPr>
-        </p:nvSpPr>
-        <p:spPr bwMode="auto">
-          <a:xfrm>
-            <a:off x="366031" y="1644154"/>
-            <a:ext cx="7741225" cy="2585323"/>
-          </a:xfrm>
-          <a:prstGeom prst="rect">
-            <a:avLst/>
-          </a:prstGeom>
-          <a:noFill/>
-          <a:ln>
-            <a:noFill/>
-          </a:ln>
-          <a:effectLst/>
-          <a:extLst>
-            <a:ext uri="{909E8E84-426E-40DD-AFC4-6F175D3DCCD1}">
-              <a14:hiddenFill xmlns:a14="http://schemas.microsoft.com/office/drawing/2010/main">
-                <a:solidFill>
-                  <a:schemeClr val="accent1"/>
-                </a:solidFill>
-              </a14:hiddenFill>
-            </a:ext>
-            <a:ext uri="{91240B29-F687-4F45-9708-019B960494DF}">
-              <a14:hiddenLine xmlns:a14="http://schemas.microsoft.com/office/drawing/2010/main" w="9525">
-                <a:solidFill>
-                  <a:schemeClr val="tx1"/>
-                </a:solidFill>
-                <a:miter lim="800000"/>
-                <a:headEnd/>
-                <a:tailEnd/>
-              </a14:hiddenLine>
-            </a:ext>
-            <a:ext uri="{AF507438-7753-43E0-B8FC-AC1667EBCBE1}">
-              <a14:hiddenEffects xmlns:a14="http://schemas.microsoft.com/office/drawing/2010/main">
-                <a:effectLst>
-                  <a:outerShdw dist="35921" dir="2700000" algn="ctr" rotWithShape="0">
-                    <a:schemeClr val="bg2"/>
-                  </a:outerShdw>
-                </a:effectLst>
-              </a14:hiddenEffects>
-            </a:ext>
-          </a:extLst>
-        </p:spPr>
-        <p:txBody>
-          <a:bodyPr vert="horz" wrap="square" lIns="91440" tIns="45720" rIns="91440" bIns="45720" numCol="1" anchor="ctr" anchorCtr="0" compatLnSpc="1">
-            <a:prstTxWarp prst="textNoShape">
-              <a:avLst/>
-            </a:prstTxWarp>
-            <a:spAutoFit/>
-          </a:bodyPr>
-          <a:lstStyle/>
-          <a:p>
-            <a:pPr marL="0" marR="0" lvl="0" indent="0" algn="l" defTabSz="914400" rtl="0" eaLnBrk="0" fontAlgn="base" latinLnBrk="0" hangingPunct="0">
-              <a:lnSpc>
-                <a:spcPct val="100000"/>
-              </a:lnSpc>
-              <a:spcBef>
-                <a:spcPct val="0"/>
-              </a:spcBef>
-              <a:spcAft>
-                <a:spcPct val="0"/>
-              </a:spcAft>
-              <a:buClrTx/>
-              <a:buSzTx/>
-              <a:buFontTx/>
-              <a:buChar char="•"/>
-              <a:tabLst/>
-            </a:pPr>
-            <a:r>
-              <a:rPr kumimoji="0" lang="en-IL" altLang="en-IL" sz="1800" b="1" i="0" u="none" strike="noStrike" cap="none" normalizeH="0" baseline="0" dirty="0">
-                <a:ln>
-                  <a:noFill/>
-                </a:ln>
-                <a:solidFill>
-                  <a:schemeClr val="tx1"/>
-                </a:solidFill>
-                <a:effectLst/>
-                <a:latin typeface="Arial" panose="020B0604020202020204" pitchFamily="34" charset="0"/>
-              </a:rPr>
-              <a:t>Organized Latent Space</a:t>
-            </a:r>
-            <a:r>
-              <a:rPr kumimoji="0" lang="en-IL" altLang="en-IL" sz="1800" b="0" i="0" u="none" strike="noStrike" cap="none" normalizeH="0" baseline="0" dirty="0">
-                <a:ln>
-                  <a:noFill/>
-                </a:ln>
-                <a:solidFill>
-                  <a:schemeClr val="tx1"/>
-                </a:solidFill>
-                <a:effectLst/>
-                <a:latin typeface="Arial" panose="020B0604020202020204" pitchFamily="34" charset="0"/>
-              </a:rPr>
-              <a:t> → Uses discrete codes for </a:t>
-            </a:r>
-            <a:r>
-              <a:rPr kumimoji="0" lang="en-IL" altLang="en-IL" sz="1800" b="1" i="0" u="none" strike="noStrike" cap="none" normalizeH="0" baseline="0" dirty="0">
-                <a:ln>
-                  <a:noFill/>
-                </a:ln>
-                <a:solidFill>
-                  <a:schemeClr val="tx1"/>
-                </a:solidFill>
-                <a:effectLst/>
-                <a:latin typeface="Arial" panose="020B0604020202020204" pitchFamily="34" charset="0"/>
-              </a:rPr>
-              <a:t>clear clustering</a:t>
-            </a:r>
-            <a:br>
-              <a:rPr kumimoji="0" lang="en-US" altLang="en-IL" sz="1800" b="1" i="0" u="none" strike="noStrike" cap="none" normalizeH="0" baseline="0" dirty="0">
-                <a:ln>
-                  <a:noFill/>
-                </a:ln>
-                <a:solidFill>
-                  <a:schemeClr val="tx1"/>
-                </a:solidFill>
-                <a:effectLst/>
-                <a:latin typeface="Arial" panose="020B0604020202020204" pitchFamily="34" charset="0"/>
-              </a:rPr>
-            </a:br>
-            <a:endParaRPr kumimoji="0" lang="en-IL" altLang="en-IL" sz="1800" b="0" i="0" u="none" strike="noStrike" cap="none" normalizeH="0" baseline="0" dirty="0">
-              <a:ln>
-                <a:noFill/>
-              </a:ln>
-              <a:solidFill>
-                <a:schemeClr val="tx1"/>
-              </a:solidFill>
-              <a:effectLst/>
-              <a:latin typeface="Arial" panose="020B0604020202020204" pitchFamily="34" charset="0"/>
-            </a:endParaRPr>
-          </a:p>
-          <a:p>
-            <a:pPr marL="0" marR="0" lvl="0" indent="0" algn="l" defTabSz="914400" rtl="0" eaLnBrk="0" fontAlgn="base" latinLnBrk="0" hangingPunct="0">
-              <a:lnSpc>
-                <a:spcPct val="100000"/>
-              </a:lnSpc>
-              <a:spcBef>
-                <a:spcPct val="0"/>
-              </a:spcBef>
-              <a:spcAft>
-                <a:spcPct val="0"/>
-              </a:spcAft>
-              <a:buClrTx/>
-              <a:buSzTx/>
-              <a:buFontTx/>
-              <a:buChar char="•"/>
-              <a:tabLst/>
-            </a:pPr>
-            <a:r>
-              <a:rPr kumimoji="0" lang="en-IL" altLang="en-IL" sz="1800" b="1" i="0" u="none" strike="noStrike" cap="none" normalizeH="0" baseline="0" dirty="0">
-                <a:ln>
-                  <a:noFill/>
-                </a:ln>
-                <a:solidFill>
-                  <a:schemeClr val="tx1"/>
-                </a:solidFill>
-                <a:effectLst/>
-                <a:latin typeface="Arial" panose="020B0604020202020204" pitchFamily="34" charset="0"/>
-              </a:rPr>
-              <a:t>Better Representation</a:t>
-            </a:r>
-            <a:r>
-              <a:rPr kumimoji="0" lang="en-IL" altLang="en-IL" sz="1800" b="0" i="0" u="none" strike="noStrike" cap="none" normalizeH="0" baseline="0" dirty="0">
-                <a:ln>
-                  <a:noFill/>
-                </a:ln>
-                <a:solidFill>
-                  <a:schemeClr val="tx1"/>
-                </a:solidFill>
-                <a:effectLst/>
-                <a:latin typeface="Arial" panose="020B0604020202020204" pitchFamily="34" charset="0"/>
-              </a:rPr>
-              <a:t> → Learns relationships, </a:t>
-            </a:r>
-            <a:r>
-              <a:rPr kumimoji="0" lang="en-IL" altLang="en-IL" sz="1800" b="1" i="0" u="none" strike="noStrike" cap="none" normalizeH="0" baseline="0" dirty="0">
-                <a:ln>
-                  <a:noFill/>
-                </a:ln>
-                <a:solidFill>
-                  <a:schemeClr val="tx1"/>
-                </a:solidFill>
-                <a:effectLst/>
-                <a:latin typeface="Arial" panose="020B0604020202020204" pitchFamily="34" charset="0"/>
-              </a:rPr>
-              <a:t>not just images</a:t>
-            </a:r>
-            <a:br>
-              <a:rPr kumimoji="0" lang="en-US" altLang="en-IL" sz="1800" b="1" i="0" u="none" strike="noStrike" cap="none" normalizeH="0" baseline="0" dirty="0">
-                <a:ln>
-                  <a:noFill/>
-                </a:ln>
-                <a:solidFill>
-                  <a:schemeClr val="tx1"/>
-                </a:solidFill>
-                <a:effectLst/>
-                <a:latin typeface="Arial" panose="020B0604020202020204" pitchFamily="34" charset="0"/>
-              </a:rPr>
-            </a:br>
-            <a:endParaRPr kumimoji="0" lang="en-IL" altLang="en-IL" sz="1800" b="0" i="0" u="none" strike="noStrike" cap="none" normalizeH="0" baseline="0" dirty="0">
-              <a:ln>
-                <a:noFill/>
-              </a:ln>
-              <a:solidFill>
-                <a:schemeClr val="tx1"/>
-              </a:solidFill>
-              <a:effectLst/>
-              <a:latin typeface="Arial" panose="020B0604020202020204" pitchFamily="34" charset="0"/>
-            </a:endParaRPr>
-          </a:p>
-          <a:p>
-            <a:pPr marL="0" marR="0" lvl="0" indent="0" algn="l" defTabSz="914400" rtl="0" eaLnBrk="0" fontAlgn="base" latinLnBrk="0" hangingPunct="0">
-              <a:lnSpc>
-                <a:spcPct val="100000"/>
-              </a:lnSpc>
-              <a:spcBef>
-                <a:spcPct val="0"/>
-              </a:spcBef>
-              <a:spcAft>
-                <a:spcPct val="0"/>
-              </a:spcAft>
-              <a:buClrTx/>
-              <a:buSzTx/>
-              <a:buFontTx/>
-              <a:buChar char="•"/>
-              <a:tabLst/>
-            </a:pPr>
-            <a:r>
-              <a:rPr kumimoji="0" lang="en-IL" altLang="en-IL" sz="1800" b="1" i="0" u="none" strike="noStrike" cap="none" normalizeH="0" baseline="0" dirty="0">
-                <a:ln>
-                  <a:noFill/>
-                </a:ln>
-                <a:solidFill>
-                  <a:schemeClr val="tx1"/>
-                </a:solidFill>
-                <a:effectLst/>
-                <a:latin typeface="Arial" panose="020B0604020202020204" pitchFamily="34" charset="0"/>
-              </a:rPr>
-              <a:t>Strong Separation &amp; Smooth Transitions</a:t>
-            </a:r>
-            <a:r>
-              <a:rPr kumimoji="0" lang="en-IL" altLang="en-IL" sz="1800" b="0" i="0" u="none" strike="noStrike" cap="none" normalizeH="0" baseline="0" dirty="0">
-                <a:ln>
-                  <a:noFill/>
-                </a:ln>
-                <a:solidFill>
-                  <a:schemeClr val="tx1"/>
-                </a:solidFill>
-                <a:effectLst/>
-                <a:latin typeface="Arial" panose="020B0604020202020204" pitchFamily="34" charset="0"/>
-              </a:rPr>
-              <a:t> → </a:t>
-            </a:r>
-            <a:r>
-              <a:rPr kumimoji="0" lang="en-IL" altLang="en-IL" sz="1800" b="1" i="0" u="none" strike="noStrike" cap="none" normalizeH="0" baseline="0" dirty="0">
-                <a:ln>
-                  <a:noFill/>
-                </a:ln>
-                <a:solidFill>
-                  <a:schemeClr val="tx1"/>
-                </a:solidFill>
-                <a:effectLst/>
-                <a:latin typeface="Arial" panose="020B0604020202020204" pitchFamily="34" charset="0"/>
-              </a:rPr>
-              <a:t>Clusters remain distinct</a:t>
-            </a:r>
-            <a:r>
-              <a:rPr kumimoji="0" lang="en-IL" altLang="en-IL" sz="1800" b="0" i="0" u="none" strike="noStrike" cap="none" normalizeH="0" baseline="0" dirty="0">
-                <a:ln>
-                  <a:noFill/>
-                </a:ln>
-                <a:solidFill>
-                  <a:schemeClr val="tx1"/>
-                </a:solidFill>
-                <a:effectLst/>
-                <a:latin typeface="Arial" panose="020B0604020202020204" pitchFamily="34" charset="0"/>
-              </a:rPr>
-              <a:t>, but interpolation proves </a:t>
-            </a:r>
-            <a:r>
-              <a:rPr kumimoji="0" lang="en-IL" altLang="en-IL" sz="1800" b="1" i="0" u="none" strike="noStrike" cap="none" normalizeH="0" baseline="0" dirty="0">
-                <a:ln>
-                  <a:noFill/>
-                </a:ln>
-                <a:solidFill>
-                  <a:schemeClr val="tx1"/>
-                </a:solidFill>
-                <a:effectLst/>
-                <a:latin typeface="Arial" panose="020B0604020202020204" pitchFamily="34" charset="0"/>
-              </a:rPr>
-              <a:t>connections</a:t>
-            </a:r>
-            <a:br>
-              <a:rPr kumimoji="0" lang="en-US" altLang="en-IL" sz="1800" b="1" i="0" u="none" strike="noStrike" cap="none" normalizeH="0" baseline="0" dirty="0">
-                <a:ln>
-                  <a:noFill/>
-                </a:ln>
-                <a:solidFill>
-                  <a:schemeClr val="tx1"/>
-                </a:solidFill>
-                <a:effectLst/>
-                <a:latin typeface="Arial" panose="020B0604020202020204" pitchFamily="34" charset="0"/>
-              </a:rPr>
-            </a:br>
-            <a:endParaRPr kumimoji="0" lang="en-IL" altLang="en-IL" sz="1800" b="0" i="0" u="none" strike="noStrike" cap="none" normalizeH="0" baseline="0" dirty="0">
-              <a:ln>
-                <a:noFill/>
-              </a:ln>
-              <a:solidFill>
-                <a:schemeClr val="tx1"/>
-              </a:solidFill>
-              <a:effectLst/>
-              <a:latin typeface="Arial" panose="020B0604020202020204" pitchFamily="34" charset="0"/>
-            </a:endParaRPr>
-          </a:p>
-          <a:p>
-            <a:pPr marL="0" marR="0" lvl="0" indent="0" algn="l" defTabSz="914400" rtl="0" eaLnBrk="0" fontAlgn="base" latinLnBrk="0" hangingPunct="0">
-              <a:lnSpc>
-                <a:spcPct val="100000"/>
-              </a:lnSpc>
-              <a:spcBef>
-                <a:spcPct val="0"/>
-              </a:spcBef>
-              <a:spcAft>
-                <a:spcPct val="0"/>
-              </a:spcAft>
-              <a:buClrTx/>
-              <a:buSzTx/>
-              <a:buFontTx/>
-              <a:buChar char="•"/>
-              <a:tabLst/>
-            </a:pPr>
-            <a:r>
-              <a:rPr kumimoji="0" lang="en-IL" altLang="en-IL" sz="1800" b="1" i="0" u="none" strike="noStrike" cap="none" normalizeH="0" baseline="0" dirty="0">
-                <a:ln>
-                  <a:noFill/>
-                </a:ln>
-                <a:solidFill>
-                  <a:schemeClr val="tx1"/>
-                </a:solidFill>
-                <a:effectLst/>
-                <a:latin typeface="Arial" panose="020B0604020202020204" pitchFamily="34" charset="0"/>
-              </a:rPr>
-              <a:t>Designed for Clustering</a:t>
-            </a:r>
-            <a:r>
-              <a:rPr kumimoji="0" lang="en-IL" altLang="en-IL" sz="1800" b="0" i="0" u="none" strike="noStrike" cap="none" normalizeH="0" baseline="0" dirty="0">
-                <a:ln>
-                  <a:noFill/>
-                </a:ln>
-                <a:solidFill>
-                  <a:schemeClr val="tx1"/>
-                </a:solidFill>
-                <a:effectLst/>
-                <a:latin typeface="Arial" panose="020B0604020202020204" pitchFamily="34" charset="0"/>
-              </a:rPr>
-              <a:t> → Unlike </a:t>
-            </a:r>
-            <a:r>
-              <a:rPr kumimoji="0" lang="en-IL" altLang="en-IL" sz="1800" b="0" i="0" u="none" strike="noStrike" cap="none" normalizeH="0" baseline="0" dirty="0" err="1">
-                <a:ln>
-                  <a:noFill/>
-                </a:ln>
-                <a:solidFill>
-                  <a:schemeClr val="tx1"/>
-                </a:solidFill>
-                <a:effectLst/>
-                <a:latin typeface="Arial" panose="020B0604020202020204" pitchFamily="34" charset="0"/>
-              </a:rPr>
-              <a:t>InfoGAN</a:t>
-            </a:r>
-            <a:r>
-              <a:rPr kumimoji="0" lang="en-IL" altLang="en-IL" sz="1800" b="0" i="0" u="none" strike="noStrike" cap="none" normalizeH="0" baseline="0" dirty="0">
-                <a:ln>
-                  <a:noFill/>
-                </a:ln>
-                <a:solidFill>
-                  <a:schemeClr val="tx1"/>
-                </a:solidFill>
-                <a:effectLst/>
-                <a:latin typeface="Arial" panose="020B0604020202020204" pitchFamily="34" charset="0"/>
-              </a:rPr>
-              <a:t>, </a:t>
-            </a:r>
-            <a:r>
-              <a:rPr kumimoji="0" lang="en-IL" altLang="en-IL" sz="1800" b="1" i="0" u="none" strike="noStrike" cap="none" normalizeH="0" baseline="0" dirty="0" err="1">
-                <a:ln>
-                  <a:noFill/>
-                </a:ln>
-                <a:solidFill>
-                  <a:schemeClr val="tx1"/>
-                </a:solidFill>
-                <a:effectLst/>
-                <a:latin typeface="Arial" panose="020B0604020202020204" pitchFamily="34" charset="0"/>
-              </a:rPr>
-              <a:t>ClusterGAN</a:t>
-            </a:r>
-            <a:r>
-              <a:rPr kumimoji="0" lang="en-IL" altLang="en-IL" sz="1800" b="1" i="0" u="none" strike="noStrike" cap="none" normalizeH="0" baseline="0" dirty="0">
-                <a:ln>
-                  <a:noFill/>
-                </a:ln>
-                <a:solidFill>
-                  <a:schemeClr val="tx1"/>
-                </a:solidFill>
-                <a:effectLst/>
-                <a:latin typeface="Arial" panose="020B0604020202020204" pitchFamily="34" charset="0"/>
-              </a:rPr>
-              <a:t> explicitly optimizes for structured clusters</a:t>
-            </a:r>
-            <a:endParaRPr kumimoji="0" lang="en-IL" altLang="en-IL" sz="1800" b="0" i="0" u="none" strike="noStrike" cap="none" normalizeH="0" baseline="0" dirty="0">
-              <a:ln>
-                <a:noFill/>
-              </a:ln>
-              <a:solidFill>
-                <a:schemeClr val="tx1"/>
-              </a:solidFill>
-              <a:effectLst/>
-              <a:latin typeface="Arial" panose="020B0604020202020204" pitchFamily="34" charset="0"/>
-            </a:endParaRPr>
-          </a:p>
-        </p:txBody>
-      </p:sp>
-    </p:spTree>
-    <p:extLst>
-      <p:ext uri="{BB962C8B-B14F-4D97-AF65-F5344CB8AC3E}">
-        <p14:creationId xmlns:p14="http://schemas.microsoft.com/office/powerpoint/2010/main" val="2479230380"/>
       </p:ext>
     </p:extLst>
   </p:cSld>
